--- a/Documents/LevelDesign/Fixes/Lumo_Stage_Fixes.pptx
+++ b/Documents/LevelDesign/Fixes/Lumo_Stage_Fixes.pptx
@@ -21202,4974 +21202,6 @@
           </a:p>
         </p:txBody>
       </p:sp>
-      <p:grpSp>
-        <p:nvGrpSpPr>
-          <p:cNvPr id="5" name="그룹 4">
-            <a:extLst>
-              <a:ext uri="{FF2B5EF4-FFF2-40B4-BE49-F238E27FC236}">
-                <a16:creationId xmlns:a16="http://schemas.microsoft.com/office/drawing/2014/main" id="{364165B6-B423-35BC-184E-B04FE097FAB5}"/>
-              </a:ext>
-            </a:extLst>
-          </p:cNvPr>
-          <p:cNvGrpSpPr/>
-          <p:nvPr/>
-        </p:nvGrpSpPr>
-        <p:grpSpPr>
-          <a:xfrm>
-            <a:off x="1308110" y="2070132"/>
-            <a:ext cx="9721648" cy="3450944"/>
-            <a:chOff x="759155" y="2567281"/>
-            <a:chExt cx="9721648" cy="3450944"/>
-          </a:xfrm>
-        </p:grpSpPr>
-        <p:sp>
-          <p:nvSpPr>
-            <p:cNvPr id="91" name="직사각형 260">
-              <a:extLst>
-                <a:ext uri="{FF2B5EF4-FFF2-40B4-BE49-F238E27FC236}">
-                  <a16:creationId xmlns:a16="http://schemas.microsoft.com/office/drawing/2014/main" id="{0981E3BF-4C3A-83E5-5B68-684B728E3544}"/>
-                </a:ext>
-              </a:extLst>
-            </p:cNvPr>
-            <p:cNvSpPr/>
-            <p:nvPr/>
-          </p:nvSpPr>
-          <p:spPr>
-            <a:xfrm>
-              <a:off x="5213411" y="4060025"/>
-              <a:ext cx="610060" cy="425578"/>
-            </a:xfrm>
-            <a:prstGeom prst="rect">
-              <a:avLst/>
-            </a:prstGeom>
-            <a:gradFill flip="none" rotWithShape="1">
-              <a:gsLst>
-                <a:gs pos="0">
-                  <a:schemeClr val="accent6">
-                    <a:lumMod val="60000"/>
-                    <a:lumOff val="40000"/>
-                  </a:schemeClr>
-                </a:gs>
-                <a:gs pos="100000">
-                  <a:schemeClr val="accent6">
-                    <a:lumMod val="20000"/>
-                    <a:lumOff val="80000"/>
-                  </a:schemeClr>
-                </a:gs>
-              </a:gsLst>
-              <a:lin ang="0" scaled="1"/>
-              <a:tileRect/>
-            </a:gradFill>
-            <a:ln w="12700">
-              <a:solidFill>
-                <a:srgbClr val="000000"/>
-              </a:solidFill>
-            </a:ln>
-          </p:spPr>
-          <p:style>
-            <a:lnRef idx="2">
-              <a:schemeClr val="accent1">
-                <a:shade val="50000"/>
-              </a:schemeClr>
-            </a:lnRef>
-            <a:fillRef idx="1">
-              <a:schemeClr val="accent1"/>
-            </a:fillRef>
-            <a:effectRef idx="0">
-              <a:schemeClr val="accent1"/>
-            </a:effectRef>
-            <a:fontRef idx="minor"/>
-          </p:style>
-        </p:sp>
-        <p:sp>
-          <p:nvSpPr>
-            <p:cNvPr id="94" name="직사각형 260">
-              <a:extLst>
-                <a:ext uri="{FF2B5EF4-FFF2-40B4-BE49-F238E27FC236}">
-                  <a16:creationId xmlns:a16="http://schemas.microsoft.com/office/drawing/2014/main" id="{9EC5956C-851E-777D-1F15-142D0379871F}"/>
-                </a:ext>
-              </a:extLst>
-            </p:cNvPr>
-            <p:cNvSpPr/>
-            <p:nvPr/>
-          </p:nvSpPr>
-          <p:spPr>
-            <a:xfrm>
-              <a:off x="5844037" y="2650311"/>
-              <a:ext cx="3710292" cy="3249262"/>
-            </a:xfrm>
-            <a:prstGeom prst="rect">
-              <a:avLst/>
-            </a:prstGeom>
-            <a:solidFill>
-              <a:schemeClr val="bg1">
-                <a:lumMod val="95000"/>
-              </a:schemeClr>
-            </a:solidFill>
-            <a:ln w="12700">
-              <a:solidFill>
-                <a:srgbClr val="000000"/>
-              </a:solidFill>
-            </a:ln>
-          </p:spPr>
-          <p:style>
-            <a:lnRef idx="2">
-              <a:schemeClr val="accent1">
-                <a:shade val="50000"/>
-              </a:schemeClr>
-            </a:lnRef>
-            <a:fillRef idx="1">
-              <a:schemeClr val="accent1"/>
-            </a:fillRef>
-            <a:effectRef idx="0">
-              <a:schemeClr val="accent1"/>
-            </a:effectRef>
-            <a:fontRef idx="minor"/>
-          </p:style>
-        </p:sp>
-        <p:sp>
-          <p:nvSpPr>
-            <p:cNvPr id="86" name="직사각형 85">
-              <a:extLst>
-                <a:ext uri="{FF2B5EF4-FFF2-40B4-BE49-F238E27FC236}">
-                  <a16:creationId xmlns:a16="http://schemas.microsoft.com/office/drawing/2014/main" id="{2EEFE058-4199-2C56-8D88-FAD6CC2ACB2D}"/>
-                </a:ext>
-              </a:extLst>
-            </p:cNvPr>
-            <p:cNvSpPr/>
-            <p:nvPr/>
-          </p:nvSpPr>
-          <p:spPr>
-            <a:xfrm>
-              <a:off x="5785418" y="4205772"/>
-              <a:ext cx="28609" cy="120913"/>
-            </a:xfrm>
-            <a:prstGeom prst="rect">
-              <a:avLst/>
-            </a:prstGeom>
-            <a:solidFill>
-              <a:srgbClr val="9966FF"/>
-            </a:solidFill>
-            <a:ln w="12700">
-              <a:solidFill>
-                <a:srgbClr val="000000"/>
-              </a:solidFill>
-            </a:ln>
-          </p:spPr>
-          <p:style>
-            <a:lnRef idx="2">
-              <a:schemeClr val="accent1">
-                <a:shade val="50000"/>
-              </a:schemeClr>
-            </a:lnRef>
-            <a:fillRef idx="1">
-              <a:schemeClr val="accent1"/>
-            </a:fillRef>
-            <a:effectRef idx="0">
-              <a:schemeClr val="accent1"/>
-            </a:effectRef>
-            <a:fontRef idx="minor"/>
-          </p:style>
-          <p:txBody>
-            <a:bodyPr rtlCol="0" anchor="ctr"/>
-            <a:lstStyle/>
-            <a:p>
-              <a:pPr algn="ctr"/>
-              <a:endParaRPr lang="ko-KR" altLang="en-US">
-                <a:solidFill>
-                  <a:schemeClr val="tx1"/>
-                </a:solidFill>
-              </a:endParaRPr>
-            </a:p>
-          </p:txBody>
-        </p:sp>
-        <p:sp>
-          <p:nvSpPr>
-            <p:cNvPr id="93" name="직사각형 92">
-              <a:extLst>
-                <a:ext uri="{FF2B5EF4-FFF2-40B4-BE49-F238E27FC236}">
-                  <a16:creationId xmlns:a16="http://schemas.microsoft.com/office/drawing/2014/main" id="{E30B25B6-4A3B-46CE-6CFF-B35DF7971520}"/>
-                </a:ext>
-              </a:extLst>
-            </p:cNvPr>
-            <p:cNvSpPr/>
-            <p:nvPr/>
-          </p:nvSpPr>
-          <p:spPr>
-            <a:xfrm>
-              <a:off x="5813466" y="4058994"/>
-              <a:ext cx="30570" cy="431895"/>
-            </a:xfrm>
-            <a:prstGeom prst="rect">
-              <a:avLst/>
-            </a:prstGeom>
-            <a:solidFill>
-              <a:srgbClr val="9966FF"/>
-            </a:solidFill>
-            <a:ln w="12700">
-              <a:solidFill>
-                <a:srgbClr val="000000"/>
-              </a:solidFill>
-            </a:ln>
-          </p:spPr>
-          <p:style>
-            <a:lnRef idx="2">
-              <a:schemeClr val="accent1">
-                <a:shade val="50000"/>
-              </a:schemeClr>
-            </a:lnRef>
-            <a:fillRef idx="1">
-              <a:schemeClr val="accent1"/>
-            </a:fillRef>
-            <a:effectRef idx="0">
-              <a:schemeClr val="accent1"/>
-            </a:effectRef>
-            <a:fontRef idx="minor"/>
-          </p:style>
-          <p:txBody>
-            <a:bodyPr rtlCol="0" anchor="ctr"/>
-            <a:lstStyle/>
-            <a:p>
-              <a:pPr algn="ctr"/>
-              <a:endParaRPr lang="ko-KR" altLang="en-US">
-                <a:solidFill>
-                  <a:schemeClr val="tx1"/>
-                </a:solidFill>
-              </a:endParaRPr>
-            </a:p>
-          </p:txBody>
-        </p:sp>
-        <p:sp>
-          <p:nvSpPr>
-            <p:cNvPr id="96" name="직사각형 260">
-              <a:extLst>
-                <a:ext uri="{FF2B5EF4-FFF2-40B4-BE49-F238E27FC236}">
-                  <a16:creationId xmlns:a16="http://schemas.microsoft.com/office/drawing/2014/main" id="{808FA587-8495-A1F3-D853-84E02909E4DA}"/>
-                </a:ext>
-              </a:extLst>
-            </p:cNvPr>
-            <p:cNvSpPr/>
-            <p:nvPr/>
-          </p:nvSpPr>
-          <p:spPr>
-            <a:xfrm>
-              <a:off x="6564566" y="2652634"/>
-              <a:ext cx="431622" cy="430694"/>
-            </a:xfrm>
-            <a:prstGeom prst="rect">
-              <a:avLst/>
-            </a:prstGeom>
-            <a:solidFill>
-              <a:schemeClr val="accent6">
-                <a:lumMod val="75000"/>
-              </a:schemeClr>
-            </a:solidFill>
-            <a:ln w="12700">
-              <a:solidFill>
-                <a:srgbClr val="000000"/>
-              </a:solidFill>
-            </a:ln>
-          </p:spPr>
-          <p:style>
-            <a:lnRef idx="2">
-              <a:schemeClr val="accent1">
-                <a:shade val="50000"/>
-              </a:schemeClr>
-            </a:lnRef>
-            <a:fillRef idx="1">
-              <a:schemeClr val="accent1"/>
-            </a:fillRef>
-            <a:effectRef idx="0">
-              <a:schemeClr val="accent1"/>
-            </a:effectRef>
-            <a:fontRef idx="minor"/>
-          </p:style>
-        </p:sp>
-        <p:sp>
-          <p:nvSpPr>
-            <p:cNvPr id="97" name="직사각형 260">
-              <a:extLst>
-                <a:ext uri="{FF2B5EF4-FFF2-40B4-BE49-F238E27FC236}">
-                  <a16:creationId xmlns:a16="http://schemas.microsoft.com/office/drawing/2014/main" id="{6C3B44AC-DFC5-23B3-20FD-26A7E43990A9}"/>
-                </a:ext>
-              </a:extLst>
-            </p:cNvPr>
-            <p:cNvSpPr/>
-            <p:nvPr/>
-          </p:nvSpPr>
-          <p:spPr>
-            <a:xfrm>
-              <a:off x="6996189" y="2650311"/>
-              <a:ext cx="431622" cy="893260"/>
-            </a:xfrm>
-            <a:prstGeom prst="rect">
-              <a:avLst/>
-            </a:prstGeom>
-            <a:solidFill>
-              <a:schemeClr val="accent6">
-                <a:lumMod val="20000"/>
-                <a:lumOff val="80000"/>
-              </a:schemeClr>
-            </a:solidFill>
-            <a:ln w="12700">
-              <a:solidFill>
-                <a:srgbClr val="000000"/>
-              </a:solidFill>
-            </a:ln>
-          </p:spPr>
-          <p:style>
-            <a:lnRef idx="2">
-              <a:schemeClr val="accent1">
-                <a:shade val="50000"/>
-              </a:schemeClr>
-            </a:lnRef>
-            <a:fillRef idx="1">
-              <a:schemeClr val="accent1"/>
-            </a:fillRef>
-            <a:effectRef idx="0">
-              <a:schemeClr val="accent1"/>
-            </a:effectRef>
-            <a:fontRef idx="minor"/>
-          </p:style>
-        </p:sp>
-        <p:sp>
-          <p:nvSpPr>
-            <p:cNvPr id="98" name="직사각형 260">
-              <a:extLst>
-                <a:ext uri="{FF2B5EF4-FFF2-40B4-BE49-F238E27FC236}">
-                  <a16:creationId xmlns:a16="http://schemas.microsoft.com/office/drawing/2014/main" id="{62B9CACA-0415-FF62-079E-5D4EB945E2F3}"/>
-                </a:ext>
-              </a:extLst>
-            </p:cNvPr>
-            <p:cNvSpPr/>
-            <p:nvPr/>
-          </p:nvSpPr>
-          <p:spPr>
-            <a:xfrm>
-              <a:off x="7688469" y="2650312"/>
-              <a:ext cx="431622" cy="430694"/>
-            </a:xfrm>
-            <a:prstGeom prst="rect">
-              <a:avLst/>
-            </a:prstGeom>
-            <a:solidFill>
-              <a:schemeClr val="accent6">
-                <a:lumMod val="60000"/>
-                <a:lumOff val="40000"/>
-              </a:schemeClr>
-            </a:solidFill>
-            <a:ln w="12700">
-              <a:solidFill>
-                <a:srgbClr val="000000"/>
-              </a:solidFill>
-            </a:ln>
-          </p:spPr>
-          <p:style>
-            <a:lnRef idx="2">
-              <a:schemeClr val="accent1">
-                <a:shade val="50000"/>
-              </a:schemeClr>
-            </a:lnRef>
-            <a:fillRef idx="1">
-              <a:schemeClr val="accent1"/>
-            </a:fillRef>
-            <a:effectRef idx="0">
-              <a:schemeClr val="accent1"/>
-            </a:effectRef>
-            <a:fontRef idx="minor"/>
-          </p:style>
-        </p:sp>
-        <p:sp>
-          <p:nvSpPr>
-            <p:cNvPr id="100" name="직사각형 260">
-              <a:extLst>
-                <a:ext uri="{FF2B5EF4-FFF2-40B4-BE49-F238E27FC236}">
-                  <a16:creationId xmlns:a16="http://schemas.microsoft.com/office/drawing/2014/main" id="{D9B9D14D-1723-AAA6-D976-95B1348F2DEE}"/>
-                </a:ext>
-              </a:extLst>
-            </p:cNvPr>
-            <p:cNvSpPr/>
-            <p:nvPr/>
-          </p:nvSpPr>
-          <p:spPr>
-            <a:xfrm>
-              <a:off x="8380749" y="2650312"/>
-              <a:ext cx="431622" cy="430694"/>
-            </a:xfrm>
-            <a:prstGeom prst="rect">
-              <a:avLst/>
-            </a:prstGeom>
-            <a:solidFill>
-              <a:schemeClr val="accent6"/>
-            </a:solidFill>
-            <a:ln w="12700">
-              <a:solidFill>
-                <a:srgbClr val="000000"/>
-              </a:solidFill>
-            </a:ln>
-          </p:spPr>
-          <p:style>
-            <a:lnRef idx="2">
-              <a:schemeClr val="accent1">
-                <a:shade val="50000"/>
-              </a:schemeClr>
-            </a:lnRef>
-            <a:fillRef idx="1">
-              <a:schemeClr val="accent1"/>
-            </a:fillRef>
-            <a:effectRef idx="0">
-              <a:schemeClr val="accent1"/>
-            </a:effectRef>
-            <a:fontRef idx="minor"/>
-          </p:style>
-        </p:sp>
-        <p:sp>
-          <p:nvSpPr>
-            <p:cNvPr id="106" name="직사각형 260">
-              <a:extLst>
-                <a:ext uri="{FF2B5EF4-FFF2-40B4-BE49-F238E27FC236}">
-                  <a16:creationId xmlns:a16="http://schemas.microsoft.com/office/drawing/2014/main" id="{858C56AD-9223-546C-C293-05C86C0BB8C7}"/>
-                </a:ext>
-              </a:extLst>
-            </p:cNvPr>
-            <p:cNvSpPr/>
-            <p:nvPr/>
-          </p:nvSpPr>
-          <p:spPr>
-            <a:xfrm>
-              <a:off x="7256926" y="5471998"/>
-              <a:ext cx="431622" cy="430694"/>
-            </a:xfrm>
-            <a:prstGeom prst="rect">
-              <a:avLst/>
-            </a:prstGeom>
-            <a:solidFill>
-              <a:schemeClr val="accent6">
-                <a:lumMod val="60000"/>
-                <a:lumOff val="40000"/>
-              </a:schemeClr>
-            </a:solidFill>
-            <a:ln w="12700">
-              <a:solidFill>
-                <a:srgbClr val="000000"/>
-              </a:solidFill>
-            </a:ln>
-          </p:spPr>
-          <p:style>
-            <a:lnRef idx="2">
-              <a:schemeClr val="accent1">
-                <a:shade val="50000"/>
-              </a:schemeClr>
-            </a:lnRef>
-            <a:fillRef idx="1">
-              <a:schemeClr val="accent1"/>
-            </a:fillRef>
-            <a:effectRef idx="0">
-              <a:schemeClr val="accent1"/>
-            </a:effectRef>
-            <a:fontRef idx="minor"/>
-          </p:style>
-        </p:sp>
-        <p:sp>
-          <p:nvSpPr>
-            <p:cNvPr id="107" name="직사각형 260">
-              <a:extLst>
-                <a:ext uri="{FF2B5EF4-FFF2-40B4-BE49-F238E27FC236}">
-                  <a16:creationId xmlns:a16="http://schemas.microsoft.com/office/drawing/2014/main" id="{8D1E143E-DBA1-22F2-0D5C-B63BF8EE3598}"/>
-                </a:ext>
-              </a:extLst>
-            </p:cNvPr>
-            <p:cNvSpPr/>
-            <p:nvPr/>
-          </p:nvSpPr>
-          <p:spPr>
-            <a:xfrm>
-              <a:off x="7949126" y="5471998"/>
-              <a:ext cx="431622" cy="430694"/>
-            </a:xfrm>
-            <a:prstGeom prst="rect">
-              <a:avLst/>
-            </a:prstGeom>
-            <a:solidFill>
-              <a:schemeClr val="accent6">
-                <a:lumMod val="20000"/>
-                <a:lumOff val="80000"/>
-              </a:schemeClr>
-            </a:solidFill>
-            <a:ln w="12700">
-              <a:solidFill>
-                <a:srgbClr val="000000"/>
-              </a:solidFill>
-            </a:ln>
-          </p:spPr>
-          <p:style>
-            <a:lnRef idx="2">
-              <a:schemeClr val="accent1">
-                <a:shade val="50000"/>
-              </a:schemeClr>
-            </a:lnRef>
-            <a:fillRef idx="1">
-              <a:schemeClr val="accent1"/>
-            </a:fillRef>
-            <a:effectRef idx="0">
-              <a:schemeClr val="accent1"/>
-            </a:effectRef>
-            <a:fontRef idx="minor"/>
-          </p:style>
-        </p:sp>
-        <p:sp>
-          <p:nvSpPr>
-            <p:cNvPr id="118" name="직사각형 260">
-              <a:extLst>
-                <a:ext uri="{FF2B5EF4-FFF2-40B4-BE49-F238E27FC236}">
-                  <a16:creationId xmlns:a16="http://schemas.microsoft.com/office/drawing/2014/main" id="{CCDA31EE-C91B-456E-6360-77075135548E}"/>
-                </a:ext>
-              </a:extLst>
-            </p:cNvPr>
-            <p:cNvSpPr/>
-            <p:nvPr/>
-          </p:nvSpPr>
-          <p:spPr>
-            <a:xfrm>
-              <a:off x="6996189" y="3928885"/>
-              <a:ext cx="702994" cy="690913"/>
-            </a:xfrm>
-            <a:prstGeom prst="rect">
-              <a:avLst/>
-            </a:prstGeom>
-            <a:solidFill>
-              <a:schemeClr val="accent6">
-                <a:lumMod val="60000"/>
-                <a:lumOff val="40000"/>
-              </a:schemeClr>
-            </a:solidFill>
-            <a:ln w="12700">
-              <a:solidFill>
-                <a:srgbClr val="000000"/>
-              </a:solidFill>
-            </a:ln>
-          </p:spPr>
-          <p:style>
-            <a:lnRef idx="2">
-              <a:schemeClr val="accent1">
-                <a:shade val="50000"/>
-              </a:schemeClr>
-            </a:lnRef>
-            <a:fillRef idx="1">
-              <a:schemeClr val="accent1"/>
-            </a:fillRef>
-            <a:effectRef idx="0">
-              <a:schemeClr val="accent1"/>
-            </a:effectRef>
-            <a:fontRef idx="minor"/>
-          </p:style>
-        </p:sp>
-        <p:sp>
-          <p:nvSpPr>
-            <p:cNvPr id="119" name="직사각형 260">
-              <a:extLst>
-                <a:ext uri="{FF2B5EF4-FFF2-40B4-BE49-F238E27FC236}">
-                  <a16:creationId xmlns:a16="http://schemas.microsoft.com/office/drawing/2014/main" id="{16E11921-661D-74F3-7E97-E3027D9856B3}"/>
-                </a:ext>
-              </a:extLst>
-            </p:cNvPr>
-            <p:cNvSpPr/>
-            <p:nvPr/>
-          </p:nvSpPr>
-          <p:spPr>
-            <a:xfrm>
-              <a:off x="7699182" y="3928885"/>
-              <a:ext cx="681567" cy="690913"/>
-            </a:xfrm>
-            <a:prstGeom prst="rect">
-              <a:avLst/>
-            </a:prstGeom>
-            <a:solidFill>
-              <a:schemeClr val="accent6"/>
-            </a:solidFill>
-            <a:ln w="12700">
-              <a:solidFill>
-                <a:srgbClr val="000000"/>
-              </a:solidFill>
-            </a:ln>
-          </p:spPr>
-          <p:style>
-            <a:lnRef idx="2">
-              <a:schemeClr val="accent1">
-                <a:shade val="50000"/>
-              </a:schemeClr>
-            </a:lnRef>
-            <a:fillRef idx="1">
-              <a:schemeClr val="accent1"/>
-            </a:fillRef>
-            <a:effectRef idx="0">
-              <a:schemeClr val="accent1"/>
-            </a:effectRef>
-            <a:fontRef idx="minor"/>
-          </p:style>
-        </p:sp>
-        <p:cxnSp>
-          <p:nvCxnSpPr>
-            <p:cNvPr id="4" name="직선 화살표 연결선 3">
-              <a:extLst>
-                <a:ext uri="{FF2B5EF4-FFF2-40B4-BE49-F238E27FC236}">
-                  <a16:creationId xmlns:a16="http://schemas.microsoft.com/office/drawing/2014/main" id="{7F22D00E-291B-5D1E-2C09-D06928424460}"/>
-                </a:ext>
-              </a:extLst>
-            </p:cNvPr>
-            <p:cNvCxnSpPr>
-              <a:cxnSpLocks/>
-            </p:cNvCxnSpPr>
-            <p:nvPr/>
-          </p:nvCxnSpPr>
-          <p:spPr>
-            <a:xfrm>
-              <a:off x="5844037" y="2702216"/>
-              <a:ext cx="3710292" cy="0"/>
-            </a:xfrm>
-            <a:prstGeom prst="straightConnector1">
-              <a:avLst/>
-            </a:prstGeom>
-            <a:ln>
-              <a:solidFill>
-                <a:schemeClr val="bg1"/>
-              </a:solidFill>
-              <a:headEnd type="arrow" w="med" len="med"/>
-              <a:tailEnd type="arrow" w="med" len="med"/>
-            </a:ln>
-            <a:effectLst>
-              <a:glow rad="101600">
-                <a:srgbClr val="FF7C80">
-                  <a:alpha val="40000"/>
-                </a:srgbClr>
-              </a:glow>
-            </a:effectLst>
-          </p:spPr>
-          <p:style>
-            <a:lnRef idx="1">
-              <a:schemeClr val="accent1"/>
-            </a:lnRef>
-            <a:fillRef idx="0">
-              <a:schemeClr val="accent1"/>
-            </a:fillRef>
-            <a:effectRef idx="0">
-              <a:schemeClr val="accent1"/>
-            </a:effectRef>
-            <a:fontRef idx="minor">
-              <a:schemeClr val="tx1"/>
-            </a:fontRef>
-          </p:style>
-        </p:cxnSp>
-        <p:cxnSp>
-          <p:nvCxnSpPr>
-            <p:cNvPr id="95" name="직선 화살표 연결선 94">
-              <a:extLst>
-                <a:ext uri="{FF2B5EF4-FFF2-40B4-BE49-F238E27FC236}">
-                  <a16:creationId xmlns:a16="http://schemas.microsoft.com/office/drawing/2014/main" id="{F4A7119E-AC49-3C8D-B506-603B67FC301B}"/>
-                </a:ext>
-              </a:extLst>
-            </p:cNvPr>
-            <p:cNvCxnSpPr>
-              <a:cxnSpLocks/>
-            </p:cNvCxnSpPr>
-            <p:nvPr/>
-          </p:nvCxnSpPr>
-          <p:spPr>
-            <a:xfrm>
-              <a:off x="5844037" y="5852406"/>
-              <a:ext cx="3710292" cy="0"/>
-            </a:xfrm>
-            <a:prstGeom prst="straightConnector1">
-              <a:avLst/>
-            </a:prstGeom>
-            <a:ln>
-              <a:solidFill>
-                <a:schemeClr val="bg1"/>
-              </a:solidFill>
-              <a:headEnd type="arrow" w="med" len="med"/>
-              <a:tailEnd type="arrow" w="med" len="med"/>
-            </a:ln>
-            <a:effectLst>
-              <a:glow rad="101600">
-                <a:schemeClr val="accent4">
-                  <a:alpha val="40000"/>
-                </a:schemeClr>
-              </a:glow>
-            </a:effectLst>
-          </p:spPr>
-          <p:style>
-            <a:lnRef idx="1">
-              <a:schemeClr val="accent1"/>
-            </a:lnRef>
-            <a:fillRef idx="0">
-              <a:schemeClr val="accent1"/>
-            </a:fillRef>
-            <a:effectRef idx="0">
-              <a:schemeClr val="accent1"/>
-            </a:effectRef>
-            <a:fontRef idx="minor">
-              <a:schemeClr val="tx1"/>
-            </a:fontRef>
-          </p:style>
-        </p:cxnSp>
-        <p:sp>
-          <p:nvSpPr>
-            <p:cNvPr id="105" name="직사각형 260">
-              <a:extLst>
-                <a:ext uri="{FF2B5EF4-FFF2-40B4-BE49-F238E27FC236}">
-                  <a16:creationId xmlns:a16="http://schemas.microsoft.com/office/drawing/2014/main" id="{452241C8-6A16-F37F-07A9-8F408A6AF0B4}"/>
-                </a:ext>
-              </a:extLst>
-            </p:cNvPr>
-            <p:cNvSpPr/>
-            <p:nvPr/>
-          </p:nvSpPr>
-          <p:spPr>
-            <a:xfrm>
-              <a:off x="6564566" y="5471998"/>
-              <a:ext cx="431622" cy="430694"/>
-            </a:xfrm>
-            <a:prstGeom prst="rect">
-              <a:avLst/>
-            </a:prstGeom>
-            <a:solidFill>
-              <a:schemeClr val="accent6"/>
-            </a:solidFill>
-            <a:ln w="12700">
-              <a:solidFill>
-                <a:srgbClr val="000000"/>
-              </a:solidFill>
-            </a:ln>
-          </p:spPr>
-          <p:style>
-            <a:lnRef idx="2">
-              <a:schemeClr val="accent1">
-                <a:shade val="50000"/>
-              </a:schemeClr>
-            </a:lnRef>
-            <a:fillRef idx="1">
-              <a:schemeClr val="accent1"/>
-            </a:fillRef>
-            <a:effectRef idx="0">
-              <a:schemeClr val="accent1"/>
-            </a:effectRef>
-            <a:fontRef idx="minor"/>
-          </p:style>
-        </p:sp>
-        <p:sp>
-          <p:nvSpPr>
-            <p:cNvPr id="108" name="직사각형 260">
-              <a:extLst>
-                <a:ext uri="{FF2B5EF4-FFF2-40B4-BE49-F238E27FC236}">
-                  <a16:creationId xmlns:a16="http://schemas.microsoft.com/office/drawing/2014/main" id="{B40435BA-F8A2-2A87-9B0F-D7D2D12610CE}"/>
-                </a:ext>
-              </a:extLst>
-            </p:cNvPr>
-            <p:cNvSpPr/>
-            <p:nvPr/>
-          </p:nvSpPr>
-          <p:spPr>
-            <a:xfrm>
-              <a:off x="8380749" y="5471998"/>
-              <a:ext cx="431622" cy="430694"/>
-            </a:xfrm>
-            <a:prstGeom prst="rect">
-              <a:avLst/>
-            </a:prstGeom>
-            <a:solidFill>
-              <a:schemeClr val="accent6">
-                <a:lumMod val="75000"/>
-              </a:schemeClr>
-            </a:solidFill>
-            <a:ln w="12700">
-              <a:solidFill>
-                <a:srgbClr val="000000"/>
-              </a:solidFill>
-            </a:ln>
-          </p:spPr>
-          <p:style>
-            <a:lnRef idx="2">
-              <a:schemeClr val="accent1">
-                <a:shade val="50000"/>
-              </a:schemeClr>
-            </a:lnRef>
-            <a:fillRef idx="1">
-              <a:schemeClr val="accent1"/>
-            </a:fillRef>
-            <a:effectRef idx="0">
-              <a:schemeClr val="accent1"/>
-            </a:effectRef>
-            <a:fontRef idx="minor"/>
-          </p:style>
-        </p:sp>
-        <p:cxnSp>
-          <p:nvCxnSpPr>
-            <p:cNvPr id="12" name="직선 화살표 연결선 11">
-              <a:extLst>
-                <a:ext uri="{FF2B5EF4-FFF2-40B4-BE49-F238E27FC236}">
-                  <a16:creationId xmlns:a16="http://schemas.microsoft.com/office/drawing/2014/main" id="{9A2EAF21-A0BE-FC79-ABBA-44666C5BBA47}"/>
-                </a:ext>
-              </a:extLst>
-            </p:cNvPr>
-            <p:cNvCxnSpPr>
-              <a:cxnSpLocks/>
-            </p:cNvCxnSpPr>
-            <p:nvPr/>
-          </p:nvCxnSpPr>
-          <p:spPr>
-            <a:xfrm flipV="1">
-              <a:off x="9752442" y="2645960"/>
-              <a:ext cx="0" cy="3249262"/>
-            </a:xfrm>
-            <a:prstGeom prst="straightConnector1">
-              <a:avLst/>
-            </a:prstGeom>
-            <a:ln w="19050">
-              <a:solidFill>
-                <a:schemeClr val="accent4"/>
-              </a:solidFill>
-              <a:headEnd type="arrow" w="med" len="med"/>
-              <a:tailEnd type="arrow" w="med" len="med"/>
-            </a:ln>
-          </p:spPr>
-          <p:style>
-            <a:lnRef idx="1">
-              <a:schemeClr val="accent1"/>
-            </a:lnRef>
-            <a:fillRef idx="0">
-              <a:schemeClr val="accent1"/>
-            </a:fillRef>
-            <a:effectRef idx="0">
-              <a:schemeClr val="accent1"/>
-            </a:effectRef>
-            <a:fontRef idx="minor">
-              <a:schemeClr val="tx1"/>
-            </a:fontRef>
-          </p:style>
-        </p:cxnSp>
-        <p:cxnSp>
-          <p:nvCxnSpPr>
-            <p:cNvPr id="122" name="직선 화살표 연결선 121">
-              <a:extLst>
-                <a:ext uri="{FF2B5EF4-FFF2-40B4-BE49-F238E27FC236}">
-                  <a16:creationId xmlns:a16="http://schemas.microsoft.com/office/drawing/2014/main" id="{52D1B66E-7873-17E4-3F34-88C46B1C8289}"/>
-                </a:ext>
-              </a:extLst>
-            </p:cNvPr>
-            <p:cNvCxnSpPr>
-              <a:cxnSpLocks/>
-            </p:cNvCxnSpPr>
-            <p:nvPr/>
-          </p:nvCxnSpPr>
-          <p:spPr>
-            <a:xfrm flipV="1">
-              <a:off x="9659213" y="2645960"/>
-              <a:ext cx="0" cy="3249262"/>
-            </a:xfrm>
-            <a:prstGeom prst="straightConnector1">
-              <a:avLst/>
-            </a:prstGeom>
-            <a:ln w="19050">
-              <a:solidFill>
-                <a:srgbClr val="FF7C80"/>
-              </a:solidFill>
-              <a:headEnd type="arrow" w="med" len="med"/>
-              <a:tailEnd type="arrow" w="med" len="med"/>
-            </a:ln>
-          </p:spPr>
-          <p:style>
-            <a:lnRef idx="1">
-              <a:schemeClr val="accent1"/>
-            </a:lnRef>
-            <a:fillRef idx="0">
-              <a:schemeClr val="accent1"/>
-            </a:fillRef>
-            <a:effectRef idx="0">
-              <a:schemeClr val="accent1"/>
-            </a:effectRef>
-            <a:fontRef idx="minor">
-              <a:schemeClr val="tx1"/>
-            </a:fontRef>
-          </p:style>
-        </p:cxnSp>
-        <p:sp>
-          <p:nvSpPr>
-            <p:cNvPr id="120" name="직사각형 260">
-              <a:extLst>
-                <a:ext uri="{FF2B5EF4-FFF2-40B4-BE49-F238E27FC236}">
-                  <a16:creationId xmlns:a16="http://schemas.microsoft.com/office/drawing/2014/main" id="{7A06B221-7C9F-8468-1841-25BED1E3A4D6}"/>
-                </a:ext>
-              </a:extLst>
-            </p:cNvPr>
-            <p:cNvSpPr/>
-            <p:nvPr/>
-          </p:nvSpPr>
-          <p:spPr>
-            <a:xfrm>
-              <a:off x="9554328" y="4060198"/>
-              <a:ext cx="617391" cy="430693"/>
-            </a:xfrm>
-            <a:prstGeom prst="rect">
-              <a:avLst/>
-            </a:prstGeom>
-            <a:solidFill>
-              <a:schemeClr val="accent6">
-                <a:lumMod val="20000"/>
-                <a:lumOff val="80000"/>
-              </a:schemeClr>
-            </a:solidFill>
-            <a:ln w="12700">
-              <a:solidFill>
-                <a:srgbClr val="000000"/>
-              </a:solidFill>
-            </a:ln>
-          </p:spPr>
-          <p:style>
-            <a:lnRef idx="2">
-              <a:schemeClr val="accent1">
-                <a:shade val="50000"/>
-              </a:schemeClr>
-            </a:lnRef>
-            <a:fillRef idx="1">
-              <a:schemeClr val="accent1"/>
-            </a:fillRef>
-            <a:effectRef idx="0">
-              <a:schemeClr val="accent1"/>
-            </a:effectRef>
-            <a:fontRef idx="minor"/>
-          </p:style>
-        </p:sp>
-        <p:cxnSp>
-          <p:nvCxnSpPr>
-            <p:cNvPr id="125" name="직선 화살표 연결선 124">
-              <a:extLst>
-                <a:ext uri="{FF2B5EF4-FFF2-40B4-BE49-F238E27FC236}">
-                  <a16:creationId xmlns:a16="http://schemas.microsoft.com/office/drawing/2014/main" id="{C5D12559-DE88-E14A-B61F-80023D8B550B}"/>
-                </a:ext>
-              </a:extLst>
-            </p:cNvPr>
-            <p:cNvCxnSpPr>
-              <a:cxnSpLocks/>
-            </p:cNvCxnSpPr>
-            <p:nvPr/>
-          </p:nvCxnSpPr>
-          <p:spPr>
-            <a:xfrm>
-              <a:off x="10276862" y="4270591"/>
-              <a:ext cx="203941" cy="0"/>
-            </a:xfrm>
-            <a:prstGeom prst="straightConnector1">
-              <a:avLst/>
-            </a:prstGeom>
-            <a:ln w="19050">
-              <a:solidFill>
-                <a:srgbClr val="3366FF"/>
-              </a:solidFill>
-              <a:headEnd type="none" w="med" len="med"/>
-              <a:tailEnd type="arrow" w="med" len="med"/>
-            </a:ln>
-            <a:effectLst/>
-          </p:spPr>
-          <p:style>
-            <a:lnRef idx="1">
-              <a:schemeClr val="accent1"/>
-            </a:lnRef>
-            <a:fillRef idx="0">
-              <a:schemeClr val="accent1"/>
-            </a:fillRef>
-            <a:effectRef idx="0">
-              <a:schemeClr val="accent1"/>
-            </a:effectRef>
-            <a:fontRef idx="minor">
-              <a:schemeClr val="tx1"/>
-            </a:fontRef>
-          </p:style>
-        </p:cxnSp>
-        <p:sp>
-          <p:nvSpPr>
-            <p:cNvPr id="17" name="직사각형 16">
-              <a:extLst>
-                <a:ext uri="{FF2B5EF4-FFF2-40B4-BE49-F238E27FC236}">
-                  <a16:creationId xmlns:a16="http://schemas.microsoft.com/office/drawing/2014/main" id="{2F53067D-D14C-FED7-8B0E-38A92D80B2F4}"/>
-                </a:ext>
-              </a:extLst>
-            </p:cNvPr>
-            <p:cNvSpPr/>
-            <p:nvPr/>
-          </p:nvSpPr>
-          <p:spPr>
-            <a:xfrm>
-              <a:off x="10171720" y="4173697"/>
-              <a:ext cx="41044" cy="193787"/>
-            </a:xfrm>
-            <a:prstGeom prst="rect">
-              <a:avLst/>
-            </a:prstGeom>
-            <a:solidFill>
-              <a:srgbClr val="6699FF"/>
-            </a:solidFill>
-            <a:ln w="12700">
-              <a:solidFill>
-                <a:srgbClr val="000000"/>
-              </a:solidFill>
-            </a:ln>
-          </p:spPr>
-          <p:style>
-            <a:lnRef idx="2">
-              <a:schemeClr val="accent1">
-                <a:shade val="50000"/>
-              </a:schemeClr>
-            </a:lnRef>
-            <a:fillRef idx="1">
-              <a:schemeClr val="accent1"/>
-            </a:fillRef>
-            <a:effectRef idx="0">
-              <a:schemeClr val="accent1"/>
-            </a:effectRef>
-            <a:fontRef idx="minor"/>
-          </p:style>
-          <p:txBody>
-            <a:bodyPr rtlCol="0" anchor="ctr"/>
-            <a:lstStyle/>
-            <a:p>
-              <a:pPr algn="ctr"/>
-              <a:endParaRPr lang="ko-KR" altLang="en-US">
-                <a:solidFill>
-                  <a:schemeClr val="tx1"/>
-                </a:solidFill>
-              </a:endParaRPr>
-            </a:p>
-          </p:txBody>
-        </p:sp>
-        <p:sp>
-          <p:nvSpPr>
-            <p:cNvPr id="20" name="타원 19">
-              <a:extLst>
-                <a:ext uri="{FF2B5EF4-FFF2-40B4-BE49-F238E27FC236}">
-                  <a16:creationId xmlns:a16="http://schemas.microsoft.com/office/drawing/2014/main" id="{565E6DC3-90B6-4752-8C26-ED5BA3BE3600}"/>
-                </a:ext>
-              </a:extLst>
-            </p:cNvPr>
-            <p:cNvSpPr/>
-            <p:nvPr/>
-          </p:nvSpPr>
-          <p:spPr>
-            <a:xfrm>
-              <a:off x="6727936" y="2806279"/>
-              <a:ext cx="104883" cy="104883"/>
-            </a:xfrm>
-            <a:prstGeom prst="ellipse">
-              <a:avLst/>
-            </a:prstGeom>
-            <a:solidFill>
-              <a:srgbClr val="6699FF"/>
-            </a:solidFill>
-            <a:ln w="12700">
-              <a:solidFill>
-                <a:srgbClr val="000000"/>
-              </a:solidFill>
-            </a:ln>
-          </p:spPr>
-          <p:style>
-            <a:lnRef idx="2">
-              <a:schemeClr val="accent1">
-                <a:shade val="50000"/>
-              </a:schemeClr>
-            </a:lnRef>
-            <a:fillRef idx="1">
-              <a:schemeClr val="accent1"/>
-            </a:fillRef>
-            <a:effectRef idx="0">
-              <a:schemeClr val="accent1"/>
-            </a:effectRef>
-            <a:fontRef idx="minor"/>
-          </p:style>
-          <p:txBody>
-            <a:bodyPr rtlCol="0" anchor="ctr"/>
-            <a:lstStyle/>
-            <a:p>
-              <a:pPr algn="ctr"/>
-              <a:endParaRPr lang="ko-KR" altLang="en-US">
-                <a:solidFill>
-                  <a:schemeClr val="tx1"/>
-                </a:solidFill>
-              </a:endParaRPr>
-            </a:p>
-          </p:txBody>
-        </p:sp>
-        <p:sp>
-          <p:nvSpPr>
-            <p:cNvPr id="126" name="타원 125">
-              <a:extLst>
-                <a:ext uri="{FF2B5EF4-FFF2-40B4-BE49-F238E27FC236}">
-                  <a16:creationId xmlns:a16="http://schemas.microsoft.com/office/drawing/2014/main" id="{6C1A82AC-5C5D-E703-703B-5E5DFD66E661}"/>
-                </a:ext>
-              </a:extLst>
-            </p:cNvPr>
-            <p:cNvSpPr/>
-            <p:nvPr/>
-          </p:nvSpPr>
-          <p:spPr>
-            <a:xfrm>
-              <a:off x="8544118" y="5634903"/>
-              <a:ext cx="104883" cy="104883"/>
-            </a:xfrm>
-            <a:prstGeom prst="ellipse">
-              <a:avLst/>
-            </a:prstGeom>
-            <a:solidFill>
-              <a:srgbClr val="6699FF"/>
-            </a:solidFill>
-            <a:ln w="12700">
-              <a:solidFill>
-                <a:srgbClr val="000000"/>
-              </a:solidFill>
-            </a:ln>
-          </p:spPr>
-          <p:style>
-            <a:lnRef idx="2">
-              <a:schemeClr val="accent1">
-                <a:shade val="50000"/>
-              </a:schemeClr>
-            </a:lnRef>
-            <a:fillRef idx="1">
-              <a:schemeClr val="accent1"/>
-            </a:fillRef>
-            <a:effectRef idx="0">
-              <a:schemeClr val="accent1"/>
-            </a:effectRef>
-            <a:fontRef idx="minor"/>
-          </p:style>
-          <p:txBody>
-            <a:bodyPr rtlCol="0" anchor="ctr"/>
-            <a:lstStyle/>
-            <a:p>
-              <a:pPr algn="ctr"/>
-              <a:endParaRPr lang="ko-KR" altLang="en-US">
-                <a:solidFill>
-                  <a:schemeClr val="tx1"/>
-                </a:solidFill>
-              </a:endParaRPr>
-            </a:p>
-          </p:txBody>
-        </p:sp>
-        <p:cxnSp>
-          <p:nvCxnSpPr>
-            <p:cNvPr id="127" name="직선 연결선 126">
-              <a:extLst>
-                <a:ext uri="{FF2B5EF4-FFF2-40B4-BE49-F238E27FC236}">
-                  <a16:creationId xmlns:a16="http://schemas.microsoft.com/office/drawing/2014/main" id="{240B77E4-C4A0-7024-CB9B-5F060C0531EF}"/>
-                </a:ext>
-              </a:extLst>
-            </p:cNvPr>
-            <p:cNvCxnSpPr>
-              <a:cxnSpLocks/>
-            </p:cNvCxnSpPr>
-            <p:nvPr/>
-          </p:nvCxnSpPr>
-          <p:spPr>
-            <a:xfrm>
-              <a:off x="6996189" y="3919149"/>
-              <a:ext cx="0" cy="700649"/>
-            </a:xfrm>
-            <a:prstGeom prst="line">
-              <a:avLst/>
-            </a:prstGeom>
-            <a:ln w="57150">
-              <a:solidFill>
-                <a:srgbClr val="33CCCC"/>
-              </a:solidFill>
-            </a:ln>
-          </p:spPr>
-          <p:style>
-            <a:lnRef idx="1">
-              <a:schemeClr val="accent1"/>
-            </a:lnRef>
-            <a:fillRef idx="0">
-              <a:schemeClr val="accent1"/>
-            </a:fillRef>
-            <a:effectRef idx="0">
-              <a:schemeClr val="accent1"/>
-            </a:effectRef>
-            <a:fontRef idx="minor">
-              <a:schemeClr val="tx1"/>
-            </a:fontRef>
-          </p:style>
-        </p:cxnSp>
-        <p:sp>
-          <p:nvSpPr>
-            <p:cNvPr id="36" name="직사각형 260">
-              <a:extLst>
-                <a:ext uri="{FF2B5EF4-FFF2-40B4-BE49-F238E27FC236}">
-                  <a16:creationId xmlns:a16="http://schemas.microsoft.com/office/drawing/2014/main" id="{95D35CB4-6E5C-D0C5-83DA-A7188DB30440}"/>
-                </a:ext>
-              </a:extLst>
-            </p:cNvPr>
-            <p:cNvSpPr/>
-            <p:nvPr/>
-          </p:nvSpPr>
-          <p:spPr>
-            <a:xfrm>
-              <a:off x="2370538" y="3314584"/>
-              <a:ext cx="2845838" cy="1906598"/>
-            </a:xfrm>
-            <a:prstGeom prst="rect">
-              <a:avLst/>
-            </a:prstGeom>
-            <a:solidFill>
-              <a:schemeClr val="bg1">
-                <a:lumMod val="95000"/>
-              </a:schemeClr>
-            </a:solidFill>
-            <a:ln w="12700">
-              <a:solidFill>
-                <a:srgbClr val="000000"/>
-              </a:solidFill>
-            </a:ln>
-          </p:spPr>
-          <p:style>
-            <a:lnRef idx="2">
-              <a:schemeClr val="accent1">
-                <a:shade val="50000"/>
-              </a:schemeClr>
-            </a:lnRef>
-            <a:fillRef idx="1">
-              <a:schemeClr val="accent1"/>
-            </a:fillRef>
-            <a:effectRef idx="0">
-              <a:schemeClr val="accent1"/>
-            </a:effectRef>
-            <a:fontRef idx="minor"/>
-          </p:style>
-        </p:sp>
-        <p:sp>
-          <p:nvSpPr>
-            <p:cNvPr id="37" name="직사각형 260">
-              <a:extLst>
-                <a:ext uri="{FF2B5EF4-FFF2-40B4-BE49-F238E27FC236}">
-                  <a16:creationId xmlns:a16="http://schemas.microsoft.com/office/drawing/2014/main" id="{069C5934-ABB8-4AD5-5069-42DCBADF9D60}"/>
-                </a:ext>
-              </a:extLst>
-            </p:cNvPr>
-            <p:cNvSpPr/>
-            <p:nvPr/>
-          </p:nvSpPr>
-          <p:spPr>
-            <a:xfrm>
-              <a:off x="759155" y="3956706"/>
-              <a:ext cx="1597249" cy="622354"/>
-            </a:xfrm>
-            <a:prstGeom prst="rect">
-              <a:avLst/>
-            </a:prstGeom>
-            <a:solidFill>
-              <a:schemeClr val="accent6">
-                <a:lumMod val="20000"/>
-                <a:lumOff val="80000"/>
-              </a:schemeClr>
-            </a:solidFill>
-            <a:ln w="12700">
-              <a:solidFill>
-                <a:srgbClr val="000000"/>
-              </a:solidFill>
-            </a:ln>
-          </p:spPr>
-          <p:style>
-            <a:lnRef idx="2">
-              <a:schemeClr val="accent1">
-                <a:shade val="50000"/>
-              </a:schemeClr>
-            </a:lnRef>
-            <a:fillRef idx="1">
-              <a:schemeClr val="accent1"/>
-            </a:fillRef>
-            <a:effectRef idx="0">
-              <a:schemeClr val="accent1"/>
-            </a:effectRef>
-            <a:fontRef idx="minor"/>
-          </p:style>
-        </p:sp>
-        <p:sp>
-          <p:nvSpPr>
-            <p:cNvPr id="38" name="직사각형 37">
-              <a:extLst>
-                <a:ext uri="{FF2B5EF4-FFF2-40B4-BE49-F238E27FC236}">
-                  <a16:creationId xmlns:a16="http://schemas.microsoft.com/office/drawing/2014/main" id="{1AB1110D-CC31-8152-811E-65C913FE72FD}"/>
-                </a:ext>
-              </a:extLst>
-            </p:cNvPr>
-            <p:cNvSpPr/>
-            <p:nvPr/>
-          </p:nvSpPr>
-          <p:spPr>
-            <a:xfrm>
-              <a:off x="1655997" y="3920494"/>
-              <a:ext cx="214891" cy="36652"/>
-            </a:xfrm>
-            <a:prstGeom prst="rect">
-              <a:avLst/>
-            </a:prstGeom>
-            <a:solidFill>
-              <a:schemeClr val="bg1">
-                <a:lumMod val="85000"/>
-              </a:schemeClr>
-            </a:solidFill>
-            <a:ln w="12700">
-              <a:solidFill>
-                <a:srgbClr val="000000"/>
-              </a:solidFill>
-            </a:ln>
-          </p:spPr>
-          <p:style>
-            <a:lnRef idx="2">
-              <a:schemeClr val="accent1">
-                <a:shade val="50000"/>
-              </a:schemeClr>
-            </a:lnRef>
-            <a:fillRef idx="1">
-              <a:schemeClr val="accent1"/>
-            </a:fillRef>
-            <a:effectRef idx="0">
-              <a:schemeClr val="accent1"/>
-            </a:effectRef>
-            <a:fontRef idx="minor"/>
-          </p:style>
-          <p:txBody>
-            <a:bodyPr rtlCol="0" anchor="ctr"/>
-            <a:lstStyle/>
-            <a:p>
-              <a:pPr algn="ctr"/>
-              <a:endParaRPr lang="ko-KR" altLang="en-US"/>
-            </a:p>
-          </p:txBody>
-        </p:sp>
-        <p:cxnSp>
-          <p:nvCxnSpPr>
-            <p:cNvPr id="39" name="직선 연결선 38">
-              <a:extLst>
-                <a:ext uri="{FF2B5EF4-FFF2-40B4-BE49-F238E27FC236}">
-                  <a16:creationId xmlns:a16="http://schemas.microsoft.com/office/drawing/2014/main" id="{E123491D-9A1C-D5EF-4841-ADCDB4BBDB63}"/>
-                </a:ext>
-              </a:extLst>
-            </p:cNvPr>
-            <p:cNvCxnSpPr/>
-            <p:nvPr/>
-          </p:nvCxnSpPr>
-          <p:spPr>
-            <a:xfrm>
-              <a:off x="1184615" y="3952434"/>
-              <a:ext cx="0" cy="622354"/>
-            </a:xfrm>
-            <a:prstGeom prst="line">
-              <a:avLst/>
-            </a:prstGeom>
-            <a:ln w="57150">
-              <a:solidFill>
-                <a:srgbClr val="33CCCC"/>
-              </a:solidFill>
-            </a:ln>
-          </p:spPr>
-          <p:style>
-            <a:lnRef idx="1">
-              <a:schemeClr val="accent1"/>
-            </a:lnRef>
-            <a:fillRef idx="0">
-              <a:schemeClr val="accent1"/>
-            </a:fillRef>
-            <a:effectRef idx="0">
-              <a:schemeClr val="accent1"/>
-            </a:effectRef>
-            <a:fontRef idx="minor">
-              <a:schemeClr val="tx1"/>
-            </a:fontRef>
-          </p:style>
-        </p:cxnSp>
-        <p:sp>
-          <p:nvSpPr>
-            <p:cNvPr id="40" name="직사각형 39">
-              <a:extLst>
-                <a:ext uri="{FF2B5EF4-FFF2-40B4-BE49-F238E27FC236}">
-                  <a16:creationId xmlns:a16="http://schemas.microsoft.com/office/drawing/2014/main" id="{DEA81C5C-C816-DFEC-6915-072E4880B248}"/>
-                </a:ext>
-              </a:extLst>
-            </p:cNvPr>
-            <p:cNvSpPr/>
-            <p:nvPr/>
-          </p:nvSpPr>
-          <p:spPr>
-            <a:xfrm>
-              <a:off x="1184615" y="4203872"/>
-              <a:ext cx="28270" cy="119477"/>
-            </a:xfrm>
-            <a:prstGeom prst="rect">
-              <a:avLst/>
-            </a:prstGeom>
-            <a:solidFill>
-              <a:schemeClr val="accent4"/>
-            </a:solidFill>
-            <a:ln w="12700">
-              <a:solidFill>
-                <a:srgbClr val="000000"/>
-              </a:solidFill>
-            </a:ln>
-          </p:spPr>
-          <p:style>
-            <a:lnRef idx="2">
-              <a:schemeClr val="accent1">
-                <a:shade val="50000"/>
-              </a:schemeClr>
-            </a:lnRef>
-            <a:fillRef idx="1">
-              <a:schemeClr val="accent1"/>
-            </a:fillRef>
-            <a:effectRef idx="0">
-              <a:schemeClr val="accent1"/>
-            </a:effectRef>
-            <a:fontRef idx="minor"/>
-          </p:style>
-          <p:txBody>
-            <a:bodyPr rtlCol="0" anchor="ctr"/>
-            <a:lstStyle/>
-            <a:p>
-              <a:pPr algn="ctr"/>
-              <a:endParaRPr lang="ko-KR" altLang="en-US">
-                <a:solidFill>
-                  <a:schemeClr val="tx1"/>
-                </a:solidFill>
-              </a:endParaRPr>
-            </a:p>
-          </p:txBody>
-        </p:sp>
-        <p:cxnSp>
-          <p:nvCxnSpPr>
-            <p:cNvPr id="41" name="직선 화살표 연결선 40">
-              <a:extLst>
-                <a:ext uri="{FF2B5EF4-FFF2-40B4-BE49-F238E27FC236}">
-                  <a16:creationId xmlns:a16="http://schemas.microsoft.com/office/drawing/2014/main" id="{EF655D0B-57C2-D396-C0C2-4C1B1B1579C5}"/>
-                </a:ext>
-              </a:extLst>
-            </p:cNvPr>
-            <p:cNvCxnSpPr>
-              <a:cxnSpLocks/>
-            </p:cNvCxnSpPr>
-            <p:nvPr/>
-          </p:nvCxnSpPr>
-          <p:spPr>
-            <a:xfrm>
-              <a:off x="800199" y="2567281"/>
-              <a:ext cx="562312" cy="0"/>
-            </a:xfrm>
-            <a:prstGeom prst="straightConnector1">
-              <a:avLst/>
-            </a:prstGeom>
-            <a:ln w="19050">
-              <a:solidFill>
-                <a:srgbClr val="FF0066"/>
-              </a:solidFill>
-              <a:headEnd type="none" w="med" len="med"/>
-              <a:tailEnd type="arrow" w="med" len="med"/>
-            </a:ln>
-            <a:effectLst/>
-          </p:spPr>
-          <p:style>
-            <a:lnRef idx="1">
-              <a:schemeClr val="accent1"/>
-            </a:lnRef>
-            <a:fillRef idx="0">
-              <a:schemeClr val="accent1"/>
-            </a:fillRef>
-            <a:effectRef idx="0">
-              <a:schemeClr val="accent1"/>
-            </a:effectRef>
-            <a:fontRef idx="minor">
-              <a:schemeClr val="tx1"/>
-            </a:fontRef>
-          </p:style>
-        </p:cxnSp>
-        <p:cxnSp>
-          <p:nvCxnSpPr>
-            <p:cNvPr id="42" name="직선 화살표 연결선 41">
-              <a:extLst>
-                <a:ext uri="{FF2B5EF4-FFF2-40B4-BE49-F238E27FC236}">
-                  <a16:creationId xmlns:a16="http://schemas.microsoft.com/office/drawing/2014/main" id="{F77B7A3C-A062-3359-89B8-2D4BBA14570A}"/>
-                </a:ext>
-              </a:extLst>
-            </p:cNvPr>
-            <p:cNvCxnSpPr>
-              <a:cxnSpLocks/>
-            </p:cNvCxnSpPr>
-            <p:nvPr/>
-          </p:nvCxnSpPr>
-          <p:spPr>
-            <a:xfrm>
-              <a:off x="1763443" y="3692694"/>
-              <a:ext cx="0" cy="161034"/>
-            </a:xfrm>
-            <a:prstGeom prst="straightConnector1">
-              <a:avLst/>
-            </a:prstGeom>
-            <a:ln w="19050">
-              <a:solidFill>
-                <a:schemeClr val="bg1">
-                  <a:lumMod val="75000"/>
-                </a:schemeClr>
-              </a:solidFill>
-              <a:headEnd type="none" w="med" len="med"/>
-              <a:tailEnd type="arrow" w="med" len="med"/>
-            </a:ln>
-            <a:effectLst/>
-          </p:spPr>
-          <p:style>
-            <a:lnRef idx="1">
-              <a:schemeClr val="accent1"/>
-            </a:lnRef>
-            <a:fillRef idx="0">
-              <a:schemeClr val="accent1"/>
-            </a:fillRef>
-            <a:effectRef idx="0">
-              <a:schemeClr val="accent1"/>
-            </a:effectRef>
-            <a:fontRef idx="minor">
-              <a:schemeClr val="tx1"/>
-            </a:fontRef>
-          </p:style>
-        </p:cxnSp>
-        <p:sp>
-          <p:nvSpPr>
-            <p:cNvPr id="43" name="직사각형 42">
-              <a:extLst>
-                <a:ext uri="{FF2B5EF4-FFF2-40B4-BE49-F238E27FC236}">
-                  <a16:creationId xmlns:a16="http://schemas.microsoft.com/office/drawing/2014/main" id="{B980EDA5-D70F-02A7-3BF5-A4EDF75DBD58}"/>
-                </a:ext>
-              </a:extLst>
-            </p:cNvPr>
-            <p:cNvSpPr/>
-            <p:nvPr/>
-          </p:nvSpPr>
-          <p:spPr>
-            <a:xfrm flipH="1">
-              <a:off x="2355712" y="4237563"/>
-              <a:ext cx="29652" cy="339467"/>
-            </a:xfrm>
-            <a:prstGeom prst="rect">
-              <a:avLst/>
-            </a:prstGeom>
-            <a:solidFill>
-              <a:schemeClr val="accent4"/>
-            </a:solidFill>
-            <a:ln w="12700">
-              <a:solidFill>
-                <a:srgbClr val="000000"/>
-              </a:solidFill>
-            </a:ln>
-          </p:spPr>
-          <p:style>
-            <a:lnRef idx="2">
-              <a:schemeClr val="accent1">
-                <a:shade val="50000"/>
-              </a:schemeClr>
-            </a:lnRef>
-            <a:fillRef idx="1">
-              <a:schemeClr val="accent1"/>
-            </a:fillRef>
-            <a:effectRef idx="0">
-              <a:schemeClr val="accent1"/>
-            </a:effectRef>
-            <a:fontRef idx="minor"/>
-          </p:style>
-          <p:txBody>
-            <a:bodyPr rtlCol="0" anchor="ctr"/>
-            <a:lstStyle/>
-            <a:p>
-              <a:pPr algn="ctr"/>
-              <a:endParaRPr lang="ko-KR" altLang="en-US">
-                <a:solidFill>
-                  <a:schemeClr val="tx1"/>
-                </a:solidFill>
-              </a:endParaRPr>
-            </a:p>
-          </p:txBody>
-        </p:sp>
-        <p:sp>
-          <p:nvSpPr>
-            <p:cNvPr id="44" name="직사각형 43">
-              <a:extLst>
-                <a:ext uri="{FF2B5EF4-FFF2-40B4-BE49-F238E27FC236}">
-                  <a16:creationId xmlns:a16="http://schemas.microsoft.com/office/drawing/2014/main" id="{D440EA7C-1EDA-1574-E4CD-62C0A764A417}"/>
-                </a:ext>
-              </a:extLst>
-            </p:cNvPr>
-            <p:cNvSpPr/>
-            <p:nvPr/>
-          </p:nvSpPr>
-          <p:spPr>
-            <a:xfrm>
-              <a:off x="2356404" y="3935161"/>
-              <a:ext cx="28266" cy="336352"/>
-            </a:xfrm>
-            <a:prstGeom prst="rect">
-              <a:avLst/>
-            </a:prstGeom>
-            <a:solidFill>
-              <a:schemeClr val="accent4"/>
-            </a:solidFill>
-            <a:ln w="12700">
-              <a:solidFill>
-                <a:srgbClr val="000000"/>
-              </a:solidFill>
-            </a:ln>
-          </p:spPr>
-          <p:style>
-            <a:lnRef idx="2">
-              <a:schemeClr val="accent1">
-                <a:shade val="50000"/>
-              </a:schemeClr>
-            </a:lnRef>
-            <a:fillRef idx="1">
-              <a:schemeClr val="accent1"/>
-            </a:fillRef>
-            <a:effectRef idx="0">
-              <a:schemeClr val="accent1"/>
-            </a:effectRef>
-            <a:fontRef idx="minor"/>
-          </p:style>
-          <p:txBody>
-            <a:bodyPr rtlCol="0" anchor="ctr"/>
-            <a:lstStyle/>
-            <a:p>
-              <a:pPr algn="ctr"/>
-              <a:endParaRPr lang="ko-KR" altLang="en-US">
-                <a:solidFill>
-                  <a:schemeClr val="tx1"/>
-                </a:solidFill>
-              </a:endParaRPr>
-            </a:p>
-          </p:txBody>
-        </p:sp>
-        <p:sp>
-          <p:nvSpPr>
-            <p:cNvPr id="45" name="직사각형 260">
-              <a:extLst>
-                <a:ext uri="{FF2B5EF4-FFF2-40B4-BE49-F238E27FC236}">
-                  <a16:creationId xmlns:a16="http://schemas.microsoft.com/office/drawing/2014/main" id="{53B4E934-E8F2-8BB7-969D-4BAE9E492634}"/>
-                </a:ext>
-              </a:extLst>
-            </p:cNvPr>
-            <p:cNvSpPr/>
-            <p:nvPr/>
-          </p:nvSpPr>
-          <p:spPr>
-            <a:xfrm>
-              <a:off x="2997882" y="3316468"/>
-              <a:ext cx="426497" cy="425580"/>
-            </a:xfrm>
-            <a:prstGeom prst="rect">
-              <a:avLst/>
-            </a:prstGeom>
-            <a:solidFill>
-              <a:schemeClr val="accent6">
-                <a:lumMod val="20000"/>
-                <a:lumOff val="80000"/>
-              </a:schemeClr>
-            </a:solidFill>
-            <a:ln w="12700">
-              <a:solidFill>
-                <a:srgbClr val="000000"/>
-              </a:solidFill>
-            </a:ln>
-          </p:spPr>
-          <p:style>
-            <a:lnRef idx="2">
-              <a:schemeClr val="accent1">
-                <a:shade val="50000"/>
-              </a:schemeClr>
-            </a:lnRef>
-            <a:fillRef idx="1">
-              <a:schemeClr val="accent1"/>
-            </a:fillRef>
-            <a:effectRef idx="0">
-              <a:schemeClr val="accent1"/>
-            </a:effectRef>
-            <a:fontRef idx="minor"/>
-          </p:style>
-        </p:sp>
-        <p:sp>
-          <p:nvSpPr>
-            <p:cNvPr id="47" name="직사각형 260">
-              <a:extLst>
-                <a:ext uri="{FF2B5EF4-FFF2-40B4-BE49-F238E27FC236}">
-                  <a16:creationId xmlns:a16="http://schemas.microsoft.com/office/drawing/2014/main" id="{DAE4E150-901B-3154-2C14-173BBB3B9017}"/>
-                </a:ext>
-              </a:extLst>
-            </p:cNvPr>
-            <p:cNvSpPr/>
-            <p:nvPr/>
-          </p:nvSpPr>
-          <p:spPr>
-            <a:xfrm>
-              <a:off x="3424378" y="4795602"/>
-              <a:ext cx="426497" cy="425580"/>
-            </a:xfrm>
-            <a:prstGeom prst="rect">
-              <a:avLst/>
-            </a:prstGeom>
-            <a:solidFill>
-              <a:schemeClr val="accent6">
-                <a:lumMod val="20000"/>
-                <a:lumOff val="80000"/>
-              </a:schemeClr>
-            </a:solidFill>
-            <a:ln w="12700">
-              <a:solidFill>
-                <a:srgbClr val="000000"/>
-              </a:solidFill>
-            </a:ln>
-          </p:spPr>
-          <p:style>
-            <a:lnRef idx="2">
-              <a:schemeClr val="accent1">
-                <a:shade val="50000"/>
-              </a:schemeClr>
-            </a:lnRef>
-            <a:fillRef idx="1">
-              <a:schemeClr val="accent1"/>
-            </a:fillRef>
-            <a:effectRef idx="0">
-              <a:schemeClr val="accent1"/>
-            </a:effectRef>
-            <a:fontRef idx="minor"/>
-          </p:style>
-        </p:sp>
-        <p:grpSp>
-          <p:nvGrpSpPr>
-            <p:cNvPr id="73" name="그룹 72">
-              <a:extLst>
-                <a:ext uri="{FF2B5EF4-FFF2-40B4-BE49-F238E27FC236}">
-                  <a16:creationId xmlns:a16="http://schemas.microsoft.com/office/drawing/2014/main" id="{75400AE3-82E7-23A4-92A9-EC2DA336C0CB}"/>
-                </a:ext>
-              </a:extLst>
-            </p:cNvPr>
-            <p:cNvGrpSpPr/>
-            <p:nvPr/>
-          </p:nvGrpSpPr>
-          <p:grpSpPr>
-            <a:xfrm>
-              <a:off x="4269689" y="3316468"/>
-              <a:ext cx="946687" cy="1266863"/>
-              <a:chOff x="6996273" y="2835528"/>
-              <a:chExt cx="1783743" cy="2387018"/>
-            </a:xfrm>
-            <a:solidFill>
-              <a:schemeClr val="accent6">
-                <a:lumMod val="60000"/>
-                <a:lumOff val="40000"/>
-              </a:schemeClr>
-            </a:solidFill>
-          </p:grpSpPr>
-          <p:sp>
-            <p:nvSpPr>
-              <p:cNvPr id="74" name="직사각형 260">
-                <a:extLst>
-                  <a:ext uri="{FF2B5EF4-FFF2-40B4-BE49-F238E27FC236}">
-                    <a16:creationId xmlns:a16="http://schemas.microsoft.com/office/drawing/2014/main" id="{06D3F364-C84A-0A93-5A61-15489912E9F5}"/>
-                  </a:ext>
-                </a:extLst>
-              </p:cNvPr>
-              <p:cNvSpPr/>
-              <p:nvPr/>
-            </p:nvSpPr>
-            <p:spPr>
-              <a:xfrm>
-                <a:off x="6996273" y="2835528"/>
-                <a:ext cx="1783743" cy="801876"/>
-              </a:xfrm>
-              <a:prstGeom prst="rect">
-                <a:avLst/>
-              </a:prstGeom>
-              <a:grpFill/>
-              <a:ln w="12700">
-                <a:solidFill>
-                  <a:srgbClr val="000000"/>
-                </a:solidFill>
-              </a:ln>
-            </p:spPr>
-            <p:style>
-              <a:lnRef idx="2">
-                <a:schemeClr val="accent1">
-                  <a:shade val="50000"/>
-                </a:schemeClr>
-              </a:lnRef>
-              <a:fillRef idx="1">
-                <a:schemeClr val="accent1"/>
-              </a:fillRef>
-              <a:effectRef idx="0">
-                <a:schemeClr val="accent1"/>
-              </a:effectRef>
-              <a:fontRef idx="minor"/>
-            </p:style>
-          </p:sp>
-          <p:sp>
-            <p:nvSpPr>
-              <p:cNvPr id="75" name="직사각형 260">
-                <a:extLst>
-                  <a:ext uri="{FF2B5EF4-FFF2-40B4-BE49-F238E27FC236}">
-                    <a16:creationId xmlns:a16="http://schemas.microsoft.com/office/drawing/2014/main" id="{513B203D-8008-D6D5-927D-38AA8201DF15}"/>
-                  </a:ext>
-                </a:extLst>
-              </p:cNvPr>
-              <p:cNvSpPr/>
-              <p:nvPr/>
-            </p:nvSpPr>
-            <p:spPr>
-              <a:xfrm>
-                <a:off x="7892249" y="3640924"/>
-                <a:ext cx="887767" cy="1581622"/>
-              </a:xfrm>
-              <a:prstGeom prst="rect">
-                <a:avLst/>
-              </a:prstGeom>
-              <a:grpFill/>
-              <a:ln w="12700">
-                <a:solidFill>
-                  <a:srgbClr val="000000"/>
-                </a:solidFill>
-              </a:ln>
-            </p:spPr>
-            <p:style>
-              <a:lnRef idx="2">
-                <a:schemeClr val="accent1">
-                  <a:shade val="50000"/>
-                </a:schemeClr>
-              </a:lnRef>
-              <a:fillRef idx="1">
-                <a:schemeClr val="accent1"/>
-              </a:fillRef>
-              <a:effectRef idx="0">
-                <a:schemeClr val="accent1"/>
-              </a:effectRef>
-              <a:fontRef idx="minor"/>
-            </p:style>
-          </p:sp>
-          <p:sp>
-            <p:nvSpPr>
-              <p:cNvPr id="76" name="직사각형 260">
-                <a:extLst>
-                  <a:ext uri="{FF2B5EF4-FFF2-40B4-BE49-F238E27FC236}">
-                    <a16:creationId xmlns:a16="http://schemas.microsoft.com/office/drawing/2014/main" id="{C8F21610-F033-10C8-194D-D6A8516FEB8D}"/>
-                  </a:ext>
-                </a:extLst>
-              </p:cNvPr>
-              <p:cNvSpPr/>
-              <p:nvPr/>
-            </p:nvSpPr>
-            <p:spPr>
-              <a:xfrm>
-                <a:off x="7899400" y="3292730"/>
-                <a:ext cx="875030" cy="1581622"/>
-              </a:xfrm>
-              <a:prstGeom prst="rect">
-                <a:avLst/>
-              </a:prstGeom>
-              <a:grpFill/>
-              <a:ln w="12700">
-                <a:noFill/>
-              </a:ln>
-            </p:spPr>
-            <p:style>
-              <a:lnRef idx="2">
-                <a:schemeClr val="accent1">
-                  <a:shade val="50000"/>
-                </a:schemeClr>
-              </a:lnRef>
-              <a:fillRef idx="1">
-                <a:schemeClr val="accent1"/>
-              </a:fillRef>
-              <a:effectRef idx="0">
-                <a:schemeClr val="accent1"/>
-              </a:effectRef>
-              <a:fontRef idx="minor"/>
-            </p:style>
-          </p:sp>
-        </p:grpSp>
-        <p:cxnSp>
-          <p:nvCxnSpPr>
-            <p:cNvPr id="77" name="직선 화살표 연결선 76">
-              <a:extLst>
-                <a:ext uri="{FF2B5EF4-FFF2-40B4-BE49-F238E27FC236}">
-                  <a16:creationId xmlns:a16="http://schemas.microsoft.com/office/drawing/2014/main" id="{232E29E3-2D2C-7C13-EF11-CF34E217A9B8}"/>
-                </a:ext>
-              </a:extLst>
-            </p:cNvPr>
-            <p:cNvCxnSpPr>
-              <a:cxnSpLocks/>
-            </p:cNvCxnSpPr>
-            <p:nvPr/>
-          </p:nvCxnSpPr>
-          <p:spPr>
-            <a:xfrm>
-              <a:off x="2356404" y="3657904"/>
-              <a:ext cx="2857007" cy="0"/>
-            </a:xfrm>
-            <a:prstGeom prst="straightConnector1">
-              <a:avLst/>
-            </a:prstGeom>
-            <a:ln>
-              <a:solidFill>
-                <a:schemeClr val="bg1"/>
-              </a:solidFill>
-              <a:headEnd type="arrow" w="med" len="med"/>
-              <a:tailEnd type="arrow" w="med" len="med"/>
-            </a:ln>
-            <a:effectLst>
-              <a:glow rad="101600">
-                <a:srgbClr val="9966FF">
-                  <a:alpha val="40000"/>
-                </a:srgbClr>
-              </a:glow>
-            </a:effectLst>
-          </p:spPr>
-          <p:style>
-            <a:lnRef idx="1">
-              <a:schemeClr val="accent1"/>
-            </a:lnRef>
-            <a:fillRef idx="0">
-              <a:schemeClr val="accent1"/>
-            </a:fillRef>
-            <a:effectRef idx="0">
-              <a:schemeClr val="accent1"/>
-            </a:effectRef>
-            <a:fontRef idx="minor">
-              <a:schemeClr val="tx1"/>
-            </a:fontRef>
-          </p:style>
-        </p:cxnSp>
-        <p:cxnSp>
-          <p:nvCxnSpPr>
-            <p:cNvPr id="78" name="직선 화살표 연결선 77">
-              <a:extLst>
-                <a:ext uri="{FF2B5EF4-FFF2-40B4-BE49-F238E27FC236}">
-                  <a16:creationId xmlns:a16="http://schemas.microsoft.com/office/drawing/2014/main" id="{8564250C-72CC-027D-3A7B-B992DD82AF7C}"/>
-                </a:ext>
-              </a:extLst>
-            </p:cNvPr>
-            <p:cNvCxnSpPr>
-              <a:cxnSpLocks/>
-            </p:cNvCxnSpPr>
-            <p:nvPr/>
-          </p:nvCxnSpPr>
-          <p:spPr>
-            <a:xfrm>
-              <a:off x="2356404" y="4869878"/>
-              <a:ext cx="2857007" cy="0"/>
-            </a:xfrm>
-            <a:prstGeom prst="straightConnector1">
-              <a:avLst/>
-            </a:prstGeom>
-            <a:ln>
-              <a:solidFill>
-                <a:schemeClr val="bg1"/>
-              </a:solidFill>
-              <a:headEnd type="arrow" w="med" len="med"/>
-              <a:tailEnd type="arrow" w="med" len="med"/>
-            </a:ln>
-            <a:effectLst>
-              <a:glow rad="101600">
-                <a:srgbClr val="9966FF">
-                  <a:alpha val="40000"/>
-                </a:srgbClr>
-              </a:glow>
-            </a:effectLst>
-          </p:spPr>
-          <p:style>
-            <a:lnRef idx="1">
-              <a:schemeClr val="accent1"/>
-            </a:lnRef>
-            <a:fillRef idx="0">
-              <a:schemeClr val="accent1"/>
-            </a:fillRef>
-            <a:effectRef idx="0">
-              <a:schemeClr val="accent1"/>
-            </a:effectRef>
-            <a:fontRef idx="minor">
-              <a:schemeClr val="tx1"/>
-            </a:fontRef>
-          </p:style>
-        </p:cxnSp>
-        <p:sp>
-          <p:nvSpPr>
-            <p:cNvPr id="79" name="타원 78">
-              <a:extLst>
-                <a:ext uri="{FF2B5EF4-FFF2-40B4-BE49-F238E27FC236}">
-                  <a16:creationId xmlns:a16="http://schemas.microsoft.com/office/drawing/2014/main" id="{C477E301-D13E-B798-6070-412833C56A71}"/>
-                </a:ext>
-              </a:extLst>
-            </p:cNvPr>
-            <p:cNvSpPr/>
-            <p:nvPr/>
-          </p:nvSpPr>
-          <p:spPr>
-            <a:xfrm>
-              <a:off x="3050826" y="3643089"/>
-              <a:ext cx="29629" cy="29629"/>
-            </a:xfrm>
-            <a:prstGeom prst="ellipse">
-              <a:avLst/>
-            </a:prstGeom>
-            <a:solidFill>
-              <a:schemeClr val="bg1"/>
-            </a:solidFill>
-            <a:ln>
-              <a:noFill/>
-              <a:headEnd type="none" w="med" len="med"/>
-              <a:tailEnd type="arrow" w="med" len="med"/>
-            </a:ln>
-            <a:effectLst>
-              <a:glow rad="101600">
-                <a:srgbClr val="9966FF">
-                  <a:alpha val="40000"/>
-                </a:srgbClr>
-              </a:glow>
-            </a:effectLst>
-          </p:spPr>
-          <p:style>
-            <a:lnRef idx="1">
-              <a:schemeClr val="accent1"/>
-            </a:lnRef>
-            <a:fillRef idx="0">
-              <a:schemeClr val="accent1"/>
-            </a:fillRef>
-            <a:effectRef idx="0">
-              <a:schemeClr val="accent1"/>
-            </a:effectRef>
-            <a:fontRef idx="minor">
-              <a:schemeClr val="tx1"/>
-            </a:fontRef>
-          </p:style>
-          <p:txBody>
-            <a:bodyPr rtlCol="0" anchor="ctr"/>
-            <a:lstStyle/>
-            <a:p>
-              <a:pPr algn="ctr"/>
-              <a:endParaRPr lang="ko-KR" altLang="en-US" dirty="0"/>
-            </a:p>
-          </p:txBody>
-        </p:sp>
-        <p:sp>
-          <p:nvSpPr>
-            <p:cNvPr id="80" name="타원 79">
-              <a:extLst>
-                <a:ext uri="{FF2B5EF4-FFF2-40B4-BE49-F238E27FC236}">
-                  <a16:creationId xmlns:a16="http://schemas.microsoft.com/office/drawing/2014/main" id="{C1D845D9-4AD9-2072-13ED-EEC583875C69}"/>
-                </a:ext>
-              </a:extLst>
-            </p:cNvPr>
-            <p:cNvSpPr/>
-            <p:nvPr/>
-          </p:nvSpPr>
-          <p:spPr>
-            <a:xfrm>
-              <a:off x="3354556" y="3643089"/>
-              <a:ext cx="29629" cy="29629"/>
-            </a:xfrm>
-            <a:prstGeom prst="ellipse">
-              <a:avLst/>
-            </a:prstGeom>
-            <a:solidFill>
-              <a:schemeClr val="bg1"/>
-            </a:solidFill>
-            <a:ln>
-              <a:noFill/>
-              <a:headEnd type="none" w="med" len="med"/>
-              <a:tailEnd type="arrow" w="med" len="med"/>
-            </a:ln>
-            <a:effectLst>
-              <a:glow rad="101600">
-                <a:srgbClr val="9966FF">
-                  <a:alpha val="40000"/>
-                </a:srgbClr>
-              </a:glow>
-            </a:effectLst>
-          </p:spPr>
-          <p:style>
-            <a:lnRef idx="1">
-              <a:schemeClr val="accent1"/>
-            </a:lnRef>
-            <a:fillRef idx="0">
-              <a:schemeClr val="accent1"/>
-            </a:fillRef>
-            <a:effectRef idx="0">
-              <a:schemeClr val="accent1"/>
-            </a:effectRef>
-            <a:fontRef idx="minor">
-              <a:schemeClr val="tx1"/>
-            </a:fontRef>
-          </p:style>
-          <p:txBody>
-            <a:bodyPr rtlCol="0" anchor="ctr"/>
-            <a:lstStyle/>
-            <a:p>
-              <a:pPr algn="ctr"/>
-              <a:endParaRPr lang="ko-KR" altLang="en-US" dirty="0"/>
-            </a:p>
-          </p:txBody>
-        </p:sp>
-        <p:sp>
-          <p:nvSpPr>
-            <p:cNvPr id="82" name="타원 81">
-              <a:extLst>
-                <a:ext uri="{FF2B5EF4-FFF2-40B4-BE49-F238E27FC236}">
-                  <a16:creationId xmlns:a16="http://schemas.microsoft.com/office/drawing/2014/main" id="{DC9135A5-99E9-97D4-2C84-916B12FD2449}"/>
-                </a:ext>
-              </a:extLst>
-            </p:cNvPr>
-            <p:cNvSpPr/>
-            <p:nvPr/>
-          </p:nvSpPr>
-          <p:spPr>
-            <a:xfrm>
-              <a:off x="3501516" y="4872370"/>
-              <a:ext cx="29629" cy="29629"/>
-            </a:xfrm>
-            <a:prstGeom prst="ellipse">
-              <a:avLst/>
-            </a:prstGeom>
-            <a:solidFill>
-              <a:schemeClr val="bg1"/>
-            </a:solidFill>
-            <a:ln>
-              <a:noFill/>
-              <a:headEnd type="none" w="med" len="med"/>
-              <a:tailEnd type="arrow" w="med" len="med"/>
-            </a:ln>
-            <a:effectLst>
-              <a:glow rad="101600">
-                <a:srgbClr val="9966FF">
-                  <a:alpha val="40000"/>
-                </a:srgbClr>
-              </a:glow>
-            </a:effectLst>
-          </p:spPr>
-          <p:style>
-            <a:lnRef idx="1">
-              <a:schemeClr val="accent1"/>
-            </a:lnRef>
-            <a:fillRef idx="0">
-              <a:schemeClr val="accent1"/>
-            </a:fillRef>
-            <a:effectRef idx="0">
-              <a:schemeClr val="accent1"/>
-            </a:effectRef>
-            <a:fontRef idx="minor">
-              <a:schemeClr val="tx1"/>
-            </a:fontRef>
-          </p:style>
-          <p:txBody>
-            <a:bodyPr rtlCol="0" anchor="ctr"/>
-            <a:lstStyle/>
-            <a:p>
-              <a:pPr algn="ctr"/>
-              <a:endParaRPr lang="ko-KR" altLang="en-US" dirty="0"/>
-            </a:p>
-          </p:txBody>
-        </p:sp>
-        <p:sp>
-          <p:nvSpPr>
-            <p:cNvPr id="85" name="타원 84">
-              <a:extLst>
-                <a:ext uri="{FF2B5EF4-FFF2-40B4-BE49-F238E27FC236}">
-                  <a16:creationId xmlns:a16="http://schemas.microsoft.com/office/drawing/2014/main" id="{8C0A054C-3A93-6798-0337-86F173B1432C}"/>
-                </a:ext>
-              </a:extLst>
-            </p:cNvPr>
-            <p:cNvSpPr/>
-            <p:nvPr/>
-          </p:nvSpPr>
-          <p:spPr>
-            <a:xfrm>
-              <a:off x="3763827" y="4872370"/>
-              <a:ext cx="29629" cy="29629"/>
-            </a:xfrm>
-            <a:prstGeom prst="ellipse">
-              <a:avLst/>
-            </a:prstGeom>
-            <a:solidFill>
-              <a:schemeClr val="bg1"/>
-            </a:solidFill>
-            <a:ln>
-              <a:noFill/>
-              <a:headEnd type="none" w="med" len="med"/>
-              <a:tailEnd type="arrow" w="med" len="med"/>
-            </a:ln>
-            <a:effectLst>
-              <a:glow rad="101600">
-                <a:srgbClr val="9966FF">
-                  <a:alpha val="40000"/>
-                </a:srgbClr>
-              </a:glow>
-            </a:effectLst>
-          </p:spPr>
-          <p:style>
-            <a:lnRef idx="1">
-              <a:schemeClr val="accent1"/>
-            </a:lnRef>
-            <a:fillRef idx="0">
-              <a:schemeClr val="accent1"/>
-            </a:fillRef>
-            <a:effectRef idx="0">
-              <a:schemeClr val="accent1"/>
-            </a:effectRef>
-            <a:fontRef idx="minor">
-              <a:schemeClr val="tx1"/>
-            </a:fontRef>
-          </p:style>
-          <p:txBody>
-            <a:bodyPr rtlCol="0" anchor="ctr"/>
-            <a:lstStyle/>
-            <a:p>
-              <a:pPr algn="ctr"/>
-              <a:endParaRPr lang="ko-KR" altLang="en-US" dirty="0"/>
-            </a:p>
-          </p:txBody>
-        </p:sp>
-        <p:cxnSp>
-          <p:nvCxnSpPr>
-            <p:cNvPr id="87" name="직선 화살표 연결선 86">
-              <a:extLst>
-                <a:ext uri="{FF2B5EF4-FFF2-40B4-BE49-F238E27FC236}">
-                  <a16:creationId xmlns:a16="http://schemas.microsoft.com/office/drawing/2014/main" id="{4DF9D65D-833F-0E70-B886-EDD4C36F16DD}"/>
-                </a:ext>
-              </a:extLst>
-            </p:cNvPr>
-            <p:cNvCxnSpPr/>
-            <p:nvPr/>
-          </p:nvCxnSpPr>
-          <p:spPr>
-            <a:xfrm>
-              <a:off x="3424378" y="3314584"/>
-              <a:ext cx="0" cy="1906598"/>
-            </a:xfrm>
-            <a:prstGeom prst="straightConnector1">
-              <a:avLst/>
-            </a:prstGeom>
-            <a:ln>
-              <a:solidFill>
-                <a:schemeClr val="bg1"/>
-              </a:solidFill>
-              <a:headEnd type="arrow" w="med" len="med"/>
-              <a:tailEnd type="arrow" w="med" len="med"/>
-            </a:ln>
-            <a:effectLst>
-              <a:glow rad="101600">
-                <a:srgbClr val="9966FF">
-                  <a:alpha val="40000"/>
-                </a:srgbClr>
-              </a:glow>
-            </a:effectLst>
-          </p:spPr>
-          <p:style>
-            <a:lnRef idx="1">
-              <a:schemeClr val="accent1"/>
-            </a:lnRef>
-            <a:fillRef idx="0">
-              <a:schemeClr val="accent1"/>
-            </a:fillRef>
-            <a:effectRef idx="0">
-              <a:schemeClr val="accent1"/>
-            </a:effectRef>
-            <a:fontRef idx="minor">
-              <a:schemeClr val="tx1"/>
-            </a:fontRef>
-          </p:style>
-        </p:cxnSp>
-        <p:cxnSp>
-          <p:nvCxnSpPr>
-            <p:cNvPr id="88" name="직선 연결선 87">
-              <a:extLst>
-                <a:ext uri="{FF2B5EF4-FFF2-40B4-BE49-F238E27FC236}">
-                  <a16:creationId xmlns:a16="http://schemas.microsoft.com/office/drawing/2014/main" id="{B5973A71-6168-1FE6-68FD-2FEF8534E767}"/>
-                </a:ext>
-              </a:extLst>
-            </p:cNvPr>
-            <p:cNvCxnSpPr/>
-            <p:nvPr/>
-          </p:nvCxnSpPr>
-          <p:spPr>
-            <a:xfrm>
-              <a:off x="4269689" y="3759322"/>
-              <a:ext cx="473343" cy="0"/>
-            </a:xfrm>
-            <a:prstGeom prst="line">
-              <a:avLst/>
-            </a:prstGeom>
-            <a:ln w="57150">
-              <a:solidFill>
-                <a:srgbClr val="33CCCC"/>
-              </a:solidFill>
-            </a:ln>
-          </p:spPr>
-          <p:style>
-            <a:lnRef idx="1">
-              <a:schemeClr val="accent1"/>
-            </a:lnRef>
-            <a:fillRef idx="0">
-              <a:schemeClr val="accent1"/>
-            </a:fillRef>
-            <a:effectRef idx="0">
-              <a:schemeClr val="accent1"/>
-            </a:effectRef>
-            <a:fontRef idx="minor">
-              <a:schemeClr val="tx1"/>
-            </a:fontRef>
-          </p:style>
-        </p:cxnSp>
-        <p:cxnSp>
-          <p:nvCxnSpPr>
-            <p:cNvPr id="89" name="직선 연결선 88">
-              <a:extLst>
-                <a:ext uri="{FF2B5EF4-FFF2-40B4-BE49-F238E27FC236}">
-                  <a16:creationId xmlns:a16="http://schemas.microsoft.com/office/drawing/2014/main" id="{5FC1CAD0-F718-2EA4-1EE9-C6C3B7567905}"/>
-                </a:ext>
-              </a:extLst>
-            </p:cNvPr>
-            <p:cNvCxnSpPr/>
-            <p:nvPr/>
-          </p:nvCxnSpPr>
-          <p:spPr>
-            <a:xfrm>
-              <a:off x="4737274" y="3742047"/>
-              <a:ext cx="0" cy="841283"/>
-            </a:xfrm>
-            <a:prstGeom prst="line">
-              <a:avLst/>
-            </a:prstGeom>
-            <a:ln w="57150">
-              <a:solidFill>
-                <a:srgbClr val="33CCCC"/>
-              </a:solidFill>
-            </a:ln>
-          </p:spPr>
-          <p:style>
-            <a:lnRef idx="1">
-              <a:schemeClr val="accent1"/>
-            </a:lnRef>
-            <a:fillRef idx="0">
-              <a:schemeClr val="accent1"/>
-            </a:fillRef>
-            <a:effectRef idx="0">
-              <a:schemeClr val="accent1"/>
-            </a:effectRef>
-            <a:fontRef idx="minor">
-              <a:schemeClr val="tx1"/>
-            </a:fontRef>
-          </p:style>
-        </p:cxnSp>
-        <p:cxnSp>
-          <p:nvCxnSpPr>
-            <p:cNvPr id="90" name="직선 연결선 89">
-              <a:extLst>
-                <a:ext uri="{FF2B5EF4-FFF2-40B4-BE49-F238E27FC236}">
-                  <a16:creationId xmlns:a16="http://schemas.microsoft.com/office/drawing/2014/main" id="{BFE681F5-7F21-E3A3-35C0-45EE64E39C00}"/>
-                </a:ext>
-              </a:extLst>
-            </p:cNvPr>
-            <p:cNvCxnSpPr>
-              <a:cxnSpLocks/>
-            </p:cNvCxnSpPr>
-            <p:nvPr/>
-          </p:nvCxnSpPr>
-          <p:spPr>
-            <a:xfrm>
-              <a:off x="4731516" y="4584817"/>
-              <a:ext cx="481895" cy="0"/>
-            </a:xfrm>
-            <a:prstGeom prst="line">
-              <a:avLst/>
-            </a:prstGeom>
-            <a:ln w="57150">
-              <a:solidFill>
-                <a:srgbClr val="33CCCC"/>
-              </a:solidFill>
-            </a:ln>
-          </p:spPr>
-          <p:style>
-            <a:lnRef idx="1">
-              <a:schemeClr val="accent1"/>
-            </a:lnRef>
-            <a:fillRef idx="0">
-              <a:schemeClr val="accent1"/>
-            </a:fillRef>
-            <a:effectRef idx="0">
-              <a:schemeClr val="accent1"/>
-            </a:effectRef>
-            <a:fontRef idx="minor">
-              <a:schemeClr val="tx1"/>
-            </a:fontRef>
-          </p:style>
-        </p:cxnSp>
-        <p:sp>
-          <p:nvSpPr>
-            <p:cNvPr id="101" name="직사각형 100">
-              <a:extLst>
-                <a:ext uri="{FF2B5EF4-FFF2-40B4-BE49-F238E27FC236}">
-                  <a16:creationId xmlns:a16="http://schemas.microsoft.com/office/drawing/2014/main" id="{44963F90-259D-E86D-F48C-936656091DCA}"/>
-                </a:ext>
-              </a:extLst>
-            </p:cNvPr>
-            <p:cNvSpPr/>
-            <p:nvPr/>
-          </p:nvSpPr>
-          <p:spPr>
-            <a:xfrm>
-              <a:off x="3609055" y="5133767"/>
-              <a:ext cx="80095" cy="80095"/>
-            </a:xfrm>
-            <a:prstGeom prst="rect">
-              <a:avLst/>
-            </a:prstGeom>
-            <a:solidFill>
-              <a:srgbClr val="3366FF"/>
-            </a:solidFill>
-            <a:ln w="12700">
-              <a:solidFill>
-                <a:srgbClr val="000000"/>
-              </a:solidFill>
-            </a:ln>
-          </p:spPr>
-          <p:style>
-            <a:lnRef idx="2">
-              <a:schemeClr val="accent1">
-                <a:shade val="50000"/>
-              </a:schemeClr>
-            </a:lnRef>
-            <a:fillRef idx="1">
-              <a:schemeClr val="accent1"/>
-            </a:fillRef>
-            <a:effectRef idx="0">
-              <a:schemeClr val="accent1"/>
-            </a:effectRef>
-            <a:fontRef idx="minor"/>
-          </p:style>
-          <p:txBody>
-            <a:bodyPr rtlCol="0" anchor="ctr"/>
-            <a:lstStyle/>
-            <a:p>
-              <a:pPr algn="ctr"/>
-              <a:endParaRPr lang="ko-KR" altLang="en-US" sz="1000" dirty="0"/>
-            </a:p>
-          </p:txBody>
-        </p:sp>
-        <p:sp>
-          <p:nvSpPr>
-            <p:cNvPr id="102" name="직사각형 101">
-              <a:extLst>
-                <a:ext uri="{FF2B5EF4-FFF2-40B4-BE49-F238E27FC236}">
-                  <a16:creationId xmlns:a16="http://schemas.microsoft.com/office/drawing/2014/main" id="{0A353AEC-F423-D07B-0A44-EAD219354E3A}"/>
-                </a:ext>
-              </a:extLst>
-            </p:cNvPr>
-            <p:cNvSpPr/>
-            <p:nvPr/>
-          </p:nvSpPr>
-          <p:spPr>
-            <a:xfrm>
-              <a:off x="4269258" y="3314584"/>
-              <a:ext cx="29651" cy="460139"/>
-            </a:xfrm>
-            <a:prstGeom prst="rect">
-              <a:avLst/>
-            </a:prstGeom>
-            <a:solidFill>
-              <a:srgbClr val="3366FF"/>
-            </a:solidFill>
-            <a:ln w="12700">
-              <a:solidFill>
-                <a:srgbClr val="000000"/>
-              </a:solidFill>
-            </a:ln>
-          </p:spPr>
-          <p:style>
-            <a:lnRef idx="2">
-              <a:schemeClr val="accent1">
-                <a:shade val="50000"/>
-              </a:schemeClr>
-            </a:lnRef>
-            <a:fillRef idx="1">
-              <a:schemeClr val="accent1"/>
-            </a:fillRef>
-            <a:effectRef idx="0">
-              <a:schemeClr val="accent1"/>
-            </a:effectRef>
-            <a:fontRef idx="minor"/>
-          </p:style>
-          <p:txBody>
-            <a:bodyPr rtlCol="0" anchor="ctr"/>
-            <a:lstStyle/>
-            <a:p>
-              <a:pPr algn="ctr"/>
-              <a:endParaRPr lang="ko-KR" altLang="en-US" sz="1000">
-                <a:solidFill>
-                  <a:schemeClr val="tx1"/>
-                </a:solidFill>
-              </a:endParaRPr>
-            </a:p>
-          </p:txBody>
-        </p:sp>
-        <p:sp>
-          <p:nvSpPr>
-            <p:cNvPr id="103" name="직사각형 102">
-              <a:extLst>
-                <a:ext uri="{FF2B5EF4-FFF2-40B4-BE49-F238E27FC236}">
-                  <a16:creationId xmlns:a16="http://schemas.microsoft.com/office/drawing/2014/main" id="{8A5BA026-F8F1-B175-161F-6F2CD4FBC1A0}"/>
-                </a:ext>
-              </a:extLst>
-            </p:cNvPr>
-            <p:cNvSpPr/>
-            <p:nvPr/>
-          </p:nvSpPr>
-          <p:spPr>
-            <a:xfrm>
-              <a:off x="3176392" y="3478546"/>
-              <a:ext cx="80095" cy="80095"/>
-            </a:xfrm>
-            <a:prstGeom prst="rect">
-              <a:avLst/>
-            </a:prstGeom>
-            <a:solidFill>
-              <a:schemeClr val="bg1">
-                <a:lumMod val="85000"/>
-              </a:schemeClr>
-            </a:solidFill>
-            <a:ln w="12700">
-              <a:solidFill>
-                <a:srgbClr val="000000"/>
-              </a:solidFill>
-            </a:ln>
-          </p:spPr>
-          <p:style>
-            <a:lnRef idx="2">
-              <a:schemeClr val="accent1">
-                <a:shade val="50000"/>
-              </a:schemeClr>
-            </a:lnRef>
-            <a:fillRef idx="1">
-              <a:schemeClr val="accent1"/>
-            </a:fillRef>
-            <a:effectRef idx="0">
-              <a:schemeClr val="accent1"/>
-            </a:effectRef>
-            <a:fontRef idx="minor"/>
-          </p:style>
-          <p:txBody>
-            <a:bodyPr rtlCol="0" anchor="ctr"/>
-            <a:lstStyle/>
-            <a:p>
-              <a:pPr algn="ctr"/>
-              <a:r>
-                <a:rPr lang="en-US" altLang="ko-KR" sz="1000" dirty="0"/>
-                <a:t>A</a:t>
-              </a:r>
-              <a:endParaRPr lang="ko-KR" altLang="en-US" sz="1000" dirty="0"/>
-            </a:p>
-          </p:txBody>
-        </p:sp>
-        <p:grpSp>
-          <p:nvGrpSpPr>
-            <p:cNvPr id="2" name="그룹 1">
-              <a:extLst>
-                <a:ext uri="{FF2B5EF4-FFF2-40B4-BE49-F238E27FC236}">
-                  <a16:creationId xmlns:a16="http://schemas.microsoft.com/office/drawing/2014/main" id="{69DF768A-3084-DB38-82F9-DE9C23D66E00}"/>
-                </a:ext>
-              </a:extLst>
-            </p:cNvPr>
-            <p:cNvGrpSpPr/>
-            <p:nvPr/>
-          </p:nvGrpSpPr>
-          <p:grpSpPr>
-            <a:xfrm>
-              <a:off x="800199" y="2683131"/>
-              <a:ext cx="29629" cy="3335094"/>
-              <a:chOff x="800199" y="2705689"/>
-              <a:chExt cx="29629" cy="3335094"/>
-            </a:xfrm>
-          </p:grpSpPr>
-          <p:grpSp>
-            <p:nvGrpSpPr>
-              <p:cNvPr id="48" name="그룹 47">
-                <a:extLst>
-                  <a:ext uri="{FF2B5EF4-FFF2-40B4-BE49-F238E27FC236}">
-                    <a16:creationId xmlns:a16="http://schemas.microsoft.com/office/drawing/2014/main" id="{F7ED1CB9-B4FC-43C6-9501-2D2365C172A4}"/>
-                  </a:ext>
-                </a:extLst>
-              </p:cNvPr>
-              <p:cNvGrpSpPr/>
-              <p:nvPr/>
-            </p:nvGrpSpPr>
-            <p:grpSpPr>
-              <a:xfrm>
-                <a:off x="800199" y="2705689"/>
-                <a:ext cx="29629" cy="1838329"/>
-                <a:chOff x="1173094" y="3197399"/>
-                <a:chExt cx="45685" cy="2834482"/>
-              </a:xfrm>
-            </p:grpSpPr>
-            <p:sp>
-              <p:nvSpPr>
-                <p:cNvPr id="49" name="타원 48">
-                  <a:extLst>
-                    <a:ext uri="{FF2B5EF4-FFF2-40B4-BE49-F238E27FC236}">
-                      <a16:creationId xmlns:a16="http://schemas.microsoft.com/office/drawing/2014/main" id="{5FEA3B16-108B-E3C7-135A-C233BF00E923}"/>
-                    </a:ext>
-                  </a:extLst>
-                </p:cNvPr>
-                <p:cNvSpPr/>
-                <p:nvPr/>
-              </p:nvSpPr>
-              <p:spPr>
-                <a:xfrm>
-                  <a:off x="1173094" y="4733299"/>
-                  <a:ext cx="45685" cy="45685"/>
-                </a:xfrm>
-                <a:prstGeom prst="ellipse">
-                  <a:avLst/>
-                </a:prstGeom>
-                <a:solidFill>
-                  <a:schemeClr val="bg1"/>
-                </a:solidFill>
-                <a:ln>
-                  <a:noFill/>
-                  <a:headEnd type="none" w="med" len="med"/>
-                  <a:tailEnd type="arrow" w="med" len="med"/>
-                </a:ln>
-                <a:effectLst>
-                  <a:glow rad="101600">
-                    <a:srgbClr val="FF0066">
-                      <a:alpha val="40000"/>
-                    </a:srgbClr>
-                  </a:glow>
-                </a:effectLst>
-              </p:spPr>
-              <p:style>
-                <a:lnRef idx="1">
-                  <a:schemeClr val="accent1"/>
-                </a:lnRef>
-                <a:fillRef idx="0">
-                  <a:schemeClr val="accent1"/>
-                </a:fillRef>
-                <a:effectRef idx="0">
-                  <a:schemeClr val="accent1"/>
-                </a:effectRef>
-                <a:fontRef idx="minor">
-                  <a:schemeClr val="tx1"/>
-                </a:fontRef>
-              </p:style>
-              <p:txBody>
-                <a:bodyPr rtlCol="0" anchor="ctr"/>
-                <a:lstStyle/>
-                <a:p>
-                  <a:pPr algn="ctr"/>
-                  <a:endParaRPr lang="ko-KR" altLang="en-US" dirty="0"/>
-                </a:p>
-              </p:txBody>
-            </p:sp>
-            <p:sp>
-              <p:nvSpPr>
-                <p:cNvPr id="50" name="타원 49">
-                  <a:extLst>
-                    <a:ext uri="{FF2B5EF4-FFF2-40B4-BE49-F238E27FC236}">
-                      <a16:creationId xmlns:a16="http://schemas.microsoft.com/office/drawing/2014/main" id="{F6F471D6-051F-75AE-C28D-089AE7FF8BA7}"/>
-                    </a:ext>
-                  </a:extLst>
-                </p:cNvPr>
-                <p:cNvSpPr/>
-                <p:nvPr/>
-              </p:nvSpPr>
-              <p:spPr>
-                <a:xfrm>
-                  <a:off x="1173094" y="4596865"/>
-                  <a:ext cx="45685" cy="45685"/>
-                </a:xfrm>
-                <a:prstGeom prst="ellipse">
-                  <a:avLst/>
-                </a:prstGeom>
-                <a:solidFill>
-                  <a:schemeClr val="bg1"/>
-                </a:solidFill>
-                <a:ln>
-                  <a:noFill/>
-                  <a:headEnd type="none" w="med" len="med"/>
-                  <a:tailEnd type="arrow" w="med" len="med"/>
-                </a:ln>
-                <a:effectLst>
-                  <a:glow rad="101600">
-                    <a:srgbClr val="FF0066">
-                      <a:alpha val="40000"/>
-                    </a:srgbClr>
-                  </a:glow>
-                </a:effectLst>
-              </p:spPr>
-              <p:style>
-                <a:lnRef idx="1">
-                  <a:schemeClr val="accent1"/>
-                </a:lnRef>
-                <a:fillRef idx="0">
-                  <a:schemeClr val="accent1"/>
-                </a:fillRef>
-                <a:effectRef idx="0">
-                  <a:schemeClr val="accent1"/>
-                </a:effectRef>
-                <a:fontRef idx="minor">
-                  <a:schemeClr val="tx1"/>
-                </a:fontRef>
-              </p:style>
-              <p:txBody>
-                <a:bodyPr rtlCol="0" anchor="ctr"/>
-                <a:lstStyle/>
-                <a:p>
-                  <a:pPr algn="ctr"/>
-                  <a:endParaRPr lang="ko-KR" altLang="en-US" dirty="0"/>
-                </a:p>
-              </p:txBody>
-            </p:sp>
-            <p:sp>
-              <p:nvSpPr>
-                <p:cNvPr id="51" name="타원 50">
-                  <a:extLst>
-                    <a:ext uri="{FF2B5EF4-FFF2-40B4-BE49-F238E27FC236}">
-                      <a16:creationId xmlns:a16="http://schemas.microsoft.com/office/drawing/2014/main" id="{229244A8-30C1-3BBC-7345-ACC801BB0087}"/>
-                    </a:ext>
-                  </a:extLst>
-                </p:cNvPr>
-                <p:cNvSpPr/>
-                <p:nvPr/>
-              </p:nvSpPr>
-              <p:spPr>
-                <a:xfrm>
-                  <a:off x="1173094" y="4471738"/>
-                  <a:ext cx="45685" cy="45685"/>
-                </a:xfrm>
-                <a:prstGeom prst="ellipse">
-                  <a:avLst/>
-                </a:prstGeom>
-                <a:solidFill>
-                  <a:schemeClr val="bg1"/>
-                </a:solidFill>
-                <a:ln>
-                  <a:noFill/>
-                  <a:headEnd type="none" w="med" len="med"/>
-                  <a:tailEnd type="arrow" w="med" len="med"/>
-                </a:ln>
-                <a:effectLst>
-                  <a:glow rad="101600">
-                    <a:srgbClr val="FF0066">
-                      <a:alpha val="40000"/>
-                    </a:srgbClr>
-                  </a:glow>
-                </a:effectLst>
-              </p:spPr>
-              <p:style>
-                <a:lnRef idx="1">
-                  <a:schemeClr val="accent1"/>
-                </a:lnRef>
-                <a:fillRef idx="0">
-                  <a:schemeClr val="accent1"/>
-                </a:fillRef>
-                <a:effectRef idx="0">
-                  <a:schemeClr val="accent1"/>
-                </a:effectRef>
-                <a:fontRef idx="minor">
-                  <a:schemeClr val="tx1"/>
-                </a:fontRef>
-              </p:style>
-              <p:txBody>
-                <a:bodyPr rtlCol="0" anchor="ctr"/>
-                <a:lstStyle/>
-                <a:p>
-                  <a:pPr algn="ctr"/>
-                  <a:endParaRPr lang="ko-KR" altLang="en-US" dirty="0"/>
-                </a:p>
-              </p:txBody>
-            </p:sp>
-            <p:sp>
-              <p:nvSpPr>
-                <p:cNvPr id="53" name="타원 52">
-                  <a:extLst>
-                    <a:ext uri="{FF2B5EF4-FFF2-40B4-BE49-F238E27FC236}">
-                      <a16:creationId xmlns:a16="http://schemas.microsoft.com/office/drawing/2014/main" id="{886DE2BE-44B3-3084-700A-C5C564456D86}"/>
-                    </a:ext>
-                  </a:extLst>
-                </p:cNvPr>
-                <p:cNvSpPr/>
-                <p:nvPr/>
-              </p:nvSpPr>
-              <p:spPr>
-                <a:xfrm>
-                  <a:off x="1173094" y="4335304"/>
-                  <a:ext cx="45685" cy="45685"/>
-                </a:xfrm>
-                <a:prstGeom prst="ellipse">
-                  <a:avLst/>
-                </a:prstGeom>
-                <a:solidFill>
-                  <a:schemeClr val="bg1"/>
-                </a:solidFill>
-                <a:ln>
-                  <a:noFill/>
-                  <a:headEnd type="none" w="med" len="med"/>
-                  <a:tailEnd type="arrow" w="med" len="med"/>
-                </a:ln>
-                <a:effectLst>
-                  <a:glow rad="101600">
-                    <a:srgbClr val="FF0066">
-                      <a:alpha val="40000"/>
-                    </a:srgbClr>
-                  </a:glow>
-                </a:effectLst>
-              </p:spPr>
-              <p:style>
-                <a:lnRef idx="1">
-                  <a:schemeClr val="accent1"/>
-                </a:lnRef>
-                <a:fillRef idx="0">
-                  <a:schemeClr val="accent1"/>
-                </a:fillRef>
-                <a:effectRef idx="0">
-                  <a:schemeClr val="accent1"/>
-                </a:effectRef>
-                <a:fontRef idx="minor">
-                  <a:schemeClr val="tx1"/>
-                </a:fontRef>
-              </p:style>
-              <p:txBody>
-                <a:bodyPr rtlCol="0" anchor="ctr"/>
-                <a:lstStyle/>
-                <a:p>
-                  <a:pPr algn="ctr"/>
-                  <a:endParaRPr lang="ko-KR" altLang="en-US" dirty="0"/>
-                </a:p>
-              </p:txBody>
-            </p:sp>
-            <p:sp>
-              <p:nvSpPr>
-                <p:cNvPr id="54" name="타원 53">
-                  <a:extLst>
-                    <a:ext uri="{FF2B5EF4-FFF2-40B4-BE49-F238E27FC236}">
-                      <a16:creationId xmlns:a16="http://schemas.microsoft.com/office/drawing/2014/main" id="{7AD2364B-507A-F421-6039-283C3D1D73B5}"/>
-                    </a:ext>
-                  </a:extLst>
-                </p:cNvPr>
-                <p:cNvSpPr/>
-                <p:nvPr/>
-              </p:nvSpPr>
-              <p:spPr>
-                <a:xfrm>
-                  <a:off x="1173094" y="4188534"/>
-                  <a:ext cx="45685" cy="45685"/>
-                </a:xfrm>
-                <a:prstGeom prst="ellipse">
-                  <a:avLst/>
-                </a:prstGeom>
-                <a:solidFill>
-                  <a:schemeClr val="bg1"/>
-                </a:solidFill>
-                <a:ln>
-                  <a:noFill/>
-                  <a:headEnd type="none" w="med" len="med"/>
-                  <a:tailEnd type="arrow" w="med" len="med"/>
-                </a:ln>
-                <a:effectLst>
-                  <a:glow rad="101600">
-                    <a:srgbClr val="FF0066">
-                      <a:alpha val="40000"/>
-                    </a:srgbClr>
-                  </a:glow>
-                </a:effectLst>
-              </p:spPr>
-              <p:style>
-                <a:lnRef idx="1">
-                  <a:schemeClr val="accent1"/>
-                </a:lnRef>
-                <a:fillRef idx="0">
-                  <a:schemeClr val="accent1"/>
-                </a:fillRef>
-                <a:effectRef idx="0">
-                  <a:schemeClr val="accent1"/>
-                </a:effectRef>
-                <a:fontRef idx="minor">
-                  <a:schemeClr val="tx1"/>
-                </a:fontRef>
-              </p:style>
-              <p:txBody>
-                <a:bodyPr rtlCol="0" anchor="ctr"/>
-                <a:lstStyle/>
-                <a:p>
-                  <a:pPr algn="ctr"/>
-                  <a:endParaRPr lang="ko-KR" altLang="en-US" dirty="0"/>
-                </a:p>
-              </p:txBody>
-            </p:sp>
-            <p:sp>
-              <p:nvSpPr>
-                <p:cNvPr id="55" name="타원 54">
-                  <a:extLst>
-                    <a:ext uri="{FF2B5EF4-FFF2-40B4-BE49-F238E27FC236}">
-                      <a16:creationId xmlns:a16="http://schemas.microsoft.com/office/drawing/2014/main" id="{0CF4E7AE-BF11-E2BF-697B-147500327C8E}"/>
-                    </a:ext>
-                  </a:extLst>
-                </p:cNvPr>
-                <p:cNvSpPr/>
-                <p:nvPr/>
-              </p:nvSpPr>
-              <p:spPr>
-                <a:xfrm>
-                  <a:off x="1173094" y="5005328"/>
-                  <a:ext cx="45685" cy="45685"/>
-                </a:xfrm>
-                <a:prstGeom prst="ellipse">
-                  <a:avLst/>
-                </a:prstGeom>
-                <a:solidFill>
-                  <a:schemeClr val="bg1"/>
-                </a:solidFill>
-                <a:ln>
-                  <a:noFill/>
-                  <a:headEnd type="none" w="med" len="med"/>
-                  <a:tailEnd type="arrow" w="med" len="med"/>
-                </a:ln>
-                <a:effectLst>
-                  <a:glow rad="101600">
-                    <a:srgbClr val="FF0066">
-                      <a:alpha val="40000"/>
-                    </a:srgbClr>
-                  </a:glow>
-                </a:effectLst>
-              </p:spPr>
-              <p:style>
-                <a:lnRef idx="1">
-                  <a:schemeClr val="accent1"/>
-                </a:lnRef>
-                <a:fillRef idx="0">
-                  <a:schemeClr val="accent1"/>
-                </a:fillRef>
-                <a:effectRef idx="0">
-                  <a:schemeClr val="accent1"/>
-                </a:effectRef>
-                <a:fontRef idx="minor">
-                  <a:schemeClr val="tx1"/>
-                </a:fontRef>
-              </p:style>
-              <p:txBody>
-                <a:bodyPr rtlCol="0" anchor="ctr"/>
-                <a:lstStyle/>
-                <a:p>
-                  <a:pPr algn="ctr"/>
-                  <a:endParaRPr lang="ko-KR" altLang="en-US" dirty="0"/>
-                </a:p>
-              </p:txBody>
-            </p:sp>
-            <p:sp>
-              <p:nvSpPr>
-                <p:cNvPr id="56" name="타원 55">
-                  <a:extLst>
-                    <a:ext uri="{FF2B5EF4-FFF2-40B4-BE49-F238E27FC236}">
-                      <a16:creationId xmlns:a16="http://schemas.microsoft.com/office/drawing/2014/main" id="{125F96C9-2484-68D4-3CB1-0AD226DA8E44}"/>
-                    </a:ext>
-                  </a:extLst>
-                </p:cNvPr>
-                <p:cNvSpPr/>
-                <p:nvPr/>
-              </p:nvSpPr>
-              <p:spPr>
-                <a:xfrm>
-                  <a:off x="1173094" y="4868894"/>
-                  <a:ext cx="45685" cy="45685"/>
-                </a:xfrm>
-                <a:prstGeom prst="ellipse">
-                  <a:avLst/>
-                </a:prstGeom>
-                <a:solidFill>
-                  <a:schemeClr val="bg1"/>
-                </a:solidFill>
-                <a:ln>
-                  <a:noFill/>
-                  <a:headEnd type="none" w="med" len="med"/>
-                  <a:tailEnd type="arrow" w="med" len="med"/>
-                </a:ln>
-                <a:effectLst>
-                  <a:glow rad="101600">
-                    <a:srgbClr val="FF0066">
-                      <a:alpha val="40000"/>
-                    </a:srgbClr>
-                  </a:glow>
-                </a:effectLst>
-              </p:spPr>
-              <p:style>
-                <a:lnRef idx="1">
-                  <a:schemeClr val="accent1"/>
-                </a:lnRef>
-                <a:fillRef idx="0">
-                  <a:schemeClr val="accent1"/>
-                </a:fillRef>
-                <a:effectRef idx="0">
-                  <a:schemeClr val="accent1"/>
-                </a:effectRef>
-                <a:fontRef idx="minor">
-                  <a:schemeClr val="tx1"/>
-                </a:fontRef>
-              </p:style>
-              <p:txBody>
-                <a:bodyPr rtlCol="0" anchor="ctr"/>
-                <a:lstStyle/>
-                <a:p>
-                  <a:pPr algn="ctr"/>
-                  <a:endParaRPr lang="ko-KR" altLang="en-US" dirty="0"/>
-                </a:p>
-              </p:txBody>
-            </p:sp>
-            <p:sp>
-              <p:nvSpPr>
-                <p:cNvPr id="57" name="타원 56">
-                  <a:extLst>
-                    <a:ext uri="{FF2B5EF4-FFF2-40B4-BE49-F238E27FC236}">
-                      <a16:creationId xmlns:a16="http://schemas.microsoft.com/office/drawing/2014/main" id="{361B3E47-E9CD-66F1-8255-1F311CD4F7CA}"/>
-                    </a:ext>
-                  </a:extLst>
-                </p:cNvPr>
-                <p:cNvSpPr/>
-                <p:nvPr/>
-              </p:nvSpPr>
-              <p:spPr>
-                <a:xfrm>
-                  <a:off x="1173094" y="5714167"/>
-                  <a:ext cx="45685" cy="45685"/>
-                </a:xfrm>
-                <a:prstGeom prst="ellipse">
-                  <a:avLst/>
-                </a:prstGeom>
-                <a:solidFill>
-                  <a:schemeClr val="bg1"/>
-                </a:solidFill>
-                <a:ln>
-                  <a:noFill/>
-                  <a:headEnd type="none" w="med" len="med"/>
-                  <a:tailEnd type="arrow" w="med" len="med"/>
-                </a:ln>
-                <a:effectLst>
-                  <a:glow rad="101600">
-                    <a:srgbClr val="FF0066">
-                      <a:alpha val="40000"/>
-                    </a:srgbClr>
-                  </a:glow>
-                </a:effectLst>
-              </p:spPr>
-              <p:style>
-                <a:lnRef idx="1">
-                  <a:schemeClr val="accent1"/>
-                </a:lnRef>
-                <a:fillRef idx="0">
-                  <a:schemeClr val="accent1"/>
-                </a:fillRef>
-                <a:effectRef idx="0">
-                  <a:schemeClr val="accent1"/>
-                </a:effectRef>
-                <a:fontRef idx="minor">
-                  <a:schemeClr val="tx1"/>
-                </a:fontRef>
-              </p:style>
-              <p:txBody>
-                <a:bodyPr rtlCol="0" anchor="ctr"/>
-                <a:lstStyle/>
-                <a:p>
-                  <a:pPr algn="ctr"/>
-                  <a:endParaRPr lang="ko-KR" altLang="en-US" dirty="0"/>
-                </a:p>
-              </p:txBody>
-            </p:sp>
-            <p:sp>
-              <p:nvSpPr>
-                <p:cNvPr id="58" name="타원 57">
-                  <a:extLst>
-                    <a:ext uri="{FF2B5EF4-FFF2-40B4-BE49-F238E27FC236}">
-                      <a16:creationId xmlns:a16="http://schemas.microsoft.com/office/drawing/2014/main" id="{316AAA2A-678D-6438-F3F2-280B630488E9}"/>
-                    </a:ext>
-                  </a:extLst>
-                </p:cNvPr>
-                <p:cNvSpPr/>
-                <p:nvPr/>
-              </p:nvSpPr>
-              <p:spPr>
-                <a:xfrm>
-                  <a:off x="1173094" y="5577733"/>
-                  <a:ext cx="45685" cy="45685"/>
-                </a:xfrm>
-                <a:prstGeom prst="ellipse">
-                  <a:avLst/>
-                </a:prstGeom>
-                <a:solidFill>
-                  <a:schemeClr val="bg1"/>
-                </a:solidFill>
-                <a:ln>
-                  <a:noFill/>
-                  <a:headEnd type="none" w="med" len="med"/>
-                  <a:tailEnd type="arrow" w="med" len="med"/>
-                </a:ln>
-                <a:effectLst>
-                  <a:glow rad="101600">
-                    <a:srgbClr val="FF0066">
-                      <a:alpha val="40000"/>
-                    </a:srgbClr>
-                  </a:glow>
-                </a:effectLst>
-              </p:spPr>
-              <p:style>
-                <a:lnRef idx="1">
-                  <a:schemeClr val="accent1"/>
-                </a:lnRef>
-                <a:fillRef idx="0">
-                  <a:schemeClr val="accent1"/>
-                </a:fillRef>
-                <a:effectRef idx="0">
-                  <a:schemeClr val="accent1"/>
-                </a:effectRef>
-                <a:fontRef idx="minor">
-                  <a:schemeClr val="tx1"/>
-                </a:fontRef>
-              </p:style>
-              <p:txBody>
-                <a:bodyPr rtlCol="0" anchor="ctr"/>
-                <a:lstStyle/>
-                <a:p>
-                  <a:pPr algn="ctr"/>
-                  <a:endParaRPr lang="ko-KR" altLang="en-US" dirty="0"/>
-                </a:p>
-              </p:txBody>
-            </p:sp>
-            <p:sp>
-              <p:nvSpPr>
-                <p:cNvPr id="59" name="타원 58">
-                  <a:extLst>
-                    <a:ext uri="{FF2B5EF4-FFF2-40B4-BE49-F238E27FC236}">
-                      <a16:creationId xmlns:a16="http://schemas.microsoft.com/office/drawing/2014/main" id="{AC584AC2-808B-F595-8EC7-A7D90F8E0121}"/>
-                    </a:ext>
-                  </a:extLst>
-                </p:cNvPr>
-                <p:cNvSpPr/>
-                <p:nvPr/>
-              </p:nvSpPr>
-              <p:spPr>
-                <a:xfrm>
-                  <a:off x="1173094" y="5452606"/>
-                  <a:ext cx="45685" cy="45685"/>
-                </a:xfrm>
-                <a:prstGeom prst="ellipse">
-                  <a:avLst/>
-                </a:prstGeom>
-                <a:solidFill>
-                  <a:schemeClr val="bg1"/>
-                </a:solidFill>
-                <a:ln>
-                  <a:noFill/>
-                  <a:headEnd type="none" w="med" len="med"/>
-                  <a:tailEnd type="arrow" w="med" len="med"/>
-                </a:ln>
-                <a:effectLst>
-                  <a:glow rad="101600">
-                    <a:srgbClr val="FF0066">
-                      <a:alpha val="40000"/>
-                    </a:srgbClr>
-                  </a:glow>
-                </a:effectLst>
-              </p:spPr>
-              <p:style>
-                <a:lnRef idx="1">
-                  <a:schemeClr val="accent1"/>
-                </a:lnRef>
-                <a:fillRef idx="0">
-                  <a:schemeClr val="accent1"/>
-                </a:fillRef>
-                <a:effectRef idx="0">
-                  <a:schemeClr val="accent1"/>
-                </a:effectRef>
-                <a:fontRef idx="minor">
-                  <a:schemeClr val="tx1"/>
-                </a:fontRef>
-              </p:style>
-              <p:txBody>
-                <a:bodyPr rtlCol="0" anchor="ctr"/>
-                <a:lstStyle/>
-                <a:p>
-                  <a:pPr algn="ctr"/>
-                  <a:endParaRPr lang="ko-KR" altLang="en-US" dirty="0"/>
-                </a:p>
-              </p:txBody>
-            </p:sp>
-            <p:sp>
-              <p:nvSpPr>
-                <p:cNvPr id="60" name="타원 59">
-                  <a:extLst>
-                    <a:ext uri="{FF2B5EF4-FFF2-40B4-BE49-F238E27FC236}">
-                      <a16:creationId xmlns:a16="http://schemas.microsoft.com/office/drawing/2014/main" id="{B3570820-8B3A-70E8-0AAA-6A88034F36A4}"/>
-                    </a:ext>
-                  </a:extLst>
-                </p:cNvPr>
-                <p:cNvSpPr/>
-                <p:nvPr/>
-              </p:nvSpPr>
-              <p:spPr>
-                <a:xfrm>
-                  <a:off x="1173094" y="5316172"/>
-                  <a:ext cx="45685" cy="45685"/>
-                </a:xfrm>
-                <a:prstGeom prst="ellipse">
-                  <a:avLst/>
-                </a:prstGeom>
-                <a:solidFill>
-                  <a:schemeClr val="bg1"/>
-                </a:solidFill>
-                <a:ln>
-                  <a:noFill/>
-                  <a:headEnd type="none" w="med" len="med"/>
-                  <a:tailEnd type="arrow" w="med" len="med"/>
-                </a:ln>
-                <a:effectLst>
-                  <a:glow rad="101600">
-                    <a:srgbClr val="FF0066">
-                      <a:alpha val="40000"/>
-                    </a:srgbClr>
-                  </a:glow>
-                </a:effectLst>
-              </p:spPr>
-              <p:style>
-                <a:lnRef idx="1">
-                  <a:schemeClr val="accent1"/>
-                </a:lnRef>
-                <a:fillRef idx="0">
-                  <a:schemeClr val="accent1"/>
-                </a:fillRef>
-                <a:effectRef idx="0">
-                  <a:schemeClr val="accent1"/>
-                </a:effectRef>
-                <a:fontRef idx="minor">
-                  <a:schemeClr val="tx1"/>
-                </a:fontRef>
-              </p:style>
-              <p:txBody>
-                <a:bodyPr rtlCol="0" anchor="ctr"/>
-                <a:lstStyle/>
-                <a:p>
-                  <a:pPr algn="ctr"/>
-                  <a:endParaRPr lang="ko-KR" altLang="en-US" dirty="0"/>
-                </a:p>
-              </p:txBody>
-            </p:sp>
-            <p:sp>
-              <p:nvSpPr>
-                <p:cNvPr id="63" name="타원 62">
-                  <a:extLst>
-                    <a:ext uri="{FF2B5EF4-FFF2-40B4-BE49-F238E27FC236}">
-                      <a16:creationId xmlns:a16="http://schemas.microsoft.com/office/drawing/2014/main" id="{9C669C0B-329B-4494-213D-AEF3A55ACF63}"/>
-                    </a:ext>
-                  </a:extLst>
-                </p:cNvPr>
-                <p:cNvSpPr/>
-                <p:nvPr/>
-              </p:nvSpPr>
-              <p:spPr>
-                <a:xfrm>
-                  <a:off x="1173094" y="5169402"/>
-                  <a:ext cx="45685" cy="45685"/>
-                </a:xfrm>
-                <a:prstGeom prst="ellipse">
-                  <a:avLst/>
-                </a:prstGeom>
-                <a:solidFill>
-                  <a:schemeClr val="bg1"/>
-                </a:solidFill>
-                <a:ln>
-                  <a:noFill/>
-                  <a:headEnd type="none" w="med" len="med"/>
-                  <a:tailEnd type="arrow" w="med" len="med"/>
-                </a:ln>
-                <a:effectLst>
-                  <a:glow rad="101600">
-                    <a:srgbClr val="FF0066">
-                      <a:alpha val="40000"/>
-                    </a:srgbClr>
-                  </a:glow>
-                </a:effectLst>
-              </p:spPr>
-              <p:style>
-                <a:lnRef idx="1">
-                  <a:schemeClr val="accent1"/>
-                </a:lnRef>
-                <a:fillRef idx="0">
-                  <a:schemeClr val="accent1"/>
-                </a:fillRef>
-                <a:effectRef idx="0">
-                  <a:schemeClr val="accent1"/>
-                </a:effectRef>
-                <a:fontRef idx="minor">
-                  <a:schemeClr val="tx1"/>
-                </a:fontRef>
-              </p:style>
-              <p:txBody>
-                <a:bodyPr rtlCol="0" anchor="ctr"/>
-                <a:lstStyle/>
-                <a:p>
-                  <a:pPr algn="ctr"/>
-                  <a:endParaRPr lang="ko-KR" altLang="en-US" dirty="0"/>
-                </a:p>
-              </p:txBody>
-            </p:sp>
-            <p:sp>
-              <p:nvSpPr>
-                <p:cNvPr id="64" name="타원 63">
-                  <a:extLst>
-                    <a:ext uri="{FF2B5EF4-FFF2-40B4-BE49-F238E27FC236}">
-                      <a16:creationId xmlns:a16="http://schemas.microsoft.com/office/drawing/2014/main" id="{1422EBE1-3519-3B8D-77DA-8D0AF14C9C10}"/>
-                    </a:ext>
-                  </a:extLst>
-                </p:cNvPr>
-                <p:cNvSpPr/>
-                <p:nvPr/>
-              </p:nvSpPr>
-              <p:spPr>
-                <a:xfrm>
-                  <a:off x="1173094" y="5986196"/>
-                  <a:ext cx="45685" cy="45685"/>
-                </a:xfrm>
-                <a:prstGeom prst="ellipse">
-                  <a:avLst/>
-                </a:prstGeom>
-                <a:solidFill>
-                  <a:schemeClr val="bg1"/>
-                </a:solidFill>
-                <a:ln>
-                  <a:noFill/>
-                  <a:headEnd type="none" w="med" len="med"/>
-                  <a:tailEnd type="arrow" w="med" len="med"/>
-                </a:ln>
-                <a:effectLst>
-                  <a:glow rad="101600">
-                    <a:srgbClr val="FF0066">
-                      <a:alpha val="40000"/>
-                    </a:srgbClr>
-                  </a:glow>
-                </a:effectLst>
-              </p:spPr>
-              <p:style>
-                <a:lnRef idx="1">
-                  <a:schemeClr val="accent1"/>
-                </a:lnRef>
-                <a:fillRef idx="0">
-                  <a:schemeClr val="accent1"/>
-                </a:fillRef>
-                <a:effectRef idx="0">
-                  <a:schemeClr val="accent1"/>
-                </a:effectRef>
-                <a:fontRef idx="minor">
-                  <a:schemeClr val="tx1"/>
-                </a:fontRef>
-              </p:style>
-              <p:txBody>
-                <a:bodyPr rtlCol="0" anchor="ctr"/>
-                <a:lstStyle/>
-                <a:p>
-                  <a:pPr algn="ctr"/>
-                  <a:endParaRPr lang="ko-KR" altLang="en-US" dirty="0"/>
-                </a:p>
-              </p:txBody>
-            </p:sp>
-            <p:sp>
-              <p:nvSpPr>
-                <p:cNvPr id="65" name="타원 64">
-                  <a:extLst>
-                    <a:ext uri="{FF2B5EF4-FFF2-40B4-BE49-F238E27FC236}">
-                      <a16:creationId xmlns:a16="http://schemas.microsoft.com/office/drawing/2014/main" id="{D5BB3F0B-D452-0D0C-067E-5BE151A6943F}"/>
-                    </a:ext>
-                  </a:extLst>
-                </p:cNvPr>
-                <p:cNvSpPr/>
-                <p:nvPr/>
-              </p:nvSpPr>
-              <p:spPr>
-                <a:xfrm>
-                  <a:off x="1173094" y="5849762"/>
-                  <a:ext cx="45685" cy="45685"/>
-                </a:xfrm>
-                <a:prstGeom prst="ellipse">
-                  <a:avLst/>
-                </a:prstGeom>
-                <a:solidFill>
-                  <a:schemeClr val="bg1"/>
-                </a:solidFill>
-                <a:ln>
-                  <a:noFill/>
-                  <a:headEnd type="none" w="med" len="med"/>
-                  <a:tailEnd type="arrow" w="med" len="med"/>
-                </a:ln>
-                <a:effectLst>
-                  <a:glow rad="101600">
-                    <a:srgbClr val="FF0066">
-                      <a:alpha val="40000"/>
-                    </a:srgbClr>
-                  </a:glow>
-                </a:effectLst>
-              </p:spPr>
-              <p:style>
-                <a:lnRef idx="1">
-                  <a:schemeClr val="accent1"/>
-                </a:lnRef>
-                <a:fillRef idx="0">
-                  <a:schemeClr val="accent1"/>
-                </a:fillRef>
-                <a:effectRef idx="0">
-                  <a:schemeClr val="accent1"/>
-                </a:effectRef>
-                <a:fontRef idx="minor">
-                  <a:schemeClr val="tx1"/>
-                </a:fontRef>
-              </p:style>
-              <p:txBody>
-                <a:bodyPr rtlCol="0" anchor="ctr"/>
-                <a:lstStyle/>
-                <a:p>
-                  <a:pPr algn="ctr"/>
-                  <a:endParaRPr lang="ko-KR" altLang="en-US" dirty="0"/>
-                </a:p>
-              </p:txBody>
-            </p:sp>
-            <p:sp>
-              <p:nvSpPr>
-                <p:cNvPr id="66" name="타원 65">
-                  <a:extLst>
-                    <a:ext uri="{FF2B5EF4-FFF2-40B4-BE49-F238E27FC236}">
-                      <a16:creationId xmlns:a16="http://schemas.microsoft.com/office/drawing/2014/main" id="{BF4F83A0-6457-5891-EA11-646C6456AE7D}"/>
-                    </a:ext>
-                  </a:extLst>
-                </p:cNvPr>
-                <p:cNvSpPr/>
-                <p:nvPr/>
-              </p:nvSpPr>
-              <p:spPr>
-                <a:xfrm>
-                  <a:off x="1173094" y="3742164"/>
-                  <a:ext cx="45685" cy="45685"/>
-                </a:xfrm>
-                <a:prstGeom prst="ellipse">
-                  <a:avLst/>
-                </a:prstGeom>
-                <a:solidFill>
-                  <a:schemeClr val="bg1"/>
-                </a:solidFill>
-                <a:ln>
-                  <a:noFill/>
-                  <a:headEnd type="none" w="med" len="med"/>
-                  <a:tailEnd type="arrow" w="med" len="med"/>
-                </a:ln>
-                <a:effectLst>
-                  <a:glow rad="101600">
-                    <a:srgbClr val="FF0066">
-                      <a:alpha val="40000"/>
-                    </a:srgbClr>
-                  </a:glow>
-                </a:effectLst>
-              </p:spPr>
-              <p:style>
-                <a:lnRef idx="1">
-                  <a:schemeClr val="accent1"/>
-                </a:lnRef>
-                <a:fillRef idx="0">
-                  <a:schemeClr val="accent1"/>
-                </a:fillRef>
-                <a:effectRef idx="0">
-                  <a:schemeClr val="accent1"/>
-                </a:effectRef>
-                <a:fontRef idx="minor">
-                  <a:schemeClr val="tx1"/>
-                </a:fontRef>
-              </p:style>
-              <p:txBody>
-                <a:bodyPr rtlCol="0" anchor="ctr"/>
-                <a:lstStyle/>
-                <a:p>
-                  <a:pPr algn="ctr"/>
-                  <a:endParaRPr lang="ko-KR" altLang="en-US" dirty="0"/>
-                </a:p>
-              </p:txBody>
-            </p:sp>
-            <p:sp>
-              <p:nvSpPr>
-                <p:cNvPr id="67" name="타원 66">
-                  <a:extLst>
-                    <a:ext uri="{FF2B5EF4-FFF2-40B4-BE49-F238E27FC236}">
-                      <a16:creationId xmlns:a16="http://schemas.microsoft.com/office/drawing/2014/main" id="{0E53B58E-317A-134D-CB1B-261C7FEA427D}"/>
-                    </a:ext>
-                  </a:extLst>
-                </p:cNvPr>
-                <p:cNvSpPr/>
-                <p:nvPr/>
-              </p:nvSpPr>
-              <p:spPr>
-                <a:xfrm>
-                  <a:off x="1173094" y="3605730"/>
-                  <a:ext cx="45685" cy="45685"/>
-                </a:xfrm>
-                <a:prstGeom prst="ellipse">
-                  <a:avLst/>
-                </a:prstGeom>
-                <a:solidFill>
-                  <a:schemeClr val="bg1"/>
-                </a:solidFill>
-                <a:ln>
-                  <a:noFill/>
-                  <a:headEnd type="none" w="med" len="med"/>
-                  <a:tailEnd type="arrow" w="med" len="med"/>
-                </a:ln>
-                <a:effectLst>
-                  <a:glow rad="101600">
-                    <a:srgbClr val="FF0066">
-                      <a:alpha val="40000"/>
-                    </a:srgbClr>
-                  </a:glow>
-                </a:effectLst>
-              </p:spPr>
-              <p:style>
-                <a:lnRef idx="1">
-                  <a:schemeClr val="accent1"/>
-                </a:lnRef>
-                <a:fillRef idx="0">
-                  <a:schemeClr val="accent1"/>
-                </a:fillRef>
-                <a:effectRef idx="0">
-                  <a:schemeClr val="accent1"/>
-                </a:effectRef>
-                <a:fontRef idx="minor">
-                  <a:schemeClr val="tx1"/>
-                </a:fontRef>
-              </p:style>
-              <p:txBody>
-                <a:bodyPr rtlCol="0" anchor="ctr"/>
-                <a:lstStyle/>
-                <a:p>
-                  <a:pPr algn="ctr"/>
-                  <a:endParaRPr lang="ko-KR" altLang="en-US" dirty="0"/>
-                </a:p>
-              </p:txBody>
-            </p:sp>
-            <p:sp>
-              <p:nvSpPr>
-                <p:cNvPr id="68" name="타원 67">
-                  <a:extLst>
-                    <a:ext uri="{FF2B5EF4-FFF2-40B4-BE49-F238E27FC236}">
-                      <a16:creationId xmlns:a16="http://schemas.microsoft.com/office/drawing/2014/main" id="{8C926A05-A319-72F4-9631-9F23610E1D9B}"/>
-                    </a:ext>
-                  </a:extLst>
-                </p:cNvPr>
-                <p:cNvSpPr/>
-                <p:nvPr/>
-              </p:nvSpPr>
-              <p:spPr>
-                <a:xfrm>
-                  <a:off x="1173094" y="3480603"/>
-                  <a:ext cx="45685" cy="45685"/>
-                </a:xfrm>
-                <a:prstGeom prst="ellipse">
-                  <a:avLst/>
-                </a:prstGeom>
-                <a:solidFill>
-                  <a:schemeClr val="bg1"/>
-                </a:solidFill>
-                <a:ln>
-                  <a:noFill/>
-                  <a:headEnd type="none" w="med" len="med"/>
-                  <a:tailEnd type="arrow" w="med" len="med"/>
-                </a:ln>
-                <a:effectLst>
-                  <a:glow rad="101600">
-                    <a:srgbClr val="FF0066">
-                      <a:alpha val="40000"/>
-                    </a:srgbClr>
-                  </a:glow>
-                </a:effectLst>
-              </p:spPr>
-              <p:style>
-                <a:lnRef idx="1">
-                  <a:schemeClr val="accent1"/>
-                </a:lnRef>
-                <a:fillRef idx="0">
-                  <a:schemeClr val="accent1"/>
-                </a:fillRef>
-                <a:effectRef idx="0">
-                  <a:schemeClr val="accent1"/>
-                </a:effectRef>
-                <a:fontRef idx="minor">
-                  <a:schemeClr val="tx1"/>
-                </a:fontRef>
-              </p:style>
-              <p:txBody>
-                <a:bodyPr rtlCol="0" anchor="ctr"/>
-                <a:lstStyle/>
-                <a:p>
-                  <a:pPr algn="ctr"/>
-                  <a:endParaRPr lang="ko-KR" altLang="en-US" dirty="0"/>
-                </a:p>
-              </p:txBody>
-            </p:sp>
-            <p:sp>
-              <p:nvSpPr>
-                <p:cNvPr id="69" name="타원 68">
-                  <a:extLst>
-                    <a:ext uri="{FF2B5EF4-FFF2-40B4-BE49-F238E27FC236}">
-                      <a16:creationId xmlns:a16="http://schemas.microsoft.com/office/drawing/2014/main" id="{69AF8C53-D6CC-F2AB-9AF2-0E30EC47138D}"/>
-                    </a:ext>
-                  </a:extLst>
-                </p:cNvPr>
-                <p:cNvSpPr/>
-                <p:nvPr/>
-              </p:nvSpPr>
-              <p:spPr>
-                <a:xfrm>
-                  <a:off x="1173094" y="3344169"/>
-                  <a:ext cx="45685" cy="45685"/>
-                </a:xfrm>
-                <a:prstGeom prst="ellipse">
-                  <a:avLst/>
-                </a:prstGeom>
-                <a:solidFill>
-                  <a:schemeClr val="bg1"/>
-                </a:solidFill>
-                <a:ln>
-                  <a:noFill/>
-                  <a:headEnd type="none" w="med" len="med"/>
-                  <a:tailEnd type="arrow" w="med" len="med"/>
-                </a:ln>
-                <a:effectLst>
-                  <a:glow rad="101600">
-                    <a:srgbClr val="FF0066">
-                      <a:alpha val="40000"/>
-                    </a:srgbClr>
-                  </a:glow>
-                </a:effectLst>
-              </p:spPr>
-              <p:style>
-                <a:lnRef idx="1">
-                  <a:schemeClr val="accent1"/>
-                </a:lnRef>
-                <a:fillRef idx="0">
-                  <a:schemeClr val="accent1"/>
-                </a:fillRef>
-                <a:effectRef idx="0">
-                  <a:schemeClr val="accent1"/>
-                </a:effectRef>
-                <a:fontRef idx="minor">
-                  <a:schemeClr val="tx1"/>
-                </a:fontRef>
-              </p:style>
-              <p:txBody>
-                <a:bodyPr rtlCol="0" anchor="ctr"/>
-                <a:lstStyle/>
-                <a:p>
-                  <a:pPr algn="ctr"/>
-                  <a:endParaRPr lang="ko-KR" altLang="en-US" dirty="0"/>
-                </a:p>
-              </p:txBody>
-            </p:sp>
-            <p:sp>
-              <p:nvSpPr>
-                <p:cNvPr id="70" name="타원 69">
-                  <a:extLst>
-                    <a:ext uri="{FF2B5EF4-FFF2-40B4-BE49-F238E27FC236}">
-                      <a16:creationId xmlns:a16="http://schemas.microsoft.com/office/drawing/2014/main" id="{4A23D244-6523-AAFB-E114-34479E0D542A}"/>
-                    </a:ext>
-                  </a:extLst>
-                </p:cNvPr>
-                <p:cNvSpPr/>
-                <p:nvPr/>
-              </p:nvSpPr>
-              <p:spPr>
-                <a:xfrm>
-                  <a:off x="1173094" y="3197399"/>
-                  <a:ext cx="45685" cy="45685"/>
-                </a:xfrm>
-                <a:prstGeom prst="ellipse">
-                  <a:avLst/>
-                </a:prstGeom>
-                <a:solidFill>
-                  <a:schemeClr val="bg1"/>
-                </a:solidFill>
-                <a:ln>
-                  <a:noFill/>
-                  <a:headEnd type="none" w="med" len="med"/>
-                  <a:tailEnd type="arrow" w="med" len="med"/>
-                </a:ln>
-                <a:effectLst>
-                  <a:glow rad="101600">
-                    <a:srgbClr val="FF0066">
-                      <a:alpha val="40000"/>
-                    </a:srgbClr>
-                  </a:glow>
-                </a:effectLst>
-              </p:spPr>
-              <p:style>
-                <a:lnRef idx="1">
-                  <a:schemeClr val="accent1"/>
-                </a:lnRef>
-                <a:fillRef idx="0">
-                  <a:schemeClr val="accent1"/>
-                </a:fillRef>
-                <a:effectRef idx="0">
-                  <a:schemeClr val="accent1"/>
-                </a:effectRef>
-                <a:fontRef idx="minor">
-                  <a:schemeClr val="tx1"/>
-                </a:fontRef>
-              </p:style>
-              <p:txBody>
-                <a:bodyPr rtlCol="0" anchor="ctr"/>
-                <a:lstStyle/>
-                <a:p>
-                  <a:pPr algn="ctr"/>
-                  <a:endParaRPr lang="ko-KR" altLang="en-US" dirty="0"/>
-                </a:p>
-              </p:txBody>
-            </p:sp>
-            <p:sp>
-              <p:nvSpPr>
-                <p:cNvPr id="71" name="타원 70">
-                  <a:extLst>
-                    <a:ext uri="{FF2B5EF4-FFF2-40B4-BE49-F238E27FC236}">
-                      <a16:creationId xmlns:a16="http://schemas.microsoft.com/office/drawing/2014/main" id="{B76CC923-8A7E-8C2A-A267-8CDE540AE879}"/>
-                    </a:ext>
-                  </a:extLst>
-                </p:cNvPr>
-                <p:cNvSpPr/>
-                <p:nvPr/>
-              </p:nvSpPr>
-              <p:spPr>
-                <a:xfrm>
-                  <a:off x="1173094" y="4014193"/>
-                  <a:ext cx="45685" cy="45685"/>
-                </a:xfrm>
-                <a:prstGeom prst="ellipse">
-                  <a:avLst/>
-                </a:prstGeom>
-                <a:solidFill>
-                  <a:schemeClr val="bg1"/>
-                </a:solidFill>
-                <a:ln>
-                  <a:noFill/>
-                  <a:headEnd type="none" w="med" len="med"/>
-                  <a:tailEnd type="arrow" w="med" len="med"/>
-                </a:ln>
-                <a:effectLst>
-                  <a:glow rad="101600">
-                    <a:srgbClr val="FF0066">
-                      <a:alpha val="40000"/>
-                    </a:srgbClr>
-                  </a:glow>
-                </a:effectLst>
-              </p:spPr>
-              <p:style>
-                <a:lnRef idx="1">
-                  <a:schemeClr val="accent1"/>
-                </a:lnRef>
-                <a:fillRef idx="0">
-                  <a:schemeClr val="accent1"/>
-                </a:fillRef>
-                <a:effectRef idx="0">
-                  <a:schemeClr val="accent1"/>
-                </a:effectRef>
-                <a:fontRef idx="minor">
-                  <a:schemeClr val="tx1"/>
-                </a:fontRef>
-              </p:style>
-              <p:txBody>
-                <a:bodyPr rtlCol="0" anchor="ctr"/>
-                <a:lstStyle/>
-                <a:p>
-                  <a:pPr algn="ctr"/>
-                  <a:endParaRPr lang="ko-KR" altLang="en-US" dirty="0"/>
-                </a:p>
-              </p:txBody>
-            </p:sp>
-            <p:sp>
-              <p:nvSpPr>
-                <p:cNvPr id="72" name="타원 71">
-                  <a:extLst>
-                    <a:ext uri="{FF2B5EF4-FFF2-40B4-BE49-F238E27FC236}">
-                      <a16:creationId xmlns:a16="http://schemas.microsoft.com/office/drawing/2014/main" id="{15B57F71-BAF4-E4FD-A443-AA1A6846B07C}"/>
-                    </a:ext>
-                  </a:extLst>
-                </p:cNvPr>
-                <p:cNvSpPr/>
-                <p:nvPr/>
-              </p:nvSpPr>
-              <p:spPr>
-                <a:xfrm>
-                  <a:off x="1173094" y="3877759"/>
-                  <a:ext cx="45685" cy="45685"/>
-                </a:xfrm>
-                <a:prstGeom prst="ellipse">
-                  <a:avLst/>
-                </a:prstGeom>
-                <a:solidFill>
-                  <a:schemeClr val="bg1"/>
-                </a:solidFill>
-                <a:ln>
-                  <a:noFill/>
-                  <a:headEnd type="none" w="med" len="med"/>
-                  <a:tailEnd type="arrow" w="med" len="med"/>
-                </a:ln>
-                <a:effectLst>
-                  <a:glow rad="101600">
-                    <a:srgbClr val="FF0066">
-                      <a:alpha val="40000"/>
-                    </a:srgbClr>
-                  </a:glow>
-                </a:effectLst>
-              </p:spPr>
-              <p:style>
-                <a:lnRef idx="1">
-                  <a:schemeClr val="accent1"/>
-                </a:lnRef>
-                <a:fillRef idx="0">
-                  <a:schemeClr val="accent1"/>
-                </a:fillRef>
-                <a:effectRef idx="0">
-                  <a:schemeClr val="accent1"/>
-                </a:effectRef>
-                <a:fontRef idx="minor">
-                  <a:schemeClr val="tx1"/>
-                </a:fontRef>
-              </p:style>
-              <p:txBody>
-                <a:bodyPr rtlCol="0" anchor="ctr"/>
-                <a:lstStyle/>
-                <a:p>
-                  <a:pPr algn="ctr"/>
-                  <a:endParaRPr lang="ko-KR" altLang="en-US" dirty="0"/>
-                </a:p>
-              </p:txBody>
-            </p:sp>
-          </p:grpSp>
-          <p:sp>
-            <p:nvSpPr>
-              <p:cNvPr id="99" name="타원 98">
-                <a:extLst>
-                  <a:ext uri="{FF2B5EF4-FFF2-40B4-BE49-F238E27FC236}">
-                    <a16:creationId xmlns:a16="http://schemas.microsoft.com/office/drawing/2014/main" id="{7D9FD775-FF10-7F62-63C5-32F30DAE5048}"/>
-                  </a:ext>
-                </a:extLst>
-              </p:cNvPr>
-              <p:cNvSpPr/>
-              <p:nvPr/>
-            </p:nvSpPr>
-            <p:spPr>
-              <a:xfrm>
-                <a:off x="800199" y="5633127"/>
-                <a:ext cx="29629" cy="29629"/>
-              </a:xfrm>
-              <a:prstGeom prst="ellipse">
-                <a:avLst/>
-              </a:prstGeom>
-              <a:solidFill>
-                <a:schemeClr val="bg1"/>
-              </a:solidFill>
-              <a:ln>
-                <a:noFill/>
-                <a:headEnd type="none" w="med" len="med"/>
-                <a:tailEnd type="arrow" w="med" len="med"/>
-              </a:ln>
-              <a:effectLst>
-                <a:glow rad="101600">
-                  <a:srgbClr val="FF0066">
-                    <a:alpha val="40000"/>
-                  </a:srgbClr>
-                </a:glow>
-              </a:effectLst>
-            </p:spPr>
-            <p:style>
-              <a:lnRef idx="1">
-                <a:schemeClr val="accent1"/>
-              </a:lnRef>
-              <a:fillRef idx="0">
-                <a:schemeClr val="accent1"/>
-              </a:fillRef>
-              <a:effectRef idx="0">
-                <a:schemeClr val="accent1"/>
-              </a:effectRef>
-              <a:fontRef idx="minor">
-                <a:schemeClr val="tx1"/>
-              </a:fontRef>
-            </p:style>
-            <p:txBody>
-              <a:bodyPr rtlCol="0" anchor="ctr"/>
-              <a:lstStyle/>
-              <a:p>
-                <a:pPr algn="ctr"/>
-                <a:endParaRPr lang="ko-KR" altLang="en-US" dirty="0"/>
-              </a:p>
-            </p:txBody>
-          </p:sp>
-          <p:sp>
-            <p:nvSpPr>
-              <p:cNvPr id="104" name="타원 103">
-                <a:extLst>
-                  <a:ext uri="{FF2B5EF4-FFF2-40B4-BE49-F238E27FC236}">
-                    <a16:creationId xmlns:a16="http://schemas.microsoft.com/office/drawing/2014/main" id="{C4AF234E-8B92-B182-A054-75C7E0E2F98A}"/>
-                  </a:ext>
-                </a:extLst>
-              </p:cNvPr>
-              <p:cNvSpPr/>
-              <p:nvPr/>
-            </p:nvSpPr>
-            <p:spPr>
-              <a:xfrm>
-                <a:off x="800199" y="5544641"/>
-                <a:ext cx="29629" cy="29629"/>
-              </a:xfrm>
-              <a:prstGeom prst="ellipse">
-                <a:avLst/>
-              </a:prstGeom>
-              <a:solidFill>
-                <a:schemeClr val="bg1"/>
-              </a:solidFill>
-              <a:ln>
-                <a:noFill/>
-                <a:headEnd type="none" w="med" len="med"/>
-                <a:tailEnd type="arrow" w="med" len="med"/>
-              </a:ln>
-              <a:effectLst>
-                <a:glow rad="101600">
-                  <a:srgbClr val="FF0066">
-                    <a:alpha val="40000"/>
-                  </a:srgbClr>
-                </a:glow>
-              </a:effectLst>
-            </p:spPr>
-            <p:style>
-              <a:lnRef idx="1">
-                <a:schemeClr val="accent1"/>
-              </a:lnRef>
-              <a:fillRef idx="0">
-                <a:schemeClr val="accent1"/>
-              </a:fillRef>
-              <a:effectRef idx="0">
-                <a:schemeClr val="accent1"/>
-              </a:effectRef>
-              <a:fontRef idx="minor">
-                <a:schemeClr val="tx1"/>
-              </a:fontRef>
-            </p:style>
-            <p:txBody>
-              <a:bodyPr rtlCol="0" anchor="ctr"/>
-              <a:lstStyle/>
-              <a:p>
-                <a:pPr algn="ctr"/>
-                <a:endParaRPr lang="ko-KR" altLang="en-US" dirty="0"/>
-              </a:p>
-            </p:txBody>
-          </p:sp>
-          <p:sp>
-            <p:nvSpPr>
-              <p:cNvPr id="109" name="타원 108">
-                <a:extLst>
-                  <a:ext uri="{FF2B5EF4-FFF2-40B4-BE49-F238E27FC236}">
-                    <a16:creationId xmlns:a16="http://schemas.microsoft.com/office/drawing/2014/main" id="{F8C1E640-5D28-744D-5CC8-9C234E6520EB}"/>
-                  </a:ext>
-                </a:extLst>
-              </p:cNvPr>
-              <p:cNvSpPr/>
-              <p:nvPr/>
-            </p:nvSpPr>
-            <p:spPr>
-              <a:xfrm>
-                <a:off x="800199" y="5463489"/>
-                <a:ext cx="29629" cy="29629"/>
-              </a:xfrm>
-              <a:prstGeom prst="ellipse">
-                <a:avLst/>
-              </a:prstGeom>
-              <a:solidFill>
-                <a:schemeClr val="bg1"/>
-              </a:solidFill>
-              <a:ln>
-                <a:noFill/>
-                <a:headEnd type="none" w="med" len="med"/>
-                <a:tailEnd type="arrow" w="med" len="med"/>
-              </a:ln>
-              <a:effectLst>
-                <a:glow rad="101600">
-                  <a:srgbClr val="FF0066">
-                    <a:alpha val="40000"/>
-                  </a:srgbClr>
-                </a:glow>
-              </a:effectLst>
-            </p:spPr>
-            <p:style>
-              <a:lnRef idx="1">
-                <a:schemeClr val="accent1"/>
-              </a:lnRef>
-              <a:fillRef idx="0">
-                <a:schemeClr val="accent1"/>
-              </a:fillRef>
-              <a:effectRef idx="0">
-                <a:schemeClr val="accent1"/>
-              </a:effectRef>
-              <a:fontRef idx="minor">
-                <a:schemeClr val="tx1"/>
-              </a:fontRef>
-            </p:style>
-            <p:txBody>
-              <a:bodyPr rtlCol="0" anchor="ctr"/>
-              <a:lstStyle/>
-              <a:p>
-                <a:pPr algn="ctr"/>
-                <a:endParaRPr lang="ko-KR" altLang="en-US" dirty="0"/>
-              </a:p>
-            </p:txBody>
-          </p:sp>
-          <p:sp>
-            <p:nvSpPr>
-              <p:cNvPr id="110" name="타원 109">
-                <a:extLst>
-                  <a:ext uri="{FF2B5EF4-FFF2-40B4-BE49-F238E27FC236}">
-                    <a16:creationId xmlns:a16="http://schemas.microsoft.com/office/drawing/2014/main" id="{78F84D2D-B7C3-2F38-F579-D98953ACB3B9}"/>
-                  </a:ext>
-                </a:extLst>
-              </p:cNvPr>
-              <p:cNvSpPr/>
-              <p:nvPr/>
-            </p:nvSpPr>
-            <p:spPr>
-              <a:xfrm>
-                <a:off x="800199" y="5375004"/>
-                <a:ext cx="29629" cy="29629"/>
-              </a:xfrm>
-              <a:prstGeom prst="ellipse">
-                <a:avLst/>
-              </a:prstGeom>
-              <a:solidFill>
-                <a:schemeClr val="bg1"/>
-              </a:solidFill>
-              <a:ln>
-                <a:noFill/>
-                <a:headEnd type="none" w="med" len="med"/>
-                <a:tailEnd type="arrow" w="med" len="med"/>
-              </a:ln>
-              <a:effectLst>
-                <a:glow rad="101600">
-                  <a:srgbClr val="FF0066">
-                    <a:alpha val="40000"/>
-                  </a:srgbClr>
-                </a:glow>
-              </a:effectLst>
-            </p:spPr>
-            <p:style>
-              <a:lnRef idx="1">
-                <a:schemeClr val="accent1"/>
-              </a:lnRef>
-              <a:fillRef idx="0">
-                <a:schemeClr val="accent1"/>
-              </a:fillRef>
-              <a:effectRef idx="0">
-                <a:schemeClr val="accent1"/>
-              </a:effectRef>
-              <a:fontRef idx="minor">
-                <a:schemeClr val="tx1"/>
-              </a:fontRef>
-            </p:style>
-            <p:txBody>
-              <a:bodyPr rtlCol="0" anchor="ctr"/>
-              <a:lstStyle/>
-              <a:p>
-                <a:pPr algn="ctr"/>
-                <a:endParaRPr lang="ko-KR" altLang="en-US" dirty="0"/>
-              </a:p>
-            </p:txBody>
-          </p:sp>
-          <p:sp>
-            <p:nvSpPr>
-              <p:cNvPr id="111" name="타원 110">
-                <a:extLst>
-                  <a:ext uri="{FF2B5EF4-FFF2-40B4-BE49-F238E27FC236}">
-                    <a16:creationId xmlns:a16="http://schemas.microsoft.com/office/drawing/2014/main" id="{D4B0D87F-5FFA-2235-AA0F-0CC3E9A1C5E3}"/>
-                  </a:ext>
-                </a:extLst>
-              </p:cNvPr>
-              <p:cNvSpPr/>
-              <p:nvPr/>
-            </p:nvSpPr>
-            <p:spPr>
-              <a:xfrm>
-                <a:off x="800199" y="5279815"/>
-                <a:ext cx="29629" cy="29629"/>
-              </a:xfrm>
-              <a:prstGeom prst="ellipse">
-                <a:avLst/>
-              </a:prstGeom>
-              <a:solidFill>
-                <a:schemeClr val="bg1"/>
-              </a:solidFill>
-              <a:ln>
-                <a:noFill/>
-                <a:headEnd type="none" w="med" len="med"/>
-                <a:tailEnd type="arrow" w="med" len="med"/>
-              </a:ln>
-              <a:effectLst>
-                <a:glow rad="101600">
-                  <a:srgbClr val="FF0066">
-                    <a:alpha val="40000"/>
-                  </a:srgbClr>
-                </a:glow>
-              </a:effectLst>
-            </p:spPr>
-            <p:style>
-              <a:lnRef idx="1">
-                <a:schemeClr val="accent1"/>
-              </a:lnRef>
-              <a:fillRef idx="0">
-                <a:schemeClr val="accent1"/>
-              </a:fillRef>
-              <a:effectRef idx="0">
-                <a:schemeClr val="accent1"/>
-              </a:effectRef>
-              <a:fontRef idx="minor">
-                <a:schemeClr val="tx1"/>
-              </a:fontRef>
-            </p:style>
-            <p:txBody>
-              <a:bodyPr rtlCol="0" anchor="ctr"/>
-              <a:lstStyle/>
-              <a:p>
-                <a:pPr algn="ctr"/>
-                <a:endParaRPr lang="ko-KR" altLang="en-US" dirty="0"/>
-              </a:p>
-            </p:txBody>
-          </p:sp>
-          <p:sp>
-            <p:nvSpPr>
-              <p:cNvPr id="112" name="타원 111">
-                <a:extLst>
-                  <a:ext uri="{FF2B5EF4-FFF2-40B4-BE49-F238E27FC236}">
-                    <a16:creationId xmlns:a16="http://schemas.microsoft.com/office/drawing/2014/main" id="{52849CA3-C036-207A-324F-514E73700367}"/>
-                  </a:ext>
-                </a:extLst>
-              </p:cNvPr>
-              <p:cNvSpPr/>
-              <p:nvPr/>
-            </p:nvSpPr>
-            <p:spPr>
-              <a:xfrm>
-                <a:off x="800199" y="5809554"/>
-                <a:ext cx="29629" cy="29629"/>
-              </a:xfrm>
-              <a:prstGeom prst="ellipse">
-                <a:avLst/>
-              </a:prstGeom>
-              <a:solidFill>
-                <a:schemeClr val="bg1"/>
-              </a:solidFill>
-              <a:ln>
-                <a:noFill/>
-                <a:headEnd type="none" w="med" len="med"/>
-                <a:tailEnd type="arrow" w="med" len="med"/>
-              </a:ln>
-              <a:effectLst>
-                <a:glow rad="101600">
-                  <a:srgbClr val="FF0066">
-                    <a:alpha val="40000"/>
-                  </a:srgbClr>
-                </a:glow>
-              </a:effectLst>
-            </p:spPr>
-            <p:style>
-              <a:lnRef idx="1">
-                <a:schemeClr val="accent1"/>
-              </a:lnRef>
-              <a:fillRef idx="0">
-                <a:schemeClr val="accent1"/>
-              </a:fillRef>
-              <a:effectRef idx="0">
-                <a:schemeClr val="accent1"/>
-              </a:effectRef>
-              <a:fontRef idx="minor">
-                <a:schemeClr val="tx1"/>
-              </a:fontRef>
-            </p:style>
-            <p:txBody>
-              <a:bodyPr rtlCol="0" anchor="ctr"/>
-              <a:lstStyle/>
-              <a:p>
-                <a:pPr algn="ctr"/>
-                <a:endParaRPr lang="ko-KR" altLang="en-US" dirty="0"/>
-              </a:p>
-            </p:txBody>
-          </p:sp>
-          <p:sp>
-            <p:nvSpPr>
-              <p:cNvPr id="113" name="타원 112">
-                <a:extLst>
-                  <a:ext uri="{FF2B5EF4-FFF2-40B4-BE49-F238E27FC236}">
-                    <a16:creationId xmlns:a16="http://schemas.microsoft.com/office/drawing/2014/main" id="{A24F82BD-F707-5A42-AE35-53039D51507D}"/>
-                  </a:ext>
-                </a:extLst>
-              </p:cNvPr>
-              <p:cNvSpPr/>
-              <p:nvPr/>
-            </p:nvSpPr>
-            <p:spPr>
-              <a:xfrm>
-                <a:off x="800199" y="5721068"/>
-                <a:ext cx="29629" cy="29629"/>
-              </a:xfrm>
-              <a:prstGeom prst="ellipse">
-                <a:avLst/>
-              </a:prstGeom>
-              <a:solidFill>
-                <a:schemeClr val="bg1"/>
-              </a:solidFill>
-              <a:ln>
-                <a:noFill/>
-                <a:headEnd type="none" w="med" len="med"/>
-                <a:tailEnd type="arrow" w="med" len="med"/>
-              </a:ln>
-              <a:effectLst>
-                <a:glow rad="101600">
-                  <a:srgbClr val="FF0066">
-                    <a:alpha val="40000"/>
-                  </a:srgbClr>
-                </a:glow>
-              </a:effectLst>
-            </p:spPr>
-            <p:style>
-              <a:lnRef idx="1">
-                <a:schemeClr val="accent1"/>
-              </a:lnRef>
-              <a:fillRef idx="0">
-                <a:schemeClr val="accent1"/>
-              </a:fillRef>
-              <a:effectRef idx="0">
-                <a:schemeClr val="accent1"/>
-              </a:effectRef>
-              <a:fontRef idx="minor">
-                <a:schemeClr val="tx1"/>
-              </a:fontRef>
-            </p:style>
-            <p:txBody>
-              <a:bodyPr rtlCol="0" anchor="ctr"/>
-              <a:lstStyle/>
-              <a:p>
-                <a:pPr algn="ctr"/>
-                <a:endParaRPr lang="ko-KR" altLang="en-US" dirty="0"/>
-              </a:p>
-            </p:txBody>
-          </p:sp>
-          <p:sp>
-            <p:nvSpPr>
-              <p:cNvPr id="121" name="타원 120">
-                <a:extLst>
-                  <a:ext uri="{FF2B5EF4-FFF2-40B4-BE49-F238E27FC236}">
-                    <a16:creationId xmlns:a16="http://schemas.microsoft.com/office/drawing/2014/main" id="{CCB3DEE4-D6AC-AE48-2E13-09AE0D70D509}"/>
-                  </a:ext>
-                </a:extLst>
-              </p:cNvPr>
-              <p:cNvSpPr/>
-              <p:nvPr/>
-            </p:nvSpPr>
-            <p:spPr>
-              <a:xfrm>
-                <a:off x="800199" y="6011154"/>
-                <a:ext cx="29629" cy="29629"/>
-              </a:xfrm>
-              <a:prstGeom prst="ellipse">
-                <a:avLst/>
-              </a:prstGeom>
-              <a:solidFill>
-                <a:schemeClr val="bg1"/>
-              </a:solidFill>
-              <a:ln>
-                <a:noFill/>
-                <a:headEnd type="none" w="med" len="med"/>
-                <a:tailEnd type="arrow" w="med" len="med"/>
-              </a:ln>
-              <a:effectLst>
-                <a:glow rad="101600">
-                  <a:srgbClr val="FF0066">
-                    <a:alpha val="40000"/>
-                  </a:srgbClr>
-                </a:glow>
-              </a:effectLst>
-            </p:spPr>
-            <p:style>
-              <a:lnRef idx="1">
-                <a:schemeClr val="accent1"/>
-              </a:lnRef>
-              <a:fillRef idx="0">
-                <a:schemeClr val="accent1"/>
-              </a:fillRef>
-              <a:effectRef idx="0">
-                <a:schemeClr val="accent1"/>
-              </a:effectRef>
-              <a:fontRef idx="minor">
-                <a:schemeClr val="tx1"/>
-              </a:fontRef>
-            </p:style>
-            <p:txBody>
-              <a:bodyPr rtlCol="0" anchor="ctr"/>
-              <a:lstStyle/>
-              <a:p>
-                <a:pPr algn="ctr"/>
-                <a:endParaRPr lang="ko-KR" altLang="en-US" dirty="0"/>
-              </a:p>
-            </p:txBody>
-          </p:sp>
-          <p:sp>
-            <p:nvSpPr>
-              <p:cNvPr id="123" name="타원 122">
-                <a:extLst>
-                  <a:ext uri="{FF2B5EF4-FFF2-40B4-BE49-F238E27FC236}">
-                    <a16:creationId xmlns:a16="http://schemas.microsoft.com/office/drawing/2014/main" id="{E1A9938F-107E-C2B6-5D2E-BE12970062F5}"/>
-                  </a:ext>
-                </a:extLst>
-              </p:cNvPr>
-              <p:cNvSpPr/>
-              <p:nvPr/>
-            </p:nvSpPr>
-            <p:spPr>
-              <a:xfrm>
-                <a:off x="800199" y="5915965"/>
-                <a:ext cx="29629" cy="29629"/>
-              </a:xfrm>
-              <a:prstGeom prst="ellipse">
-                <a:avLst/>
-              </a:prstGeom>
-              <a:solidFill>
-                <a:schemeClr val="bg1"/>
-              </a:solidFill>
-              <a:ln>
-                <a:noFill/>
-                <a:headEnd type="none" w="med" len="med"/>
-                <a:tailEnd type="arrow" w="med" len="med"/>
-              </a:ln>
-              <a:effectLst>
-                <a:glow rad="101600">
-                  <a:srgbClr val="FF0066">
-                    <a:alpha val="40000"/>
-                  </a:srgbClr>
-                </a:glow>
-              </a:effectLst>
-            </p:spPr>
-            <p:style>
-              <a:lnRef idx="1">
-                <a:schemeClr val="accent1"/>
-              </a:lnRef>
-              <a:fillRef idx="0">
-                <a:schemeClr val="accent1"/>
-              </a:fillRef>
-              <a:effectRef idx="0">
-                <a:schemeClr val="accent1"/>
-              </a:effectRef>
-              <a:fontRef idx="minor">
-                <a:schemeClr val="tx1"/>
-              </a:fontRef>
-            </p:style>
-            <p:txBody>
-              <a:bodyPr rtlCol="0" anchor="ctr"/>
-              <a:lstStyle/>
-              <a:p>
-                <a:pPr algn="ctr"/>
-                <a:endParaRPr lang="ko-KR" altLang="en-US" dirty="0"/>
-              </a:p>
-            </p:txBody>
-          </p:sp>
-          <p:sp>
-            <p:nvSpPr>
-              <p:cNvPr id="129" name="타원 128">
-                <a:extLst>
-                  <a:ext uri="{FF2B5EF4-FFF2-40B4-BE49-F238E27FC236}">
-                    <a16:creationId xmlns:a16="http://schemas.microsoft.com/office/drawing/2014/main" id="{BA52F925-FFBA-BE20-047D-EAD3D9ECA1E8}"/>
-                  </a:ext>
-                </a:extLst>
-              </p:cNvPr>
-              <p:cNvSpPr/>
-              <p:nvPr/>
-            </p:nvSpPr>
-            <p:spPr>
-              <a:xfrm>
-                <a:off x="800199" y="4990317"/>
-                <a:ext cx="29629" cy="29629"/>
-              </a:xfrm>
-              <a:prstGeom prst="ellipse">
-                <a:avLst/>
-              </a:prstGeom>
-              <a:solidFill>
-                <a:schemeClr val="bg1"/>
-              </a:solidFill>
-              <a:ln>
-                <a:noFill/>
-                <a:headEnd type="none" w="med" len="med"/>
-                <a:tailEnd type="arrow" w="med" len="med"/>
-              </a:ln>
-              <a:effectLst>
-                <a:glow rad="101600">
-                  <a:srgbClr val="FF0066">
-                    <a:alpha val="40000"/>
-                  </a:srgbClr>
-                </a:glow>
-              </a:effectLst>
-            </p:spPr>
-            <p:style>
-              <a:lnRef idx="1">
-                <a:schemeClr val="accent1"/>
-              </a:lnRef>
-              <a:fillRef idx="0">
-                <a:schemeClr val="accent1"/>
-              </a:fillRef>
-              <a:effectRef idx="0">
-                <a:schemeClr val="accent1"/>
-              </a:effectRef>
-              <a:fontRef idx="minor">
-                <a:schemeClr val="tx1"/>
-              </a:fontRef>
-            </p:style>
-            <p:txBody>
-              <a:bodyPr rtlCol="0" anchor="ctr"/>
-              <a:lstStyle/>
-              <a:p>
-                <a:pPr algn="ctr"/>
-                <a:endParaRPr lang="ko-KR" altLang="en-US" dirty="0"/>
-              </a:p>
-            </p:txBody>
-          </p:sp>
-          <p:sp>
-            <p:nvSpPr>
-              <p:cNvPr id="130" name="타원 129">
-                <a:extLst>
-                  <a:ext uri="{FF2B5EF4-FFF2-40B4-BE49-F238E27FC236}">
-                    <a16:creationId xmlns:a16="http://schemas.microsoft.com/office/drawing/2014/main" id="{BAE79D22-B01A-74F4-E860-59C5863CE7ED}"/>
-                  </a:ext>
-                </a:extLst>
-              </p:cNvPr>
-              <p:cNvSpPr/>
-              <p:nvPr/>
-            </p:nvSpPr>
-            <p:spPr>
-              <a:xfrm>
-                <a:off x="800199" y="4901832"/>
-                <a:ext cx="29629" cy="29629"/>
-              </a:xfrm>
-              <a:prstGeom prst="ellipse">
-                <a:avLst/>
-              </a:prstGeom>
-              <a:solidFill>
-                <a:schemeClr val="bg1"/>
-              </a:solidFill>
-              <a:ln>
-                <a:noFill/>
-                <a:headEnd type="none" w="med" len="med"/>
-                <a:tailEnd type="arrow" w="med" len="med"/>
-              </a:ln>
-              <a:effectLst>
-                <a:glow rad="101600">
-                  <a:srgbClr val="FF0066">
-                    <a:alpha val="40000"/>
-                  </a:srgbClr>
-                </a:glow>
-              </a:effectLst>
-            </p:spPr>
-            <p:style>
-              <a:lnRef idx="1">
-                <a:schemeClr val="accent1"/>
-              </a:lnRef>
-              <a:fillRef idx="0">
-                <a:schemeClr val="accent1"/>
-              </a:fillRef>
-              <a:effectRef idx="0">
-                <a:schemeClr val="accent1"/>
-              </a:effectRef>
-              <a:fontRef idx="minor">
-                <a:schemeClr val="tx1"/>
-              </a:fontRef>
-            </p:style>
-            <p:txBody>
-              <a:bodyPr rtlCol="0" anchor="ctr"/>
-              <a:lstStyle/>
-              <a:p>
-                <a:pPr algn="ctr"/>
-                <a:endParaRPr lang="ko-KR" altLang="en-US" dirty="0"/>
-              </a:p>
-            </p:txBody>
-          </p:sp>
-          <p:sp>
-            <p:nvSpPr>
-              <p:cNvPr id="131" name="타원 130">
-                <a:extLst>
-                  <a:ext uri="{FF2B5EF4-FFF2-40B4-BE49-F238E27FC236}">
-                    <a16:creationId xmlns:a16="http://schemas.microsoft.com/office/drawing/2014/main" id="{41B80C31-9F14-022D-224F-8D3CEA7D206D}"/>
-                  </a:ext>
-                </a:extLst>
-              </p:cNvPr>
-              <p:cNvSpPr/>
-              <p:nvPr/>
-            </p:nvSpPr>
-            <p:spPr>
-              <a:xfrm>
-                <a:off x="800199" y="4820680"/>
-                <a:ext cx="29629" cy="29629"/>
-              </a:xfrm>
-              <a:prstGeom prst="ellipse">
-                <a:avLst/>
-              </a:prstGeom>
-              <a:solidFill>
-                <a:schemeClr val="bg1"/>
-              </a:solidFill>
-              <a:ln>
-                <a:noFill/>
-                <a:headEnd type="none" w="med" len="med"/>
-                <a:tailEnd type="arrow" w="med" len="med"/>
-              </a:ln>
-              <a:effectLst>
-                <a:glow rad="101600">
-                  <a:srgbClr val="FF0066">
-                    <a:alpha val="40000"/>
-                  </a:srgbClr>
-                </a:glow>
-              </a:effectLst>
-            </p:spPr>
-            <p:style>
-              <a:lnRef idx="1">
-                <a:schemeClr val="accent1"/>
-              </a:lnRef>
-              <a:fillRef idx="0">
-                <a:schemeClr val="accent1"/>
-              </a:fillRef>
-              <a:effectRef idx="0">
-                <a:schemeClr val="accent1"/>
-              </a:effectRef>
-              <a:fontRef idx="minor">
-                <a:schemeClr val="tx1"/>
-              </a:fontRef>
-            </p:style>
-            <p:txBody>
-              <a:bodyPr rtlCol="0" anchor="ctr"/>
-              <a:lstStyle/>
-              <a:p>
-                <a:pPr algn="ctr"/>
-                <a:endParaRPr lang="ko-KR" altLang="en-US" dirty="0"/>
-              </a:p>
-            </p:txBody>
-          </p:sp>
-          <p:sp>
-            <p:nvSpPr>
-              <p:cNvPr id="132" name="타원 131">
-                <a:extLst>
-                  <a:ext uri="{FF2B5EF4-FFF2-40B4-BE49-F238E27FC236}">
-                    <a16:creationId xmlns:a16="http://schemas.microsoft.com/office/drawing/2014/main" id="{268CBC6A-4968-2435-D056-715CE88BA4B4}"/>
-                  </a:ext>
-                </a:extLst>
-              </p:cNvPr>
-              <p:cNvSpPr/>
-              <p:nvPr/>
-            </p:nvSpPr>
-            <p:spPr>
-              <a:xfrm>
-                <a:off x="800199" y="4732194"/>
-                <a:ext cx="29629" cy="29629"/>
-              </a:xfrm>
-              <a:prstGeom prst="ellipse">
-                <a:avLst/>
-              </a:prstGeom>
-              <a:solidFill>
-                <a:schemeClr val="bg1"/>
-              </a:solidFill>
-              <a:ln>
-                <a:noFill/>
-                <a:headEnd type="none" w="med" len="med"/>
-                <a:tailEnd type="arrow" w="med" len="med"/>
-              </a:ln>
-              <a:effectLst>
-                <a:glow rad="101600">
-                  <a:srgbClr val="FF0066">
-                    <a:alpha val="40000"/>
-                  </a:srgbClr>
-                </a:glow>
-              </a:effectLst>
-            </p:spPr>
-            <p:style>
-              <a:lnRef idx="1">
-                <a:schemeClr val="accent1"/>
-              </a:lnRef>
-              <a:fillRef idx="0">
-                <a:schemeClr val="accent1"/>
-              </a:fillRef>
-              <a:effectRef idx="0">
-                <a:schemeClr val="accent1"/>
-              </a:effectRef>
-              <a:fontRef idx="minor">
-                <a:schemeClr val="tx1"/>
-              </a:fontRef>
-            </p:style>
-            <p:txBody>
-              <a:bodyPr rtlCol="0" anchor="ctr"/>
-              <a:lstStyle/>
-              <a:p>
-                <a:pPr algn="ctr"/>
-                <a:endParaRPr lang="ko-KR" altLang="en-US" dirty="0"/>
-              </a:p>
-            </p:txBody>
-          </p:sp>
-          <p:sp>
-            <p:nvSpPr>
-              <p:cNvPr id="133" name="타원 132">
-                <a:extLst>
-                  <a:ext uri="{FF2B5EF4-FFF2-40B4-BE49-F238E27FC236}">
-                    <a16:creationId xmlns:a16="http://schemas.microsoft.com/office/drawing/2014/main" id="{4BCF427F-B55F-04EC-6C55-6449B79CF804}"/>
-                  </a:ext>
-                </a:extLst>
-              </p:cNvPr>
-              <p:cNvSpPr/>
-              <p:nvPr/>
-            </p:nvSpPr>
-            <p:spPr>
-              <a:xfrm>
-                <a:off x="800199" y="4637005"/>
-                <a:ext cx="29629" cy="29629"/>
-              </a:xfrm>
-              <a:prstGeom prst="ellipse">
-                <a:avLst/>
-              </a:prstGeom>
-              <a:solidFill>
-                <a:schemeClr val="bg1"/>
-              </a:solidFill>
-              <a:ln>
-                <a:noFill/>
-                <a:headEnd type="none" w="med" len="med"/>
-                <a:tailEnd type="arrow" w="med" len="med"/>
-              </a:ln>
-              <a:effectLst>
-                <a:glow rad="101600">
-                  <a:srgbClr val="FF0066">
-                    <a:alpha val="40000"/>
-                  </a:srgbClr>
-                </a:glow>
-              </a:effectLst>
-            </p:spPr>
-            <p:style>
-              <a:lnRef idx="1">
-                <a:schemeClr val="accent1"/>
-              </a:lnRef>
-              <a:fillRef idx="0">
-                <a:schemeClr val="accent1"/>
-              </a:fillRef>
-              <a:effectRef idx="0">
-                <a:schemeClr val="accent1"/>
-              </a:effectRef>
-              <a:fontRef idx="minor">
-                <a:schemeClr val="tx1"/>
-              </a:fontRef>
-            </p:style>
-            <p:txBody>
-              <a:bodyPr rtlCol="0" anchor="ctr"/>
-              <a:lstStyle/>
-              <a:p>
-                <a:pPr algn="ctr"/>
-                <a:endParaRPr lang="ko-KR" altLang="en-US" dirty="0"/>
-              </a:p>
-            </p:txBody>
-          </p:sp>
-          <p:sp>
-            <p:nvSpPr>
-              <p:cNvPr id="134" name="타원 133">
-                <a:extLst>
-                  <a:ext uri="{FF2B5EF4-FFF2-40B4-BE49-F238E27FC236}">
-                    <a16:creationId xmlns:a16="http://schemas.microsoft.com/office/drawing/2014/main" id="{1F666F23-DE2E-A156-C7D8-C76B2EDF33B1}"/>
-                  </a:ext>
-                </a:extLst>
-              </p:cNvPr>
-              <p:cNvSpPr/>
-              <p:nvPr/>
-            </p:nvSpPr>
-            <p:spPr>
-              <a:xfrm>
-                <a:off x="800199" y="5166744"/>
-                <a:ext cx="29629" cy="29629"/>
-              </a:xfrm>
-              <a:prstGeom prst="ellipse">
-                <a:avLst/>
-              </a:prstGeom>
-              <a:solidFill>
-                <a:schemeClr val="bg1"/>
-              </a:solidFill>
-              <a:ln>
-                <a:noFill/>
-                <a:headEnd type="none" w="med" len="med"/>
-                <a:tailEnd type="arrow" w="med" len="med"/>
-              </a:ln>
-              <a:effectLst>
-                <a:glow rad="101600">
-                  <a:srgbClr val="FF0066">
-                    <a:alpha val="40000"/>
-                  </a:srgbClr>
-                </a:glow>
-              </a:effectLst>
-            </p:spPr>
-            <p:style>
-              <a:lnRef idx="1">
-                <a:schemeClr val="accent1"/>
-              </a:lnRef>
-              <a:fillRef idx="0">
-                <a:schemeClr val="accent1"/>
-              </a:fillRef>
-              <a:effectRef idx="0">
-                <a:schemeClr val="accent1"/>
-              </a:effectRef>
-              <a:fontRef idx="minor">
-                <a:schemeClr val="tx1"/>
-              </a:fontRef>
-            </p:style>
-            <p:txBody>
-              <a:bodyPr rtlCol="0" anchor="ctr"/>
-              <a:lstStyle/>
-              <a:p>
-                <a:pPr algn="ctr"/>
-                <a:endParaRPr lang="ko-KR" altLang="en-US" dirty="0"/>
-              </a:p>
-            </p:txBody>
-          </p:sp>
-          <p:sp>
-            <p:nvSpPr>
-              <p:cNvPr id="135" name="타원 134">
-                <a:extLst>
-                  <a:ext uri="{FF2B5EF4-FFF2-40B4-BE49-F238E27FC236}">
-                    <a16:creationId xmlns:a16="http://schemas.microsoft.com/office/drawing/2014/main" id="{632FEB88-4DC6-A841-63DB-3C7298CA50BF}"/>
-                  </a:ext>
-                </a:extLst>
-              </p:cNvPr>
-              <p:cNvSpPr/>
-              <p:nvPr/>
-            </p:nvSpPr>
-            <p:spPr>
-              <a:xfrm>
-                <a:off x="800199" y="5078259"/>
-                <a:ext cx="29629" cy="29629"/>
-              </a:xfrm>
-              <a:prstGeom prst="ellipse">
-                <a:avLst/>
-              </a:prstGeom>
-              <a:solidFill>
-                <a:schemeClr val="bg1"/>
-              </a:solidFill>
-              <a:ln>
-                <a:noFill/>
-                <a:headEnd type="none" w="med" len="med"/>
-                <a:tailEnd type="arrow" w="med" len="med"/>
-              </a:ln>
-              <a:effectLst>
-                <a:glow rad="101600">
-                  <a:srgbClr val="FF0066">
-                    <a:alpha val="40000"/>
-                  </a:srgbClr>
-                </a:glow>
-              </a:effectLst>
-            </p:spPr>
-            <p:style>
-              <a:lnRef idx="1">
-                <a:schemeClr val="accent1"/>
-              </a:lnRef>
-              <a:fillRef idx="0">
-                <a:schemeClr val="accent1"/>
-              </a:fillRef>
-              <a:effectRef idx="0">
-                <a:schemeClr val="accent1"/>
-              </a:effectRef>
-              <a:fontRef idx="minor">
-                <a:schemeClr val="tx1"/>
-              </a:fontRef>
-            </p:style>
-            <p:txBody>
-              <a:bodyPr rtlCol="0" anchor="ctr"/>
-              <a:lstStyle/>
-              <a:p>
-                <a:pPr algn="ctr"/>
-                <a:endParaRPr lang="ko-KR" altLang="en-US" dirty="0"/>
-              </a:p>
-            </p:txBody>
-          </p:sp>
-        </p:grpSp>
-      </p:grpSp>
-    </p:spTree>
-    <p:extLst>
-      <p:ext uri="{BB962C8B-B14F-4D97-AF65-F5344CB8AC3E}">
-        <p14:creationId xmlns:p14="http://schemas.microsoft.com/office/powerpoint/2010/main" val="3605960244"/>
-      </p:ext>
-    </p:extLst>
-  </p:cSld>
-  <p:clrMapOvr>
-    <a:masterClrMapping/>
-  </p:clrMapOvr>
-</p:sld>
-</file>
-
-<file path=ppt/slides/slide6.xml><?xml version="1.0" encoding="utf-8"?>
-<p:sld xmlns:a="http://schemas.openxmlformats.org/drawingml/2006/main" xmlns:r="http://schemas.openxmlformats.org/officeDocument/2006/relationships" xmlns:p="http://schemas.openxmlformats.org/presentationml/2006/main">
-  <p:cSld>
-    <p:spTree>
-      <p:nvGrpSpPr>
-        <p:cNvPr id="1" name=""/>
-        <p:cNvGrpSpPr/>
-        <p:nvPr/>
-      </p:nvGrpSpPr>
-      <p:grpSpPr>
-        <a:xfrm>
-          <a:off x="0" y="0"/>
-          <a:ext cx="0" cy="0"/>
-          <a:chOff x="0" y="0"/>
-          <a:chExt cx="0" cy="0"/>
-        </a:xfrm>
-      </p:grpSpPr>
-      <p:sp>
-        <p:nvSpPr>
-          <p:cNvPr id="794" name="직사각형 29"/>
-          <p:cNvSpPr/>
-          <p:nvPr/>
-        </p:nvSpPr>
-        <p:spPr>
-          <a:xfrm>
-            <a:off x="0" y="318600"/>
-            <a:ext cx="1504080" cy="416520"/>
-          </a:xfrm>
-          <a:prstGeom prst="rect">
-            <a:avLst/>
-          </a:prstGeom>
-          <a:solidFill>
-            <a:schemeClr val="tx1">
-              <a:lumMod val="85000"/>
-              <a:lumOff val="15000"/>
-            </a:schemeClr>
-          </a:solidFill>
-          <a:ln>
-            <a:noFill/>
-          </a:ln>
-        </p:spPr>
-        <p:style>
-          <a:lnRef idx="2">
-            <a:schemeClr val="accent1">
-              <a:shade val="50000"/>
-            </a:schemeClr>
-          </a:lnRef>
-          <a:fillRef idx="1">
-            <a:schemeClr val="accent1"/>
-          </a:fillRef>
-          <a:effectRef idx="0">
-            <a:schemeClr val="accent1"/>
-          </a:effectRef>
-          <a:fontRef idx="minor"/>
-        </p:style>
-        <p:txBody>
-          <a:bodyPr lIns="90000" tIns="45000" rIns="90000" bIns="45000" anchor="ctr">
-            <a:noAutofit/>
-          </a:bodyPr>
-          <a:lstStyle/>
-          <a:p>
-            <a:pPr algn="ctr">
-              <a:lnSpc>
-                <a:spcPct val="100000"/>
-              </a:lnSpc>
-              <a:buNone/>
-            </a:pPr>
-            <a:r>
-              <a:rPr lang="en-US" sz="1800" b="0" strike="noStrike" spc="-1" dirty="0">
-                <a:solidFill>
-                  <a:schemeClr val="bg1"/>
-                </a:solidFill>
-                <a:latin typeface="Arial"/>
-              </a:rPr>
-              <a:t>Lumo_S10</a:t>
-            </a:r>
-          </a:p>
-        </p:txBody>
-      </p:sp>
-      <p:sp>
-        <p:nvSpPr>
-          <p:cNvPr id="46" name="직사각형 29">
-            <a:extLst>
-              <a:ext uri="{FF2B5EF4-FFF2-40B4-BE49-F238E27FC236}">
-                <a16:creationId xmlns:a16="http://schemas.microsoft.com/office/drawing/2014/main" id="{91B85975-9B0A-458D-34D5-2407E54D711E}"/>
-              </a:ext>
-            </a:extLst>
-          </p:cNvPr>
-          <p:cNvSpPr/>
-          <p:nvPr/>
-        </p:nvSpPr>
-        <p:spPr>
-          <a:xfrm>
-            <a:off x="1475349" y="325751"/>
-            <a:ext cx="2124432" cy="402218"/>
-          </a:xfrm>
-          <a:prstGeom prst="rect">
-            <a:avLst/>
-          </a:prstGeom>
-          <a:noFill/>
-          <a:ln w="19050">
-            <a:solidFill>
-              <a:schemeClr val="tx1">
-                <a:lumMod val="85000"/>
-                <a:lumOff val="15000"/>
-              </a:schemeClr>
-            </a:solidFill>
-          </a:ln>
-        </p:spPr>
-        <p:style>
-          <a:lnRef idx="2">
-            <a:schemeClr val="accent1">
-              <a:shade val="50000"/>
-            </a:schemeClr>
-          </a:lnRef>
-          <a:fillRef idx="1">
-            <a:schemeClr val="accent1"/>
-          </a:fillRef>
-          <a:effectRef idx="0">
-            <a:schemeClr val="accent1"/>
-          </a:effectRef>
-          <a:fontRef idx="minor"/>
-        </p:style>
-        <p:txBody>
-          <a:bodyPr lIns="90000" tIns="45000" rIns="90000" bIns="45000" anchor="ctr">
-            <a:noAutofit/>
-          </a:bodyPr>
-          <a:lstStyle/>
-          <a:p>
-            <a:pPr algn="ctr">
-              <a:lnSpc>
-                <a:spcPct val="100000"/>
-              </a:lnSpc>
-              <a:buNone/>
-            </a:pPr>
-            <a:r>
-              <a:rPr lang="ko-KR" altLang="en-US" sz="1600" b="0" strike="noStrike" spc="-1" dirty="0">
-                <a:latin typeface="Arial"/>
-              </a:rPr>
-              <a:t>전체 맵 </a:t>
-            </a:r>
-            <a:r>
-              <a:rPr lang="en-US" altLang="ko-KR" sz="1600" b="0" strike="noStrike" spc="-1" dirty="0">
-                <a:latin typeface="Arial"/>
-              </a:rPr>
-              <a:t>| </a:t>
-            </a:r>
-            <a:r>
-              <a:rPr lang="ko-KR" altLang="en-US" sz="1600" b="0" strike="noStrike" spc="-1" dirty="0">
-                <a:latin typeface="Arial"/>
-              </a:rPr>
-              <a:t>수정 사항</a:t>
-            </a:r>
-            <a:endParaRPr lang="en-US" sz="1600" b="0" strike="noStrike" spc="-1" dirty="0">
-              <a:latin typeface="Arial"/>
-            </a:endParaRPr>
-          </a:p>
-        </p:txBody>
-      </p:sp>
       <p:sp>
         <p:nvSpPr>
           <p:cNvPr id="91" name="직사각형 260">
@@ -26243,7 +21275,7 @@
         </p:nvSpPr>
         <p:spPr>
           <a:xfrm>
-            <a:off x="6809530" y="2153162"/>
+            <a:off x="6392992" y="2153162"/>
             <a:ext cx="3710292" cy="3249262"/>
           </a:xfrm>
           <a:prstGeom prst="rect">
@@ -26289,7 +21321,7 @@
         </p:nvSpPr>
         <p:spPr>
           <a:xfrm>
-            <a:off x="6315619" y="3708623"/>
+            <a:off x="6334373" y="3708623"/>
             <a:ext cx="28609" cy="120913"/>
           </a:xfrm>
           <a:prstGeom prst="rect">
@@ -26345,7 +21377,7 @@
         </p:nvSpPr>
         <p:spPr>
           <a:xfrm>
-            <a:off x="6343667" y="3561845"/>
+            <a:off x="6362421" y="3561845"/>
             <a:ext cx="30570" cy="431895"/>
           </a:xfrm>
           <a:prstGeom prst="rect">
@@ -26401,7 +21433,7 @@
         </p:nvSpPr>
         <p:spPr>
           <a:xfrm>
-            <a:off x="7530059" y="2155485"/>
+            <a:off x="7113521" y="2155485"/>
             <a:ext cx="431622" cy="430694"/>
           </a:xfrm>
           <a:prstGeom prst="rect">
@@ -26447,7 +21479,7 @@
         </p:nvSpPr>
         <p:spPr>
           <a:xfrm>
-            <a:off x="7961682" y="2153162"/>
+            <a:off x="7545144" y="2153162"/>
             <a:ext cx="431622" cy="893260"/>
           </a:xfrm>
           <a:prstGeom prst="rect">
@@ -26494,7 +21526,7 @@
         </p:nvSpPr>
         <p:spPr>
           <a:xfrm>
-            <a:off x="8653962" y="2153163"/>
+            <a:off x="8237424" y="2153163"/>
             <a:ext cx="431622" cy="430694"/>
           </a:xfrm>
           <a:prstGeom prst="rect">
@@ -26541,7 +21573,7 @@
         </p:nvSpPr>
         <p:spPr>
           <a:xfrm>
-            <a:off x="9346242" y="2153163"/>
+            <a:off x="8929704" y="2153163"/>
             <a:ext cx="431622" cy="430694"/>
           </a:xfrm>
           <a:prstGeom prst="rect">
@@ -26585,7 +21617,7 @@
         </p:nvSpPr>
         <p:spPr>
           <a:xfrm>
-            <a:off x="8222419" y="4974849"/>
+            <a:off x="7805881" y="4974849"/>
             <a:ext cx="431622" cy="430694"/>
           </a:xfrm>
           <a:prstGeom prst="rect">
@@ -26632,7 +21664,7 @@
         </p:nvSpPr>
         <p:spPr>
           <a:xfrm>
-            <a:off x="8914619" y="4974849"/>
+            <a:off x="8498081" y="4974849"/>
             <a:ext cx="431622" cy="430694"/>
           </a:xfrm>
           <a:prstGeom prst="rect">
@@ -26679,7 +21711,7 @@
         </p:nvSpPr>
         <p:spPr>
           <a:xfrm>
-            <a:off x="7961682" y="3431736"/>
+            <a:off x="7545144" y="3431736"/>
             <a:ext cx="702994" cy="690913"/>
           </a:xfrm>
           <a:prstGeom prst="rect">
@@ -26726,7 +21758,7 @@
         </p:nvSpPr>
         <p:spPr>
           <a:xfrm>
-            <a:off x="8664675" y="3431736"/>
+            <a:off x="8248137" y="3431736"/>
             <a:ext cx="681567" cy="690913"/>
           </a:xfrm>
           <a:prstGeom prst="rect">
@@ -26772,7 +21804,7 @@
         </p:nvCxnSpPr>
         <p:spPr>
           <a:xfrm>
-            <a:off x="6809530" y="2205067"/>
+            <a:off x="6392992" y="2205067"/>
             <a:ext cx="3710292" cy="0"/>
           </a:xfrm>
           <a:prstGeom prst="straightConnector1">
@@ -26824,7 +21856,7 @@
         </p:nvCxnSpPr>
         <p:spPr>
           <a:xfrm>
-            <a:off x="6809530" y="5355257"/>
+            <a:off x="6392992" y="5355257"/>
             <a:ext cx="3710292" cy="0"/>
           </a:xfrm>
           <a:prstGeom prst="straightConnector1">
@@ -26874,7 +21906,7 @@
         </p:nvSpPr>
         <p:spPr>
           <a:xfrm>
-            <a:off x="7530059" y="4974849"/>
+            <a:off x="7113521" y="4974849"/>
             <a:ext cx="431622" cy="430694"/>
           </a:xfrm>
           <a:prstGeom prst="rect">
@@ -26918,7 +21950,7 @@
         </p:nvSpPr>
         <p:spPr>
           <a:xfrm>
-            <a:off x="9346242" y="4974849"/>
+            <a:off x="8929704" y="4974849"/>
             <a:ext cx="431622" cy="430694"/>
           </a:xfrm>
           <a:prstGeom prst="rect">
@@ -26966,7 +21998,7 @@
         </p:nvCxnSpPr>
         <p:spPr>
           <a:xfrm flipV="1">
-            <a:off x="10717935" y="2148811"/>
+            <a:off x="10301397" y="2148811"/>
             <a:ext cx="0" cy="3249262"/>
           </a:xfrm>
           <a:prstGeom prst="straightConnector1">
@@ -27011,7 +22043,7 @@
         </p:nvCxnSpPr>
         <p:spPr>
           <a:xfrm flipV="1">
-            <a:off x="10624706" y="2148811"/>
+            <a:off x="10208168" y="2148811"/>
             <a:ext cx="0" cy="3249262"/>
           </a:xfrm>
           <a:prstGeom prst="straightConnector1">
@@ -27054,7 +22086,7 @@
         </p:nvSpPr>
         <p:spPr>
           <a:xfrm>
-            <a:off x="10519821" y="3563049"/>
+            <a:off x="10103283" y="3563049"/>
             <a:ext cx="617391" cy="430693"/>
           </a:xfrm>
           <a:prstGeom prst="rect">
@@ -27103,7 +22135,7 @@
         </p:nvCxnSpPr>
         <p:spPr>
           <a:xfrm>
-            <a:off x="11242355" y="3773442"/>
+            <a:off x="10825817" y="3773442"/>
             <a:ext cx="203941" cy="0"/>
           </a:xfrm>
           <a:prstGeom prst="straightConnector1">
@@ -27147,7 +22179,7 @@
         </p:nvSpPr>
         <p:spPr>
           <a:xfrm>
-            <a:off x="11137213" y="3676548"/>
+            <a:off x="10720675" y="3676548"/>
             <a:ext cx="41044" cy="193787"/>
           </a:xfrm>
           <a:prstGeom prst="rect">
@@ -27203,7 +22235,7 @@
         </p:nvSpPr>
         <p:spPr>
           <a:xfrm>
-            <a:off x="7693429" y="2309130"/>
+            <a:off x="7276891" y="2309130"/>
             <a:ext cx="104883" cy="104883"/>
           </a:xfrm>
           <a:prstGeom prst="ellipse">
@@ -27259,7 +22291,7 @@
         </p:nvSpPr>
         <p:spPr>
           <a:xfrm>
-            <a:off x="9509611" y="5137754"/>
+            <a:off x="9093073" y="5137754"/>
             <a:ext cx="104883" cy="104883"/>
           </a:xfrm>
           <a:prstGeom prst="ellipse">
@@ -27317,7 +22349,7 @@
         </p:nvCxnSpPr>
         <p:spPr>
           <a:xfrm>
-            <a:off x="7961682" y="3422000"/>
+            <a:off x="7545144" y="3422000"/>
             <a:ext cx="0" cy="700649"/>
           </a:xfrm>
           <a:prstGeom prst="line">
@@ -27505,7 +22537,7 @@
         </p:nvCxnSpPr>
         <p:spPr>
           <a:xfrm>
-            <a:off x="2088716" y="3455285"/>
+            <a:off x="2059788" y="3455285"/>
             <a:ext cx="0" cy="622354"/>
           </a:xfrm>
           <a:prstGeom prst="line">
@@ -27546,7 +22578,7 @@
         </p:nvSpPr>
         <p:spPr>
           <a:xfrm>
-            <a:off x="2088716" y="3706723"/>
+            <a:off x="2059788" y="3706723"/>
             <a:ext cx="28270" cy="119477"/>
           </a:xfrm>
           <a:prstGeom prst="rect">
@@ -27808,8 +22840,8 @@
         </p:nvSpPr>
         <p:spPr>
           <a:xfrm>
-            <a:off x="3546837" y="2819319"/>
-            <a:ext cx="426497" cy="425580"/>
+            <a:off x="3441231" y="2819318"/>
+            <a:ext cx="647014" cy="645623"/>
           </a:xfrm>
           <a:prstGeom prst="rect">
             <a:avLst/>
@@ -27855,8 +22887,8 @@
         </p:nvSpPr>
         <p:spPr>
           <a:xfrm>
-            <a:off x="3973333" y="4298453"/>
-            <a:ext cx="426497" cy="425580"/>
+            <a:off x="3900863" y="4130923"/>
+            <a:ext cx="594388" cy="593110"/>
           </a:xfrm>
           <a:prstGeom prst="rect">
             <a:avLst/>
@@ -28055,7 +23087,7 @@
         </p:nvCxnSpPr>
         <p:spPr>
           <a:xfrm>
-            <a:off x="2905359" y="3365761"/>
+            <a:off x="2905359" y="3373345"/>
             <a:ext cx="2857007" cy="0"/>
           </a:xfrm>
           <a:prstGeom prst="straightConnector1">
@@ -28107,7 +23139,7 @@
         </p:nvCxnSpPr>
         <p:spPr>
           <a:xfrm>
-            <a:off x="2905359" y="4146927"/>
+            <a:off x="2905359" y="4169598"/>
             <a:ext cx="2857007" cy="0"/>
           </a:xfrm>
           <a:prstGeom prst="straightConnector1">
@@ -28282,7 +23314,7 @@
         </p:nvSpPr>
         <p:spPr>
           <a:xfrm>
-            <a:off x="4158010" y="4640016"/>
+            <a:off x="4158010" y="4636618"/>
             <a:ext cx="80095" cy="80095"/>
           </a:xfrm>
           <a:prstGeom prst="rect">
@@ -28390,7 +23422,7 @@
         </p:nvSpPr>
         <p:spPr>
           <a:xfrm>
-            <a:off x="3725347" y="2981397"/>
+            <a:off x="3725347" y="3105201"/>
             <a:ext cx="80095" cy="80095"/>
           </a:xfrm>
           <a:prstGeom prst="rect">
@@ -30659,6 +25691,4667 @@
           </p:txBody>
         </p:sp>
       </p:grpSp>
+    </p:spTree>
+    <p:extLst>
+      <p:ext uri="{BB962C8B-B14F-4D97-AF65-F5344CB8AC3E}">
+        <p14:creationId xmlns:p14="http://schemas.microsoft.com/office/powerpoint/2010/main" val="3605960244"/>
+      </p:ext>
+    </p:extLst>
+  </p:cSld>
+  <p:clrMapOvr>
+    <a:masterClrMapping/>
+  </p:clrMapOvr>
+</p:sld>
+</file>
+
+<file path=ppt/slides/slide6.xml><?xml version="1.0" encoding="utf-8"?>
+<p:sld xmlns:a="http://schemas.openxmlformats.org/drawingml/2006/main" xmlns:r="http://schemas.openxmlformats.org/officeDocument/2006/relationships" xmlns:p="http://schemas.openxmlformats.org/presentationml/2006/main">
+  <p:cSld>
+    <p:spTree>
+      <p:nvGrpSpPr>
+        <p:cNvPr id="1" name=""/>
+        <p:cNvGrpSpPr/>
+        <p:nvPr/>
+      </p:nvGrpSpPr>
+      <p:grpSpPr>
+        <a:xfrm>
+          <a:off x="0" y="0"/>
+          <a:ext cx="0" cy="0"/>
+          <a:chOff x="0" y="0"/>
+          <a:chExt cx="0" cy="0"/>
+        </a:xfrm>
+      </p:grpSpPr>
+      <p:sp>
+        <p:nvSpPr>
+          <p:cNvPr id="794" name="직사각형 29"/>
+          <p:cNvSpPr/>
+          <p:nvPr/>
+        </p:nvSpPr>
+        <p:spPr>
+          <a:xfrm>
+            <a:off x="0" y="318600"/>
+            <a:ext cx="1504080" cy="416520"/>
+          </a:xfrm>
+          <a:prstGeom prst="rect">
+            <a:avLst/>
+          </a:prstGeom>
+          <a:solidFill>
+            <a:schemeClr val="tx1">
+              <a:lumMod val="85000"/>
+              <a:lumOff val="15000"/>
+            </a:schemeClr>
+          </a:solidFill>
+          <a:ln>
+            <a:noFill/>
+          </a:ln>
+        </p:spPr>
+        <p:style>
+          <a:lnRef idx="2">
+            <a:schemeClr val="accent1">
+              <a:shade val="50000"/>
+            </a:schemeClr>
+          </a:lnRef>
+          <a:fillRef idx="1">
+            <a:schemeClr val="accent1"/>
+          </a:fillRef>
+          <a:effectRef idx="0">
+            <a:schemeClr val="accent1"/>
+          </a:effectRef>
+          <a:fontRef idx="minor"/>
+        </p:style>
+        <p:txBody>
+          <a:bodyPr lIns="90000" tIns="45000" rIns="90000" bIns="45000" anchor="ctr">
+            <a:noAutofit/>
+          </a:bodyPr>
+          <a:lstStyle/>
+          <a:p>
+            <a:pPr algn="ctr">
+              <a:lnSpc>
+                <a:spcPct val="100000"/>
+              </a:lnSpc>
+              <a:buNone/>
+            </a:pPr>
+            <a:r>
+              <a:rPr lang="en-US" sz="1800" b="0" strike="noStrike" spc="-1" dirty="0">
+                <a:solidFill>
+                  <a:schemeClr val="bg1"/>
+                </a:solidFill>
+                <a:latin typeface="Arial"/>
+              </a:rPr>
+              <a:t>Lumo_S10</a:t>
+            </a:r>
+          </a:p>
+        </p:txBody>
+      </p:sp>
+      <p:sp>
+        <p:nvSpPr>
+          <p:cNvPr id="46" name="직사각형 29">
+            <a:extLst>
+              <a:ext uri="{FF2B5EF4-FFF2-40B4-BE49-F238E27FC236}">
+                <a16:creationId xmlns:a16="http://schemas.microsoft.com/office/drawing/2014/main" id="{91B85975-9B0A-458D-34D5-2407E54D711E}"/>
+              </a:ext>
+            </a:extLst>
+          </p:cNvPr>
+          <p:cNvSpPr/>
+          <p:nvPr/>
+        </p:nvSpPr>
+        <p:spPr>
+          <a:xfrm>
+            <a:off x="1475349" y="325751"/>
+            <a:ext cx="2124432" cy="402218"/>
+          </a:xfrm>
+          <a:prstGeom prst="rect">
+            <a:avLst/>
+          </a:prstGeom>
+          <a:noFill/>
+          <a:ln w="19050">
+            <a:solidFill>
+              <a:schemeClr val="tx1">
+                <a:lumMod val="85000"/>
+                <a:lumOff val="15000"/>
+              </a:schemeClr>
+            </a:solidFill>
+          </a:ln>
+        </p:spPr>
+        <p:style>
+          <a:lnRef idx="2">
+            <a:schemeClr val="accent1">
+              <a:shade val="50000"/>
+            </a:schemeClr>
+          </a:lnRef>
+          <a:fillRef idx="1">
+            <a:schemeClr val="accent1"/>
+          </a:fillRef>
+          <a:effectRef idx="0">
+            <a:schemeClr val="accent1"/>
+          </a:effectRef>
+          <a:fontRef idx="minor"/>
+        </p:style>
+        <p:txBody>
+          <a:bodyPr lIns="90000" tIns="45000" rIns="90000" bIns="45000" anchor="ctr">
+            <a:noAutofit/>
+          </a:bodyPr>
+          <a:lstStyle/>
+          <a:p>
+            <a:pPr algn="ctr">
+              <a:lnSpc>
+                <a:spcPct val="100000"/>
+              </a:lnSpc>
+              <a:buNone/>
+            </a:pPr>
+            <a:r>
+              <a:rPr lang="ko-KR" altLang="en-US" sz="1600" b="0" strike="noStrike" spc="-1" dirty="0">
+                <a:latin typeface="Arial"/>
+              </a:rPr>
+              <a:t>전체 맵 </a:t>
+            </a:r>
+            <a:r>
+              <a:rPr lang="en-US" altLang="ko-KR" sz="1600" b="0" strike="noStrike" spc="-1" dirty="0">
+                <a:latin typeface="Arial"/>
+              </a:rPr>
+              <a:t>| </a:t>
+            </a:r>
+            <a:r>
+              <a:rPr lang="ko-KR" altLang="en-US" sz="1600" b="0" strike="noStrike" spc="-1" dirty="0">
+                <a:latin typeface="Arial"/>
+              </a:rPr>
+              <a:t>수정 사항</a:t>
+            </a:r>
+            <a:endParaRPr lang="en-US" sz="1600" b="0" strike="noStrike" spc="-1" dirty="0">
+              <a:latin typeface="Arial"/>
+            </a:endParaRPr>
+          </a:p>
+        </p:txBody>
+      </p:sp>
+      <p:sp>
+        <p:nvSpPr>
+          <p:cNvPr id="91" name="직사각형 260">
+            <a:extLst>
+              <a:ext uri="{FF2B5EF4-FFF2-40B4-BE49-F238E27FC236}">
+                <a16:creationId xmlns:a16="http://schemas.microsoft.com/office/drawing/2014/main" id="{0981E3BF-4C3A-83E5-5B68-684B728E3544}"/>
+              </a:ext>
+            </a:extLst>
+          </p:cNvPr>
+          <p:cNvSpPr/>
+          <p:nvPr/>
+        </p:nvSpPr>
+        <p:spPr>
+          <a:xfrm>
+            <a:off x="5762366" y="3562876"/>
+            <a:ext cx="610060" cy="425578"/>
+          </a:xfrm>
+          <a:prstGeom prst="rect">
+            <a:avLst/>
+          </a:prstGeom>
+          <a:gradFill flip="none" rotWithShape="1">
+            <a:gsLst>
+              <a:gs pos="0">
+                <a:schemeClr val="accent6">
+                  <a:lumMod val="60000"/>
+                  <a:lumOff val="40000"/>
+                </a:schemeClr>
+              </a:gs>
+              <a:gs pos="100000">
+                <a:schemeClr val="accent6">
+                  <a:lumMod val="20000"/>
+                  <a:lumOff val="80000"/>
+                </a:schemeClr>
+              </a:gs>
+            </a:gsLst>
+            <a:lin ang="0" scaled="1"/>
+            <a:tileRect/>
+          </a:gradFill>
+          <a:ln w="12700">
+            <a:solidFill>
+              <a:srgbClr val="000000"/>
+            </a:solidFill>
+          </a:ln>
+        </p:spPr>
+        <p:style>
+          <a:lnRef idx="2">
+            <a:schemeClr val="accent1">
+              <a:shade val="50000"/>
+            </a:schemeClr>
+          </a:lnRef>
+          <a:fillRef idx="1">
+            <a:schemeClr val="accent1"/>
+          </a:fillRef>
+          <a:effectRef idx="0">
+            <a:schemeClr val="accent1"/>
+          </a:effectRef>
+          <a:fontRef idx="minor"/>
+        </p:style>
+      </p:sp>
+      <p:sp>
+        <p:nvSpPr>
+          <p:cNvPr id="94" name="직사각형 260">
+            <a:extLst>
+              <a:ext uri="{FF2B5EF4-FFF2-40B4-BE49-F238E27FC236}">
+                <a16:creationId xmlns:a16="http://schemas.microsoft.com/office/drawing/2014/main" id="{9EC5956C-851E-777D-1F15-142D0379871F}"/>
+              </a:ext>
+            </a:extLst>
+          </p:cNvPr>
+          <p:cNvSpPr/>
+          <p:nvPr/>
+        </p:nvSpPr>
+        <p:spPr>
+          <a:xfrm>
+            <a:off x="6809530" y="2153162"/>
+            <a:ext cx="3710292" cy="3249262"/>
+          </a:xfrm>
+          <a:prstGeom prst="rect">
+            <a:avLst/>
+          </a:prstGeom>
+          <a:solidFill>
+            <a:schemeClr val="bg1">
+              <a:lumMod val="95000"/>
+            </a:schemeClr>
+          </a:solidFill>
+          <a:ln w="12700">
+            <a:solidFill>
+              <a:srgbClr val="000000"/>
+            </a:solidFill>
+          </a:ln>
+        </p:spPr>
+        <p:style>
+          <a:lnRef idx="2">
+            <a:schemeClr val="accent1">
+              <a:shade val="50000"/>
+            </a:schemeClr>
+          </a:lnRef>
+          <a:fillRef idx="1">
+            <a:schemeClr val="accent1"/>
+          </a:fillRef>
+          <a:effectRef idx="0">
+            <a:schemeClr val="accent1"/>
+          </a:effectRef>
+          <a:fontRef idx="minor"/>
+        </p:style>
+      </p:sp>
+      <p:sp>
+        <p:nvSpPr>
+          <p:cNvPr id="86" name="직사각형 85">
+            <a:extLst>
+              <a:ext uri="{FF2B5EF4-FFF2-40B4-BE49-F238E27FC236}">
+                <a16:creationId xmlns:a16="http://schemas.microsoft.com/office/drawing/2014/main" id="{2EEFE058-4199-2C56-8D88-FAD6CC2ACB2D}"/>
+              </a:ext>
+            </a:extLst>
+          </p:cNvPr>
+          <p:cNvSpPr/>
+          <p:nvPr/>
+        </p:nvSpPr>
+        <p:spPr>
+          <a:xfrm>
+            <a:off x="6315619" y="3708623"/>
+            <a:ext cx="28609" cy="120913"/>
+          </a:xfrm>
+          <a:prstGeom prst="rect">
+            <a:avLst/>
+          </a:prstGeom>
+          <a:solidFill>
+            <a:srgbClr val="9966FF"/>
+          </a:solidFill>
+          <a:ln w="12700">
+            <a:solidFill>
+              <a:srgbClr val="000000"/>
+            </a:solidFill>
+          </a:ln>
+        </p:spPr>
+        <p:style>
+          <a:lnRef idx="2">
+            <a:schemeClr val="accent1">
+              <a:shade val="50000"/>
+            </a:schemeClr>
+          </a:lnRef>
+          <a:fillRef idx="1">
+            <a:schemeClr val="accent1"/>
+          </a:fillRef>
+          <a:effectRef idx="0">
+            <a:schemeClr val="accent1"/>
+          </a:effectRef>
+          <a:fontRef idx="minor"/>
+        </p:style>
+        <p:txBody>
+          <a:bodyPr rtlCol="0" anchor="ctr"/>
+          <a:lstStyle/>
+          <a:p>
+            <a:pPr algn="ctr"/>
+            <a:endParaRPr lang="ko-KR" altLang="en-US">
+              <a:solidFill>
+                <a:schemeClr val="tx1"/>
+              </a:solidFill>
+            </a:endParaRPr>
+          </a:p>
+        </p:txBody>
+      </p:sp>
+      <p:sp>
+        <p:nvSpPr>
+          <p:cNvPr id="93" name="직사각형 92">
+            <a:extLst>
+              <a:ext uri="{FF2B5EF4-FFF2-40B4-BE49-F238E27FC236}">
+                <a16:creationId xmlns:a16="http://schemas.microsoft.com/office/drawing/2014/main" id="{E30B25B6-4A3B-46CE-6CFF-B35DF7971520}"/>
+              </a:ext>
+            </a:extLst>
+          </p:cNvPr>
+          <p:cNvSpPr/>
+          <p:nvPr/>
+        </p:nvSpPr>
+        <p:spPr>
+          <a:xfrm>
+            <a:off x="6343667" y="3561845"/>
+            <a:ext cx="30570" cy="431895"/>
+          </a:xfrm>
+          <a:prstGeom prst="rect">
+            <a:avLst/>
+          </a:prstGeom>
+          <a:solidFill>
+            <a:srgbClr val="9966FF"/>
+          </a:solidFill>
+          <a:ln w="12700">
+            <a:solidFill>
+              <a:srgbClr val="000000"/>
+            </a:solidFill>
+          </a:ln>
+        </p:spPr>
+        <p:style>
+          <a:lnRef idx="2">
+            <a:schemeClr val="accent1">
+              <a:shade val="50000"/>
+            </a:schemeClr>
+          </a:lnRef>
+          <a:fillRef idx="1">
+            <a:schemeClr val="accent1"/>
+          </a:fillRef>
+          <a:effectRef idx="0">
+            <a:schemeClr val="accent1"/>
+          </a:effectRef>
+          <a:fontRef idx="minor"/>
+        </p:style>
+        <p:txBody>
+          <a:bodyPr rtlCol="0" anchor="ctr"/>
+          <a:lstStyle/>
+          <a:p>
+            <a:pPr algn="ctr"/>
+            <a:endParaRPr lang="ko-KR" altLang="en-US">
+              <a:solidFill>
+                <a:schemeClr val="tx1"/>
+              </a:solidFill>
+            </a:endParaRPr>
+          </a:p>
+        </p:txBody>
+      </p:sp>
+      <p:sp>
+        <p:nvSpPr>
+          <p:cNvPr id="96" name="직사각형 260">
+            <a:extLst>
+              <a:ext uri="{FF2B5EF4-FFF2-40B4-BE49-F238E27FC236}">
+                <a16:creationId xmlns:a16="http://schemas.microsoft.com/office/drawing/2014/main" id="{808FA587-8495-A1F3-D853-84E02909E4DA}"/>
+              </a:ext>
+            </a:extLst>
+          </p:cNvPr>
+          <p:cNvSpPr/>
+          <p:nvPr/>
+        </p:nvSpPr>
+        <p:spPr>
+          <a:xfrm>
+            <a:off x="7530059" y="2155485"/>
+            <a:ext cx="431622" cy="430694"/>
+          </a:xfrm>
+          <a:prstGeom prst="rect">
+            <a:avLst/>
+          </a:prstGeom>
+          <a:solidFill>
+            <a:schemeClr val="accent6">
+              <a:lumMod val="75000"/>
+            </a:schemeClr>
+          </a:solidFill>
+          <a:ln w="12700">
+            <a:solidFill>
+              <a:srgbClr val="000000"/>
+            </a:solidFill>
+          </a:ln>
+        </p:spPr>
+        <p:style>
+          <a:lnRef idx="2">
+            <a:schemeClr val="accent1">
+              <a:shade val="50000"/>
+            </a:schemeClr>
+          </a:lnRef>
+          <a:fillRef idx="1">
+            <a:schemeClr val="accent1"/>
+          </a:fillRef>
+          <a:effectRef idx="0">
+            <a:schemeClr val="accent1"/>
+          </a:effectRef>
+          <a:fontRef idx="minor"/>
+        </p:style>
+      </p:sp>
+      <p:sp>
+        <p:nvSpPr>
+          <p:cNvPr id="97" name="직사각형 260">
+            <a:extLst>
+              <a:ext uri="{FF2B5EF4-FFF2-40B4-BE49-F238E27FC236}">
+                <a16:creationId xmlns:a16="http://schemas.microsoft.com/office/drawing/2014/main" id="{6C3B44AC-DFC5-23B3-20FD-26A7E43990A9}"/>
+              </a:ext>
+            </a:extLst>
+          </p:cNvPr>
+          <p:cNvSpPr/>
+          <p:nvPr/>
+        </p:nvSpPr>
+        <p:spPr>
+          <a:xfrm>
+            <a:off x="7961682" y="2153162"/>
+            <a:ext cx="431622" cy="893260"/>
+          </a:xfrm>
+          <a:prstGeom prst="rect">
+            <a:avLst/>
+          </a:prstGeom>
+          <a:solidFill>
+            <a:schemeClr val="accent6">
+              <a:lumMod val="20000"/>
+              <a:lumOff val="80000"/>
+            </a:schemeClr>
+          </a:solidFill>
+          <a:ln w="12700">
+            <a:solidFill>
+              <a:srgbClr val="000000"/>
+            </a:solidFill>
+          </a:ln>
+        </p:spPr>
+        <p:style>
+          <a:lnRef idx="2">
+            <a:schemeClr val="accent1">
+              <a:shade val="50000"/>
+            </a:schemeClr>
+          </a:lnRef>
+          <a:fillRef idx="1">
+            <a:schemeClr val="accent1"/>
+          </a:fillRef>
+          <a:effectRef idx="0">
+            <a:schemeClr val="accent1"/>
+          </a:effectRef>
+          <a:fontRef idx="minor"/>
+        </p:style>
+      </p:sp>
+      <p:sp>
+        <p:nvSpPr>
+          <p:cNvPr id="98" name="직사각형 260">
+            <a:extLst>
+              <a:ext uri="{FF2B5EF4-FFF2-40B4-BE49-F238E27FC236}">
+                <a16:creationId xmlns:a16="http://schemas.microsoft.com/office/drawing/2014/main" id="{62B9CACA-0415-FF62-079E-5D4EB945E2F3}"/>
+              </a:ext>
+            </a:extLst>
+          </p:cNvPr>
+          <p:cNvSpPr/>
+          <p:nvPr/>
+        </p:nvSpPr>
+        <p:spPr>
+          <a:xfrm>
+            <a:off x="8653962" y="2153163"/>
+            <a:ext cx="431622" cy="430694"/>
+          </a:xfrm>
+          <a:prstGeom prst="rect">
+            <a:avLst/>
+          </a:prstGeom>
+          <a:solidFill>
+            <a:schemeClr val="accent6">
+              <a:lumMod val="60000"/>
+              <a:lumOff val="40000"/>
+            </a:schemeClr>
+          </a:solidFill>
+          <a:ln w="12700">
+            <a:solidFill>
+              <a:srgbClr val="000000"/>
+            </a:solidFill>
+          </a:ln>
+        </p:spPr>
+        <p:style>
+          <a:lnRef idx="2">
+            <a:schemeClr val="accent1">
+              <a:shade val="50000"/>
+            </a:schemeClr>
+          </a:lnRef>
+          <a:fillRef idx="1">
+            <a:schemeClr val="accent1"/>
+          </a:fillRef>
+          <a:effectRef idx="0">
+            <a:schemeClr val="accent1"/>
+          </a:effectRef>
+          <a:fontRef idx="minor"/>
+        </p:style>
+      </p:sp>
+      <p:sp>
+        <p:nvSpPr>
+          <p:cNvPr id="100" name="직사각형 260">
+            <a:extLst>
+              <a:ext uri="{FF2B5EF4-FFF2-40B4-BE49-F238E27FC236}">
+                <a16:creationId xmlns:a16="http://schemas.microsoft.com/office/drawing/2014/main" id="{D9B9D14D-1723-AAA6-D976-95B1348F2DEE}"/>
+              </a:ext>
+            </a:extLst>
+          </p:cNvPr>
+          <p:cNvSpPr/>
+          <p:nvPr/>
+        </p:nvSpPr>
+        <p:spPr>
+          <a:xfrm>
+            <a:off x="9346242" y="2153163"/>
+            <a:ext cx="431622" cy="430694"/>
+          </a:xfrm>
+          <a:prstGeom prst="rect">
+            <a:avLst/>
+          </a:prstGeom>
+          <a:solidFill>
+            <a:schemeClr val="accent6"/>
+          </a:solidFill>
+          <a:ln w="12700">
+            <a:solidFill>
+              <a:srgbClr val="000000"/>
+            </a:solidFill>
+          </a:ln>
+        </p:spPr>
+        <p:style>
+          <a:lnRef idx="2">
+            <a:schemeClr val="accent1">
+              <a:shade val="50000"/>
+            </a:schemeClr>
+          </a:lnRef>
+          <a:fillRef idx="1">
+            <a:schemeClr val="accent1"/>
+          </a:fillRef>
+          <a:effectRef idx="0">
+            <a:schemeClr val="accent1"/>
+          </a:effectRef>
+          <a:fontRef idx="minor"/>
+        </p:style>
+      </p:sp>
+      <p:sp>
+        <p:nvSpPr>
+          <p:cNvPr id="106" name="직사각형 260">
+            <a:extLst>
+              <a:ext uri="{FF2B5EF4-FFF2-40B4-BE49-F238E27FC236}">
+                <a16:creationId xmlns:a16="http://schemas.microsoft.com/office/drawing/2014/main" id="{858C56AD-9223-546C-C293-05C86C0BB8C7}"/>
+              </a:ext>
+            </a:extLst>
+          </p:cNvPr>
+          <p:cNvSpPr/>
+          <p:nvPr/>
+        </p:nvSpPr>
+        <p:spPr>
+          <a:xfrm>
+            <a:off x="8222419" y="4974849"/>
+            <a:ext cx="431622" cy="430694"/>
+          </a:xfrm>
+          <a:prstGeom prst="rect">
+            <a:avLst/>
+          </a:prstGeom>
+          <a:solidFill>
+            <a:schemeClr val="accent6">
+              <a:lumMod val="60000"/>
+              <a:lumOff val="40000"/>
+            </a:schemeClr>
+          </a:solidFill>
+          <a:ln w="12700">
+            <a:solidFill>
+              <a:srgbClr val="000000"/>
+            </a:solidFill>
+          </a:ln>
+        </p:spPr>
+        <p:style>
+          <a:lnRef idx="2">
+            <a:schemeClr val="accent1">
+              <a:shade val="50000"/>
+            </a:schemeClr>
+          </a:lnRef>
+          <a:fillRef idx="1">
+            <a:schemeClr val="accent1"/>
+          </a:fillRef>
+          <a:effectRef idx="0">
+            <a:schemeClr val="accent1"/>
+          </a:effectRef>
+          <a:fontRef idx="minor"/>
+        </p:style>
+      </p:sp>
+      <p:sp>
+        <p:nvSpPr>
+          <p:cNvPr id="107" name="직사각형 260">
+            <a:extLst>
+              <a:ext uri="{FF2B5EF4-FFF2-40B4-BE49-F238E27FC236}">
+                <a16:creationId xmlns:a16="http://schemas.microsoft.com/office/drawing/2014/main" id="{8D1E143E-DBA1-22F2-0D5C-B63BF8EE3598}"/>
+              </a:ext>
+            </a:extLst>
+          </p:cNvPr>
+          <p:cNvSpPr/>
+          <p:nvPr/>
+        </p:nvSpPr>
+        <p:spPr>
+          <a:xfrm>
+            <a:off x="8914619" y="4974849"/>
+            <a:ext cx="431622" cy="430694"/>
+          </a:xfrm>
+          <a:prstGeom prst="rect">
+            <a:avLst/>
+          </a:prstGeom>
+          <a:solidFill>
+            <a:schemeClr val="accent6">
+              <a:lumMod val="20000"/>
+              <a:lumOff val="80000"/>
+            </a:schemeClr>
+          </a:solidFill>
+          <a:ln w="12700">
+            <a:solidFill>
+              <a:srgbClr val="000000"/>
+            </a:solidFill>
+          </a:ln>
+        </p:spPr>
+        <p:style>
+          <a:lnRef idx="2">
+            <a:schemeClr val="accent1">
+              <a:shade val="50000"/>
+            </a:schemeClr>
+          </a:lnRef>
+          <a:fillRef idx="1">
+            <a:schemeClr val="accent1"/>
+          </a:fillRef>
+          <a:effectRef idx="0">
+            <a:schemeClr val="accent1"/>
+          </a:effectRef>
+          <a:fontRef idx="minor"/>
+        </p:style>
+      </p:sp>
+      <p:sp>
+        <p:nvSpPr>
+          <p:cNvPr id="118" name="직사각형 260">
+            <a:extLst>
+              <a:ext uri="{FF2B5EF4-FFF2-40B4-BE49-F238E27FC236}">
+                <a16:creationId xmlns:a16="http://schemas.microsoft.com/office/drawing/2014/main" id="{CCDA31EE-C91B-456E-6360-77075135548E}"/>
+              </a:ext>
+            </a:extLst>
+          </p:cNvPr>
+          <p:cNvSpPr/>
+          <p:nvPr/>
+        </p:nvSpPr>
+        <p:spPr>
+          <a:xfrm>
+            <a:off x="7961682" y="3431736"/>
+            <a:ext cx="702994" cy="690913"/>
+          </a:xfrm>
+          <a:prstGeom prst="rect">
+            <a:avLst/>
+          </a:prstGeom>
+          <a:solidFill>
+            <a:schemeClr val="accent6">
+              <a:lumMod val="60000"/>
+              <a:lumOff val="40000"/>
+            </a:schemeClr>
+          </a:solidFill>
+          <a:ln w="12700">
+            <a:solidFill>
+              <a:srgbClr val="000000"/>
+            </a:solidFill>
+          </a:ln>
+        </p:spPr>
+        <p:style>
+          <a:lnRef idx="2">
+            <a:schemeClr val="accent1">
+              <a:shade val="50000"/>
+            </a:schemeClr>
+          </a:lnRef>
+          <a:fillRef idx="1">
+            <a:schemeClr val="accent1"/>
+          </a:fillRef>
+          <a:effectRef idx="0">
+            <a:schemeClr val="accent1"/>
+          </a:effectRef>
+          <a:fontRef idx="minor"/>
+        </p:style>
+      </p:sp>
+      <p:sp>
+        <p:nvSpPr>
+          <p:cNvPr id="119" name="직사각형 260">
+            <a:extLst>
+              <a:ext uri="{FF2B5EF4-FFF2-40B4-BE49-F238E27FC236}">
+                <a16:creationId xmlns:a16="http://schemas.microsoft.com/office/drawing/2014/main" id="{16E11921-661D-74F3-7E97-E3027D9856B3}"/>
+              </a:ext>
+            </a:extLst>
+          </p:cNvPr>
+          <p:cNvSpPr/>
+          <p:nvPr/>
+        </p:nvSpPr>
+        <p:spPr>
+          <a:xfrm>
+            <a:off x="8664675" y="3431736"/>
+            <a:ext cx="681567" cy="690913"/>
+          </a:xfrm>
+          <a:prstGeom prst="rect">
+            <a:avLst/>
+          </a:prstGeom>
+          <a:solidFill>
+            <a:schemeClr val="accent6"/>
+          </a:solidFill>
+          <a:ln w="12700">
+            <a:solidFill>
+              <a:srgbClr val="000000"/>
+            </a:solidFill>
+          </a:ln>
+        </p:spPr>
+        <p:style>
+          <a:lnRef idx="2">
+            <a:schemeClr val="accent1">
+              <a:shade val="50000"/>
+            </a:schemeClr>
+          </a:lnRef>
+          <a:fillRef idx="1">
+            <a:schemeClr val="accent1"/>
+          </a:fillRef>
+          <a:effectRef idx="0">
+            <a:schemeClr val="accent1"/>
+          </a:effectRef>
+          <a:fontRef idx="minor"/>
+        </p:style>
+      </p:sp>
+      <p:cxnSp>
+        <p:nvCxnSpPr>
+          <p:cNvPr id="4" name="직선 화살표 연결선 3">
+            <a:extLst>
+              <a:ext uri="{FF2B5EF4-FFF2-40B4-BE49-F238E27FC236}">
+                <a16:creationId xmlns:a16="http://schemas.microsoft.com/office/drawing/2014/main" id="{7F22D00E-291B-5D1E-2C09-D06928424460}"/>
+              </a:ext>
+            </a:extLst>
+          </p:cNvPr>
+          <p:cNvCxnSpPr>
+            <a:cxnSpLocks/>
+          </p:cNvCxnSpPr>
+          <p:nvPr/>
+        </p:nvCxnSpPr>
+        <p:spPr>
+          <a:xfrm>
+            <a:off x="6809530" y="2205067"/>
+            <a:ext cx="3710292" cy="0"/>
+          </a:xfrm>
+          <a:prstGeom prst="straightConnector1">
+            <a:avLst/>
+          </a:prstGeom>
+          <a:ln>
+            <a:solidFill>
+              <a:schemeClr val="bg1"/>
+            </a:solidFill>
+            <a:headEnd type="arrow" w="med" len="med"/>
+            <a:tailEnd type="arrow" w="med" len="med"/>
+          </a:ln>
+          <a:effectLst>
+            <a:glow rad="101600">
+              <a:srgbClr val="FF7C80">
+                <a:alpha val="40000"/>
+              </a:srgbClr>
+            </a:glow>
+          </a:effectLst>
+        </p:spPr>
+        <p:style>
+          <a:lnRef idx="1">
+            <a:schemeClr val="accent1"/>
+          </a:lnRef>
+          <a:fillRef idx="0">
+            <a:schemeClr val="accent1"/>
+          </a:fillRef>
+          <a:effectRef idx="0">
+            <a:schemeClr val="accent1"/>
+          </a:effectRef>
+          <a:fontRef idx="minor">
+            <a:schemeClr val="tx1"/>
+          </a:fontRef>
+        </p:style>
+      </p:cxnSp>
+      <p:cxnSp>
+        <p:nvCxnSpPr>
+          <p:cNvPr id="95" name="직선 화살표 연결선 94">
+            <a:extLst>
+              <a:ext uri="{FF2B5EF4-FFF2-40B4-BE49-F238E27FC236}">
+                <a16:creationId xmlns:a16="http://schemas.microsoft.com/office/drawing/2014/main" id="{F4A7119E-AC49-3C8D-B506-603B67FC301B}"/>
+              </a:ext>
+            </a:extLst>
+          </p:cNvPr>
+          <p:cNvCxnSpPr>
+            <a:cxnSpLocks/>
+          </p:cNvCxnSpPr>
+          <p:nvPr/>
+        </p:nvCxnSpPr>
+        <p:spPr>
+          <a:xfrm>
+            <a:off x="6809530" y="5355257"/>
+            <a:ext cx="3710292" cy="0"/>
+          </a:xfrm>
+          <a:prstGeom prst="straightConnector1">
+            <a:avLst/>
+          </a:prstGeom>
+          <a:ln>
+            <a:solidFill>
+              <a:schemeClr val="bg1"/>
+            </a:solidFill>
+            <a:headEnd type="arrow" w="med" len="med"/>
+            <a:tailEnd type="arrow" w="med" len="med"/>
+          </a:ln>
+          <a:effectLst>
+            <a:glow rad="101600">
+              <a:schemeClr val="accent4">
+                <a:alpha val="40000"/>
+              </a:schemeClr>
+            </a:glow>
+          </a:effectLst>
+        </p:spPr>
+        <p:style>
+          <a:lnRef idx="1">
+            <a:schemeClr val="accent1"/>
+          </a:lnRef>
+          <a:fillRef idx="0">
+            <a:schemeClr val="accent1"/>
+          </a:fillRef>
+          <a:effectRef idx="0">
+            <a:schemeClr val="accent1"/>
+          </a:effectRef>
+          <a:fontRef idx="minor">
+            <a:schemeClr val="tx1"/>
+          </a:fontRef>
+        </p:style>
+      </p:cxnSp>
+      <p:sp>
+        <p:nvSpPr>
+          <p:cNvPr id="105" name="직사각형 260">
+            <a:extLst>
+              <a:ext uri="{FF2B5EF4-FFF2-40B4-BE49-F238E27FC236}">
+                <a16:creationId xmlns:a16="http://schemas.microsoft.com/office/drawing/2014/main" id="{452241C8-6A16-F37F-07A9-8F408A6AF0B4}"/>
+              </a:ext>
+            </a:extLst>
+          </p:cNvPr>
+          <p:cNvSpPr/>
+          <p:nvPr/>
+        </p:nvSpPr>
+        <p:spPr>
+          <a:xfrm>
+            <a:off x="7530059" y="4974849"/>
+            <a:ext cx="431622" cy="430694"/>
+          </a:xfrm>
+          <a:prstGeom prst="rect">
+            <a:avLst/>
+          </a:prstGeom>
+          <a:solidFill>
+            <a:schemeClr val="accent6"/>
+          </a:solidFill>
+          <a:ln w="12700">
+            <a:solidFill>
+              <a:srgbClr val="000000"/>
+            </a:solidFill>
+          </a:ln>
+        </p:spPr>
+        <p:style>
+          <a:lnRef idx="2">
+            <a:schemeClr val="accent1">
+              <a:shade val="50000"/>
+            </a:schemeClr>
+          </a:lnRef>
+          <a:fillRef idx="1">
+            <a:schemeClr val="accent1"/>
+          </a:fillRef>
+          <a:effectRef idx="0">
+            <a:schemeClr val="accent1"/>
+          </a:effectRef>
+          <a:fontRef idx="minor"/>
+        </p:style>
+      </p:sp>
+      <p:sp>
+        <p:nvSpPr>
+          <p:cNvPr id="108" name="직사각형 260">
+            <a:extLst>
+              <a:ext uri="{FF2B5EF4-FFF2-40B4-BE49-F238E27FC236}">
+                <a16:creationId xmlns:a16="http://schemas.microsoft.com/office/drawing/2014/main" id="{B40435BA-F8A2-2A87-9B0F-D7D2D12610CE}"/>
+              </a:ext>
+            </a:extLst>
+          </p:cNvPr>
+          <p:cNvSpPr/>
+          <p:nvPr/>
+        </p:nvSpPr>
+        <p:spPr>
+          <a:xfrm>
+            <a:off x="9346242" y="4974849"/>
+            <a:ext cx="431622" cy="430694"/>
+          </a:xfrm>
+          <a:prstGeom prst="rect">
+            <a:avLst/>
+          </a:prstGeom>
+          <a:solidFill>
+            <a:schemeClr val="accent6">
+              <a:lumMod val="75000"/>
+            </a:schemeClr>
+          </a:solidFill>
+          <a:ln w="12700">
+            <a:solidFill>
+              <a:srgbClr val="000000"/>
+            </a:solidFill>
+          </a:ln>
+        </p:spPr>
+        <p:style>
+          <a:lnRef idx="2">
+            <a:schemeClr val="accent1">
+              <a:shade val="50000"/>
+            </a:schemeClr>
+          </a:lnRef>
+          <a:fillRef idx="1">
+            <a:schemeClr val="accent1"/>
+          </a:fillRef>
+          <a:effectRef idx="0">
+            <a:schemeClr val="accent1"/>
+          </a:effectRef>
+          <a:fontRef idx="minor"/>
+        </p:style>
+      </p:sp>
+      <p:cxnSp>
+        <p:nvCxnSpPr>
+          <p:cNvPr id="12" name="직선 화살표 연결선 11">
+            <a:extLst>
+              <a:ext uri="{FF2B5EF4-FFF2-40B4-BE49-F238E27FC236}">
+                <a16:creationId xmlns:a16="http://schemas.microsoft.com/office/drawing/2014/main" id="{9A2EAF21-A0BE-FC79-ABBA-44666C5BBA47}"/>
+              </a:ext>
+            </a:extLst>
+          </p:cNvPr>
+          <p:cNvCxnSpPr>
+            <a:cxnSpLocks/>
+          </p:cNvCxnSpPr>
+          <p:nvPr/>
+        </p:nvCxnSpPr>
+        <p:spPr>
+          <a:xfrm flipV="1">
+            <a:off x="10717935" y="2148811"/>
+            <a:ext cx="0" cy="3249262"/>
+          </a:xfrm>
+          <a:prstGeom prst="straightConnector1">
+            <a:avLst/>
+          </a:prstGeom>
+          <a:ln w="19050">
+            <a:solidFill>
+              <a:schemeClr val="accent4"/>
+            </a:solidFill>
+            <a:headEnd type="arrow" w="med" len="med"/>
+            <a:tailEnd type="arrow" w="med" len="med"/>
+          </a:ln>
+        </p:spPr>
+        <p:style>
+          <a:lnRef idx="1">
+            <a:schemeClr val="accent1"/>
+          </a:lnRef>
+          <a:fillRef idx="0">
+            <a:schemeClr val="accent1"/>
+          </a:fillRef>
+          <a:effectRef idx="0">
+            <a:schemeClr val="accent1"/>
+          </a:effectRef>
+          <a:fontRef idx="minor">
+            <a:schemeClr val="tx1"/>
+          </a:fontRef>
+        </p:style>
+      </p:cxnSp>
+      <p:cxnSp>
+        <p:nvCxnSpPr>
+          <p:cNvPr id="122" name="직선 화살표 연결선 121">
+            <a:extLst>
+              <a:ext uri="{FF2B5EF4-FFF2-40B4-BE49-F238E27FC236}">
+                <a16:creationId xmlns:a16="http://schemas.microsoft.com/office/drawing/2014/main" id="{52D1B66E-7873-17E4-3F34-88C46B1C8289}"/>
+              </a:ext>
+            </a:extLst>
+          </p:cNvPr>
+          <p:cNvCxnSpPr>
+            <a:cxnSpLocks/>
+          </p:cNvCxnSpPr>
+          <p:nvPr/>
+        </p:nvCxnSpPr>
+        <p:spPr>
+          <a:xfrm flipV="1">
+            <a:off x="10624706" y="2148811"/>
+            <a:ext cx="0" cy="3249262"/>
+          </a:xfrm>
+          <a:prstGeom prst="straightConnector1">
+            <a:avLst/>
+          </a:prstGeom>
+          <a:ln w="19050">
+            <a:solidFill>
+              <a:srgbClr val="FF7C80"/>
+            </a:solidFill>
+            <a:headEnd type="arrow" w="med" len="med"/>
+            <a:tailEnd type="arrow" w="med" len="med"/>
+          </a:ln>
+        </p:spPr>
+        <p:style>
+          <a:lnRef idx="1">
+            <a:schemeClr val="accent1"/>
+          </a:lnRef>
+          <a:fillRef idx="0">
+            <a:schemeClr val="accent1"/>
+          </a:fillRef>
+          <a:effectRef idx="0">
+            <a:schemeClr val="accent1"/>
+          </a:effectRef>
+          <a:fontRef idx="minor">
+            <a:schemeClr val="tx1"/>
+          </a:fontRef>
+        </p:style>
+      </p:cxnSp>
+      <p:sp>
+        <p:nvSpPr>
+          <p:cNvPr id="120" name="직사각형 260">
+            <a:extLst>
+              <a:ext uri="{FF2B5EF4-FFF2-40B4-BE49-F238E27FC236}">
+                <a16:creationId xmlns:a16="http://schemas.microsoft.com/office/drawing/2014/main" id="{7A06B221-7C9F-8468-1841-25BED1E3A4D6}"/>
+              </a:ext>
+            </a:extLst>
+          </p:cNvPr>
+          <p:cNvSpPr/>
+          <p:nvPr/>
+        </p:nvSpPr>
+        <p:spPr>
+          <a:xfrm>
+            <a:off x="10519821" y="3563049"/>
+            <a:ext cx="617391" cy="430693"/>
+          </a:xfrm>
+          <a:prstGeom prst="rect">
+            <a:avLst/>
+          </a:prstGeom>
+          <a:solidFill>
+            <a:schemeClr val="accent6">
+              <a:lumMod val="20000"/>
+              <a:lumOff val="80000"/>
+            </a:schemeClr>
+          </a:solidFill>
+          <a:ln w="12700">
+            <a:solidFill>
+              <a:srgbClr val="000000"/>
+            </a:solidFill>
+          </a:ln>
+        </p:spPr>
+        <p:style>
+          <a:lnRef idx="2">
+            <a:schemeClr val="accent1">
+              <a:shade val="50000"/>
+            </a:schemeClr>
+          </a:lnRef>
+          <a:fillRef idx="1">
+            <a:schemeClr val="accent1"/>
+          </a:fillRef>
+          <a:effectRef idx="0">
+            <a:schemeClr val="accent1"/>
+          </a:effectRef>
+          <a:fontRef idx="minor"/>
+        </p:style>
+      </p:sp>
+      <p:cxnSp>
+        <p:nvCxnSpPr>
+          <p:cNvPr id="125" name="직선 화살표 연결선 124">
+            <a:extLst>
+              <a:ext uri="{FF2B5EF4-FFF2-40B4-BE49-F238E27FC236}">
+                <a16:creationId xmlns:a16="http://schemas.microsoft.com/office/drawing/2014/main" id="{C5D12559-DE88-E14A-B61F-80023D8B550B}"/>
+              </a:ext>
+            </a:extLst>
+          </p:cNvPr>
+          <p:cNvCxnSpPr>
+            <a:cxnSpLocks/>
+          </p:cNvCxnSpPr>
+          <p:nvPr/>
+        </p:nvCxnSpPr>
+        <p:spPr>
+          <a:xfrm>
+            <a:off x="11242355" y="3773442"/>
+            <a:ext cx="203941" cy="0"/>
+          </a:xfrm>
+          <a:prstGeom prst="straightConnector1">
+            <a:avLst/>
+          </a:prstGeom>
+          <a:ln w="19050">
+            <a:solidFill>
+              <a:srgbClr val="3366FF"/>
+            </a:solidFill>
+            <a:headEnd type="none" w="med" len="med"/>
+            <a:tailEnd type="arrow" w="med" len="med"/>
+          </a:ln>
+          <a:effectLst/>
+        </p:spPr>
+        <p:style>
+          <a:lnRef idx="1">
+            <a:schemeClr val="accent1"/>
+          </a:lnRef>
+          <a:fillRef idx="0">
+            <a:schemeClr val="accent1"/>
+          </a:fillRef>
+          <a:effectRef idx="0">
+            <a:schemeClr val="accent1"/>
+          </a:effectRef>
+          <a:fontRef idx="minor">
+            <a:schemeClr val="tx1"/>
+          </a:fontRef>
+        </p:style>
+      </p:cxnSp>
+      <p:sp>
+        <p:nvSpPr>
+          <p:cNvPr id="17" name="직사각형 16">
+            <a:extLst>
+              <a:ext uri="{FF2B5EF4-FFF2-40B4-BE49-F238E27FC236}">
+                <a16:creationId xmlns:a16="http://schemas.microsoft.com/office/drawing/2014/main" id="{2F53067D-D14C-FED7-8B0E-38A92D80B2F4}"/>
+              </a:ext>
+            </a:extLst>
+          </p:cNvPr>
+          <p:cNvSpPr/>
+          <p:nvPr/>
+        </p:nvSpPr>
+        <p:spPr>
+          <a:xfrm>
+            <a:off x="11137213" y="3676548"/>
+            <a:ext cx="41044" cy="193787"/>
+          </a:xfrm>
+          <a:prstGeom prst="rect">
+            <a:avLst/>
+          </a:prstGeom>
+          <a:solidFill>
+            <a:srgbClr val="6699FF"/>
+          </a:solidFill>
+          <a:ln w="12700">
+            <a:solidFill>
+              <a:srgbClr val="000000"/>
+            </a:solidFill>
+          </a:ln>
+        </p:spPr>
+        <p:style>
+          <a:lnRef idx="2">
+            <a:schemeClr val="accent1">
+              <a:shade val="50000"/>
+            </a:schemeClr>
+          </a:lnRef>
+          <a:fillRef idx="1">
+            <a:schemeClr val="accent1"/>
+          </a:fillRef>
+          <a:effectRef idx="0">
+            <a:schemeClr val="accent1"/>
+          </a:effectRef>
+          <a:fontRef idx="minor"/>
+        </p:style>
+        <p:txBody>
+          <a:bodyPr rtlCol="0" anchor="ctr"/>
+          <a:lstStyle/>
+          <a:p>
+            <a:pPr algn="ctr"/>
+            <a:endParaRPr lang="ko-KR" altLang="en-US">
+              <a:solidFill>
+                <a:schemeClr val="tx1"/>
+              </a:solidFill>
+            </a:endParaRPr>
+          </a:p>
+        </p:txBody>
+      </p:sp>
+      <p:sp>
+        <p:nvSpPr>
+          <p:cNvPr id="20" name="타원 19">
+            <a:extLst>
+              <a:ext uri="{FF2B5EF4-FFF2-40B4-BE49-F238E27FC236}">
+                <a16:creationId xmlns:a16="http://schemas.microsoft.com/office/drawing/2014/main" id="{565E6DC3-90B6-4752-8C26-ED5BA3BE3600}"/>
+              </a:ext>
+            </a:extLst>
+          </p:cNvPr>
+          <p:cNvSpPr/>
+          <p:nvPr/>
+        </p:nvSpPr>
+        <p:spPr>
+          <a:xfrm>
+            <a:off x="7693429" y="2309130"/>
+            <a:ext cx="104883" cy="104883"/>
+          </a:xfrm>
+          <a:prstGeom prst="ellipse">
+            <a:avLst/>
+          </a:prstGeom>
+          <a:solidFill>
+            <a:srgbClr val="6699FF"/>
+          </a:solidFill>
+          <a:ln w="12700">
+            <a:solidFill>
+              <a:srgbClr val="000000"/>
+            </a:solidFill>
+          </a:ln>
+        </p:spPr>
+        <p:style>
+          <a:lnRef idx="2">
+            <a:schemeClr val="accent1">
+              <a:shade val="50000"/>
+            </a:schemeClr>
+          </a:lnRef>
+          <a:fillRef idx="1">
+            <a:schemeClr val="accent1"/>
+          </a:fillRef>
+          <a:effectRef idx="0">
+            <a:schemeClr val="accent1"/>
+          </a:effectRef>
+          <a:fontRef idx="minor"/>
+        </p:style>
+        <p:txBody>
+          <a:bodyPr rtlCol="0" anchor="ctr"/>
+          <a:lstStyle/>
+          <a:p>
+            <a:pPr algn="ctr"/>
+            <a:endParaRPr lang="ko-KR" altLang="en-US">
+              <a:solidFill>
+                <a:schemeClr val="tx1"/>
+              </a:solidFill>
+            </a:endParaRPr>
+          </a:p>
+        </p:txBody>
+      </p:sp>
+      <p:sp>
+        <p:nvSpPr>
+          <p:cNvPr id="126" name="타원 125">
+            <a:extLst>
+              <a:ext uri="{FF2B5EF4-FFF2-40B4-BE49-F238E27FC236}">
+                <a16:creationId xmlns:a16="http://schemas.microsoft.com/office/drawing/2014/main" id="{6C1A82AC-5C5D-E703-703B-5E5DFD66E661}"/>
+              </a:ext>
+            </a:extLst>
+          </p:cNvPr>
+          <p:cNvSpPr/>
+          <p:nvPr/>
+        </p:nvSpPr>
+        <p:spPr>
+          <a:xfrm>
+            <a:off x="9509611" y="5137754"/>
+            <a:ext cx="104883" cy="104883"/>
+          </a:xfrm>
+          <a:prstGeom prst="ellipse">
+            <a:avLst/>
+          </a:prstGeom>
+          <a:solidFill>
+            <a:srgbClr val="6699FF"/>
+          </a:solidFill>
+          <a:ln w="12700">
+            <a:solidFill>
+              <a:srgbClr val="000000"/>
+            </a:solidFill>
+          </a:ln>
+        </p:spPr>
+        <p:style>
+          <a:lnRef idx="2">
+            <a:schemeClr val="accent1">
+              <a:shade val="50000"/>
+            </a:schemeClr>
+          </a:lnRef>
+          <a:fillRef idx="1">
+            <a:schemeClr val="accent1"/>
+          </a:fillRef>
+          <a:effectRef idx="0">
+            <a:schemeClr val="accent1"/>
+          </a:effectRef>
+          <a:fontRef idx="minor"/>
+        </p:style>
+        <p:txBody>
+          <a:bodyPr rtlCol="0" anchor="ctr"/>
+          <a:lstStyle/>
+          <a:p>
+            <a:pPr algn="ctr"/>
+            <a:endParaRPr lang="ko-KR" altLang="en-US">
+              <a:solidFill>
+                <a:schemeClr val="tx1"/>
+              </a:solidFill>
+            </a:endParaRPr>
+          </a:p>
+        </p:txBody>
+      </p:sp>
+      <p:cxnSp>
+        <p:nvCxnSpPr>
+          <p:cNvPr id="127" name="직선 연결선 126">
+            <a:extLst>
+              <a:ext uri="{FF2B5EF4-FFF2-40B4-BE49-F238E27FC236}">
+                <a16:creationId xmlns:a16="http://schemas.microsoft.com/office/drawing/2014/main" id="{240B77E4-C4A0-7024-CB9B-5F060C0531EF}"/>
+              </a:ext>
+            </a:extLst>
+          </p:cNvPr>
+          <p:cNvCxnSpPr>
+            <a:cxnSpLocks/>
+          </p:cNvCxnSpPr>
+          <p:nvPr/>
+        </p:nvCxnSpPr>
+        <p:spPr>
+          <a:xfrm>
+            <a:off x="7961682" y="3422000"/>
+            <a:ext cx="0" cy="700649"/>
+          </a:xfrm>
+          <a:prstGeom prst="line">
+            <a:avLst/>
+          </a:prstGeom>
+          <a:ln w="57150">
+            <a:solidFill>
+              <a:srgbClr val="33CCCC"/>
+            </a:solidFill>
+          </a:ln>
+        </p:spPr>
+        <p:style>
+          <a:lnRef idx="1">
+            <a:schemeClr val="accent1"/>
+          </a:lnRef>
+          <a:fillRef idx="0">
+            <a:schemeClr val="accent1"/>
+          </a:fillRef>
+          <a:effectRef idx="0">
+            <a:schemeClr val="accent1"/>
+          </a:effectRef>
+          <a:fontRef idx="minor">
+            <a:schemeClr val="tx1"/>
+          </a:fontRef>
+        </p:style>
+      </p:cxnSp>
+      <p:sp>
+        <p:nvSpPr>
+          <p:cNvPr id="36" name="직사각형 260">
+            <a:extLst>
+              <a:ext uri="{FF2B5EF4-FFF2-40B4-BE49-F238E27FC236}">
+                <a16:creationId xmlns:a16="http://schemas.microsoft.com/office/drawing/2014/main" id="{95D35CB4-6E5C-D0C5-83DA-A7188DB30440}"/>
+              </a:ext>
+            </a:extLst>
+          </p:cNvPr>
+          <p:cNvSpPr/>
+          <p:nvPr/>
+        </p:nvSpPr>
+        <p:spPr>
+          <a:xfrm>
+            <a:off x="2919493" y="2817435"/>
+            <a:ext cx="2845838" cy="1906598"/>
+          </a:xfrm>
+          <a:prstGeom prst="rect">
+            <a:avLst/>
+          </a:prstGeom>
+          <a:solidFill>
+            <a:schemeClr val="bg1">
+              <a:lumMod val="95000"/>
+            </a:schemeClr>
+          </a:solidFill>
+          <a:ln w="12700">
+            <a:solidFill>
+              <a:srgbClr val="000000"/>
+            </a:solidFill>
+          </a:ln>
+        </p:spPr>
+        <p:style>
+          <a:lnRef idx="2">
+            <a:schemeClr val="accent1">
+              <a:shade val="50000"/>
+            </a:schemeClr>
+          </a:lnRef>
+          <a:fillRef idx="1">
+            <a:schemeClr val="accent1"/>
+          </a:fillRef>
+          <a:effectRef idx="0">
+            <a:schemeClr val="accent1"/>
+          </a:effectRef>
+          <a:fontRef idx="minor"/>
+        </p:style>
+      </p:sp>
+      <p:sp>
+        <p:nvSpPr>
+          <p:cNvPr id="37" name="직사각형 260">
+            <a:extLst>
+              <a:ext uri="{FF2B5EF4-FFF2-40B4-BE49-F238E27FC236}">
+                <a16:creationId xmlns:a16="http://schemas.microsoft.com/office/drawing/2014/main" id="{069C5934-ABB8-4AD5-5069-42DCBADF9D60}"/>
+              </a:ext>
+            </a:extLst>
+          </p:cNvPr>
+          <p:cNvSpPr/>
+          <p:nvPr/>
+        </p:nvSpPr>
+        <p:spPr>
+          <a:xfrm>
+            <a:off x="1308110" y="3459557"/>
+            <a:ext cx="1597249" cy="622354"/>
+          </a:xfrm>
+          <a:prstGeom prst="rect">
+            <a:avLst/>
+          </a:prstGeom>
+          <a:solidFill>
+            <a:schemeClr val="accent6">
+              <a:lumMod val="20000"/>
+              <a:lumOff val="80000"/>
+            </a:schemeClr>
+          </a:solidFill>
+          <a:ln w="12700">
+            <a:solidFill>
+              <a:srgbClr val="000000"/>
+            </a:solidFill>
+          </a:ln>
+        </p:spPr>
+        <p:style>
+          <a:lnRef idx="2">
+            <a:schemeClr val="accent1">
+              <a:shade val="50000"/>
+            </a:schemeClr>
+          </a:lnRef>
+          <a:fillRef idx="1">
+            <a:schemeClr val="accent1"/>
+          </a:fillRef>
+          <a:effectRef idx="0">
+            <a:schemeClr val="accent1"/>
+          </a:effectRef>
+          <a:fontRef idx="minor"/>
+        </p:style>
+      </p:sp>
+      <p:sp>
+        <p:nvSpPr>
+          <p:cNvPr id="38" name="직사각형 37">
+            <a:extLst>
+              <a:ext uri="{FF2B5EF4-FFF2-40B4-BE49-F238E27FC236}">
+                <a16:creationId xmlns:a16="http://schemas.microsoft.com/office/drawing/2014/main" id="{1AB1110D-CC31-8152-811E-65C913FE72FD}"/>
+              </a:ext>
+            </a:extLst>
+          </p:cNvPr>
+          <p:cNvSpPr/>
+          <p:nvPr/>
+        </p:nvSpPr>
+        <p:spPr>
+          <a:xfrm>
+            <a:off x="2204952" y="3423345"/>
+            <a:ext cx="214891" cy="36652"/>
+          </a:xfrm>
+          <a:prstGeom prst="rect">
+            <a:avLst/>
+          </a:prstGeom>
+          <a:solidFill>
+            <a:schemeClr val="bg1">
+              <a:lumMod val="85000"/>
+            </a:schemeClr>
+          </a:solidFill>
+          <a:ln w="12700">
+            <a:solidFill>
+              <a:srgbClr val="000000"/>
+            </a:solidFill>
+          </a:ln>
+        </p:spPr>
+        <p:style>
+          <a:lnRef idx="2">
+            <a:schemeClr val="accent1">
+              <a:shade val="50000"/>
+            </a:schemeClr>
+          </a:lnRef>
+          <a:fillRef idx="1">
+            <a:schemeClr val="accent1"/>
+          </a:fillRef>
+          <a:effectRef idx="0">
+            <a:schemeClr val="accent1"/>
+          </a:effectRef>
+          <a:fontRef idx="minor"/>
+        </p:style>
+        <p:txBody>
+          <a:bodyPr rtlCol="0" anchor="ctr"/>
+          <a:lstStyle/>
+          <a:p>
+            <a:pPr algn="ctr"/>
+            <a:endParaRPr lang="ko-KR" altLang="en-US"/>
+          </a:p>
+        </p:txBody>
+      </p:sp>
+      <p:cxnSp>
+        <p:nvCxnSpPr>
+          <p:cNvPr id="39" name="직선 연결선 38">
+            <a:extLst>
+              <a:ext uri="{FF2B5EF4-FFF2-40B4-BE49-F238E27FC236}">
+                <a16:creationId xmlns:a16="http://schemas.microsoft.com/office/drawing/2014/main" id="{E123491D-9A1C-D5EF-4841-ADCDB4BBDB63}"/>
+              </a:ext>
+            </a:extLst>
+          </p:cNvPr>
+          <p:cNvCxnSpPr/>
+          <p:nvPr/>
+        </p:nvCxnSpPr>
+        <p:spPr>
+          <a:xfrm>
+            <a:off x="2088716" y="3455285"/>
+            <a:ext cx="0" cy="622354"/>
+          </a:xfrm>
+          <a:prstGeom prst="line">
+            <a:avLst/>
+          </a:prstGeom>
+          <a:ln w="57150">
+            <a:solidFill>
+              <a:srgbClr val="33CCCC"/>
+            </a:solidFill>
+          </a:ln>
+        </p:spPr>
+        <p:style>
+          <a:lnRef idx="1">
+            <a:schemeClr val="accent1"/>
+          </a:lnRef>
+          <a:fillRef idx="0">
+            <a:schemeClr val="accent1"/>
+          </a:fillRef>
+          <a:effectRef idx="0">
+            <a:schemeClr val="accent1"/>
+          </a:effectRef>
+          <a:fontRef idx="minor">
+            <a:schemeClr val="tx1"/>
+          </a:fontRef>
+        </p:style>
+      </p:cxnSp>
+      <p:sp>
+        <p:nvSpPr>
+          <p:cNvPr id="40" name="직사각형 39">
+            <a:extLst>
+              <a:ext uri="{FF2B5EF4-FFF2-40B4-BE49-F238E27FC236}">
+                <a16:creationId xmlns:a16="http://schemas.microsoft.com/office/drawing/2014/main" id="{DEA81C5C-C816-DFEC-6915-072E4880B248}"/>
+              </a:ext>
+            </a:extLst>
+          </p:cNvPr>
+          <p:cNvSpPr/>
+          <p:nvPr/>
+        </p:nvSpPr>
+        <p:spPr>
+          <a:xfrm>
+            <a:off x="2088716" y="3706723"/>
+            <a:ext cx="28270" cy="119477"/>
+          </a:xfrm>
+          <a:prstGeom prst="rect">
+            <a:avLst/>
+          </a:prstGeom>
+          <a:solidFill>
+            <a:schemeClr val="accent4"/>
+          </a:solidFill>
+          <a:ln w="12700">
+            <a:solidFill>
+              <a:srgbClr val="000000"/>
+            </a:solidFill>
+          </a:ln>
+        </p:spPr>
+        <p:style>
+          <a:lnRef idx="2">
+            <a:schemeClr val="accent1">
+              <a:shade val="50000"/>
+            </a:schemeClr>
+          </a:lnRef>
+          <a:fillRef idx="1">
+            <a:schemeClr val="accent1"/>
+          </a:fillRef>
+          <a:effectRef idx="0">
+            <a:schemeClr val="accent1"/>
+          </a:effectRef>
+          <a:fontRef idx="minor"/>
+        </p:style>
+        <p:txBody>
+          <a:bodyPr rtlCol="0" anchor="ctr"/>
+          <a:lstStyle/>
+          <a:p>
+            <a:pPr algn="ctr"/>
+            <a:endParaRPr lang="ko-KR" altLang="en-US">
+              <a:solidFill>
+                <a:schemeClr val="tx1"/>
+              </a:solidFill>
+            </a:endParaRPr>
+          </a:p>
+        </p:txBody>
+      </p:sp>
+      <p:cxnSp>
+        <p:nvCxnSpPr>
+          <p:cNvPr id="41" name="직선 화살표 연결선 40">
+            <a:extLst>
+              <a:ext uri="{FF2B5EF4-FFF2-40B4-BE49-F238E27FC236}">
+                <a16:creationId xmlns:a16="http://schemas.microsoft.com/office/drawing/2014/main" id="{EF655D0B-57C2-D396-C0C2-4C1B1B1579C5}"/>
+              </a:ext>
+            </a:extLst>
+          </p:cNvPr>
+          <p:cNvCxnSpPr>
+            <a:cxnSpLocks/>
+          </p:cNvCxnSpPr>
+          <p:nvPr/>
+        </p:nvCxnSpPr>
+        <p:spPr>
+          <a:xfrm>
+            <a:off x="1349154" y="2070132"/>
+            <a:ext cx="562312" cy="0"/>
+          </a:xfrm>
+          <a:prstGeom prst="straightConnector1">
+            <a:avLst/>
+          </a:prstGeom>
+          <a:ln w="19050">
+            <a:solidFill>
+              <a:srgbClr val="FF0066"/>
+            </a:solidFill>
+            <a:headEnd type="none" w="med" len="med"/>
+            <a:tailEnd type="arrow" w="med" len="med"/>
+          </a:ln>
+          <a:effectLst/>
+        </p:spPr>
+        <p:style>
+          <a:lnRef idx="1">
+            <a:schemeClr val="accent1"/>
+          </a:lnRef>
+          <a:fillRef idx="0">
+            <a:schemeClr val="accent1"/>
+          </a:fillRef>
+          <a:effectRef idx="0">
+            <a:schemeClr val="accent1"/>
+          </a:effectRef>
+          <a:fontRef idx="minor">
+            <a:schemeClr val="tx1"/>
+          </a:fontRef>
+        </p:style>
+      </p:cxnSp>
+      <p:cxnSp>
+        <p:nvCxnSpPr>
+          <p:cNvPr id="42" name="직선 화살표 연결선 41">
+            <a:extLst>
+              <a:ext uri="{FF2B5EF4-FFF2-40B4-BE49-F238E27FC236}">
+                <a16:creationId xmlns:a16="http://schemas.microsoft.com/office/drawing/2014/main" id="{F77B7A3C-A062-3359-89B8-2D4BBA14570A}"/>
+              </a:ext>
+            </a:extLst>
+          </p:cNvPr>
+          <p:cNvCxnSpPr>
+            <a:cxnSpLocks/>
+          </p:cNvCxnSpPr>
+          <p:nvPr/>
+        </p:nvCxnSpPr>
+        <p:spPr>
+          <a:xfrm>
+            <a:off x="2312398" y="3195545"/>
+            <a:ext cx="0" cy="161034"/>
+          </a:xfrm>
+          <a:prstGeom prst="straightConnector1">
+            <a:avLst/>
+          </a:prstGeom>
+          <a:ln w="19050">
+            <a:solidFill>
+              <a:schemeClr val="bg1">
+                <a:lumMod val="75000"/>
+              </a:schemeClr>
+            </a:solidFill>
+            <a:headEnd type="none" w="med" len="med"/>
+            <a:tailEnd type="arrow" w="med" len="med"/>
+          </a:ln>
+          <a:effectLst/>
+        </p:spPr>
+        <p:style>
+          <a:lnRef idx="1">
+            <a:schemeClr val="accent1"/>
+          </a:lnRef>
+          <a:fillRef idx="0">
+            <a:schemeClr val="accent1"/>
+          </a:fillRef>
+          <a:effectRef idx="0">
+            <a:schemeClr val="accent1"/>
+          </a:effectRef>
+          <a:fontRef idx="minor">
+            <a:schemeClr val="tx1"/>
+          </a:fontRef>
+        </p:style>
+      </p:cxnSp>
+      <p:sp>
+        <p:nvSpPr>
+          <p:cNvPr id="43" name="직사각형 42">
+            <a:extLst>
+              <a:ext uri="{FF2B5EF4-FFF2-40B4-BE49-F238E27FC236}">
+                <a16:creationId xmlns:a16="http://schemas.microsoft.com/office/drawing/2014/main" id="{B980EDA5-D70F-02A7-3BF5-A4EDF75DBD58}"/>
+              </a:ext>
+            </a:extLst>
+          </p:cNvPr>
+          <p:cNvSpPr/>
+          <p:nvPr/>
+        </p:nvSpPr>
+        <p:spPr>
+          <a:xfrm flipH="1">
+            <a:off x="2904667" y="3740414"/>
+            <a:ext cx="29652" cy="339467"/>
+          </a:xfrm>
+          <a:prstGeom prst="rect">
+            <a:avLst/>
+          </a:prstGeom>
+          <a:solidFill>
+            <a:schemeClr val="accent4"/>
+          </a:solidFill>
+          <a:ln w="12700">
+            <a:solidFill>
+              <a:srgbClr val="000000"/>
+            </a:solidFill>
+          </a:ln>
+        </p:spPr>
+        <p:style>
+          <a:lnRef idx="2">
+            <a:schemeClr val="accent1">
+              <a:shade val="50000"/>
+            </a:schemeClr>
+          </a:lnRef>
+          <a:fillRef idx="1">
+            <a:schemeClr val="accent1"/>
+          </a:fillRef>
+          <a:effectRef idx="0">
+            <a:schemeClr val="accent1"/>
+          </a:effectRef>
+          <a:fontRef idx="minor"/>
+        </p:style>
+        <p:txBody>
+          <a:bodyPr rtlCol="0" anchor="ctr"/>
+          <a:lstStyle/>
+          <a:p>
+            <a:pPr algn="ctr"/>
+            <a:endParaRPr lang="ko-KR" altLang="en-US">
+              <a:solidFill>
+                <a:schemeClr val="tx1"/>
+              </a:solidFill>
+            </a:endParaRPr>
+          </a:p>
+        </p:txBody>
+      </p:sp>
+      <p:sp>
+        <p:nvSpPr>
+          <p:cNvPr id="44" name="직사각형 43">
+            <a:extLst>
+              <a:ext uri="{FF2B5EF4-FFF2-40B4-BE49-F238E27FC236}">
+                <a16:creationId xmlns:a16="http://schemas.microsoft.com/office/drawing/2014/main" id="{D440EA7C-1EDA-1574-E4CD-62C0A764A417}"/>
+              </a:ext>
+            </a:extLst>
+          </p:cNvPr>
+          <p:cNvSpPr/>
+          <p:nvPr/>
+        </p:nvSpPr>
+        <p:spPr>
+          <a:xfrm>
+            <a:off x="2905359" y="3438012"/>
+            <a:ext cx="28266" cy="336352"/>
+          </a:xfrm>
+          <a:prstGeom prst="rect">
+            <a:avLst/>
+          </a:prstGeom>
+          <a:solidFill>
+            <a:schemeClr val="accent4"/>
+          </a:solidFill>
+          <a:ln w="12700">
+            <a:solidFill>
+              <a:srgbClr val="000000"/>
+            </a:solidFill>
+          </a:ln>
+        </p:spPr>
+        <p:style>
+          <a:lnRef idx="2">
+            <a:schemeClr val="accent1">
+              <a:shade val="50000"/>
+            </a:schemeClr>
+          </a:lnRef>
+          <a:fillRef idx="1">
+            <a:schemeClr val="accent1"/>
+          </a:fillRef>
+          <a:effectRef idx="0">
+            <a:schemeClr val="accent1"/>
+          </a:effectRef>
+          <a:fontRef idx="minor"/>
+        </p:style>
+        <p:txBody>
+          <a:bodyPr rtlCol="0" anchor="ctr"/>
+          <a:lstStyle/>
+          <a:p>
+            <a:pPr algn="ctr"/>
+            <a:endParaRPr lang="ko-KR" altLang="en-US">
+              <a:solidFill>
+                <a:schemeClr val="tx1"/>
+              </a:solidFill>
+            </a:endParaRPr>
+          </a:p>
+        </p:txBody>
+      </p:sp>
+      <p:sp>
+        <p:nvSpPr>
+          <p:cNvPr id="45" name="직사각형 260">
+            <a:extLst>
+              <a:ext uri="{FF2B5EF4-FFF2-40B4-BE49-F238E27FC236}">
+                <a16:creationId xmlns:a16="http://schemas.microsoft.com/office/drawing/2014/main" id="{53B4E934-E8F2-8BB7-969D-4BAE9E492634}"/>
+              </a:ext>
+            </a:extLst>
+          </p:cNvPr>
+          <p:cNvSpPr/>
+          <p:nvPr/>
+        </p:nvSpPr>
+        <p:spPr>
+          <a:xfrm>
+            <a:off x="3546837" y="2819319"/>
+            <a:ext cx="426497" cy="425580"/>
+          </a:xfrm>
+          <a:prstGeom prst="rect">
+            <a:avLst/>
+          </a:prstGeom>
+          <a:solidFill>
+            <a:schemeClr val="accent6">
+              <a:lumMod val="20000"/>
+              <a:lumOff val="80000"/>
+            </a:schemeClr>
+          </a:solidFill>
+          <a:ln w="12700">
+            <a:solidFill>
+              <a:srgbClr val="000000"/>
+            </a:solidFill>
+          </a:ln>
+        </p:spPr>
+        <p:style>
+          <a:lnRef idx="2">
+            <a:schemeClr val="accent1">
+              <a:shade val="50000"/>
+            </a:schemeClr>
+          </a:lnRef>
+          <a:fillRef idx="1">
+            <a:schemeClr val="accent1"/>
+          </a:fillRef>
+          <a:effectRef idx="0">
+            <a:schemeClr val="accent1"/>
+          </a:effectRef>
+          <a:fontRef idx="minor"/>
+        </p:style>
+      </p:sp>
+      <p:sp>
+        <p:nvSpPr>
+          <p:cNvPr id="47" name="직사각형 260">
+            <a:extLst>
+              <a:ext uri="{FF2B5EF4-FFF2-40B4-BE49-F238E27FC236}">
+                <a16:creationId xmlns:a16="http://schemas.microsoft.com/office/drawing/2014/main" id="{DAE4E150-901B-3154-2C14-173BBB3B9017}"/>
+              </a:ext>
+            </a:extLst>
+          </p:cNvPr>
+          <p:cNvSpPr/>
+          <p:nvPr/>
+        </p:nvSpPr>
+        <p:spPr>
+          <a:xfrm>
+            <a:off x="3973333" y="4298453"/>
+            <a:ext cx="426497" cy="425580"/>
+          </a:xfrm>
+          <a:prstGeom prst="rect">
+            <a:avLst/>
+          </a:prstGeom>
+          <a:solidFill>
+            <a:schemeClr val="accent6">
+              <a:lumMod val="20000"/>
+              <a:lumOff val="80000"/>
+            </a:schemeClr>
+          </a:solidFill>
+          <a:ln w="12700">
+            <a:solidFill>
+              <a:srgbClr val="000000"/>
+            </a:solidFill>
+          </a:ln>
+        </p:spPr>
+        <p:style>
+          <a:lnRef idx="2">
+            <a:schemeClr val="accent1">
+              <a:shade val="50000"/>
+            </a:schemeClr>
+          </a:lnRef>
+          <a:fillRef idx="1">
+            <a:schemeClr val="accent1"/>
+          </a:fillRef>
+          <a:effectRef idx="0">
+            <a:schemeClr val="accent1"/>
+          </a:effectRef>
+          <a:fontRef idx="minor"/>
+        </p:style>
+      </p:sp>
+      <p:grpSp>
+        <p:nvGrpSpPr>
+          <p:cNvPr id="73" name="그룹 72">
+            <a:extLst>
+              <a:ext uri="{FF2B5EF4-FFF2-40B4-BE49-F238E27FC236}">
+                <a16:creationId xmlns:a16="http://schemas.microsoft.com/office/drawing/2014/main" id="{75400AE3-82E7-23A4-92A9-EC2DA336C0CB}"/>
+              </a:ext>
+            </a:extLst>
+          </p:cNvPr>
+          <p:cNvGrpSpPr/>
+          <p:nvPr/>
+        </p:nvGrpSpPr>
+        <p:grpSpPr>
+          <a:xfrm>
+            <a:off x="4818644" y="2819319"/>
+            <a:ext cx="946687" cy="1266863"/>
+            <a:chOff x="6996273" y="2835528"/>
+            <a:chExt cx="1783743" cy="2387018"/>
+          </a:xfrm>
+          <a:solidFill>
+            <a:schemeClr val="accent6">
+              <a:lumMod val="60000"/>
+              <a:lumOff val="40000"/>
+            </a:schemeClr>
+          </a:solidFill>
+        </p:grpSpPr>
+        <p:sp>
+          <p:nvSpPr>
+            <p:cNvPr id="74" name="직사각형 260">
+              <a:extLst>
+                <a:ext uri="{FF2B5EF4-FFF2-40B4-BE49-F238E27FC236}">
+                  <a16:creationId xmlns:a16="http://schemas.microsoft.com/office/drawing/2014/main" id="{06D3F364-C84A-0A93-5A61-15489912E9F5}"/>
+                </a:ext>
+              </a:extLst>
+            </p:cNvPr>
+            <p:cNvSpPr/>
+            <p:nvPr/>
+          </p:nvSpPr>
+          <p:spPr>
+            <a:xfrm>
+              <a:off x="6996273" y="2835528"/>
+              <a:ext cx="1783743" cy="801876"/>
+            </a:xfrm>
+            <a:prstGeom prst="rect">
+              <a:avLst/>
+            </a:prstGeom>
+            <a:grpFill/>
+            <a:ln w="12700">
+              <a:solidFill>
+                <a:srgbClr val="000000"/>
+              </a:solidFill>
+            </a:ln>
+          </p:spPr>
+          <p:style>
+            <a:lnRef idx="2">
+              <a:schemeClr val="accent1">
+                <a:shade val="50000"/>
+              </a:schemeClr>
+            </a:lnRef>
+            <a:fillRef idx="1">
+              <a:schemeClr val="accent1"/>
+            </a:fillRef>
+            <a:effectRef idx="0">
+              <a:schemeClr val="accent1"/>
+            </a:effectRef>
+            <a:fontRef idx="minor"/>
+          </p:style>
+        </p:sp>
+        <p:sp>
+          <p:nvSpPr>
+            <p:cNvPr id="75" name="직사각형 260">
+              <a:extLst>
+                <a:ext uri="{FF2B5EF4-FFF2-40B4-BE49-F238E27FC236}">
+                  <a16:creationId xmlns:a16="http://schemas.microsoft.com/office/drawing/2014/main" id="{513B203D-8008-D6D5-927D-38AA8201DF15}"/>
+                </a:ext>
+              </a:extLst>
+            </p:cNvPr>
+            <p:cNvSpPr/>
+            <p:nvPr/>
+          </p:nvSpPr>
+          <p:spPr>
+            <a:xfrm>
+              <a:off x="7892249" y="3640924"/>
+              <a:ext cx="887767" cy="1581622"/>
+            </a:xfrm>
+            <a:prstGeom prst="rect">
+              <a:avLst/>
+            </a:prstGeom>
+            <a:grpFill/>
+            <a:ln w="12700">
+              <a:solidFill>
+                <a:srgbClr val="000000"/>
+              </a:solidFill>
+            </a:ln>
+          </p:spPr>
+          <p:style>
+            <a:lnRef idx="2">
+              <a:schemeClr val="accent1">
+                <a:shade val="50000"/>
+              </a:schemeClr>
+            </a:lnRef>
+            <a:fillRef idx="1">
+              <a:schemeClr val="accent1"/>
+            </a:fillRef>
+            <a:effectRef idx="0">
+              <a:schemeClr val="accent1"/>
+            </a:effectRef>
+            <a:fontRef idx="minor"/>
+          </p:style>
+        </p:sp>
+        <p:sp>
+          <p:nvSpPr>
+            <p:cNvPr id="76" name="직사각형 260">
+              <a:extLst>
+                <a:ext uri="{FF2B5EF4-FFF2-40B4-BE49-F238E27FC236}">
+                  <a16:creationId xmlns:a16="http://schemas.microsoft.com/office/drawing/2014/main" id="{C8F21610-F033-10C8-194D-D6A8516FEB8D}"/>
+                </a:ext>
+              </a:extLst>
+            </p:cNvPr>
+            <p:cNvSpPr/>
+            <p:nvPr/>
+          </p:nvSpPr>
+          <p:spPr>
+            <a:xfrm>
+              <a:off x="7899400" y="3292730"/>
+              <a:ext cx="875030" cy="1581622"/>
+            </a:xfrm>
+            <a:prstGeom prst="rect">
+              <a:avLst/>
+            </a:prstGeom>
+            <a:grpFill/>
+            <a:ln w="12700">
+              <a:noFill/>
+            </a:ln>
+          </p:spPr>
+          <p:style>
+            <a:lnRef idx="2">
+              <a:schemeClr val="accent1">
+                <a:shade val="50000"/>
+              </a:schemeClr>
+            </a:lnRef>
+            <a:fillRef idx="1">
+              <a:schemeClr val="accent1"/>
+            </a:fillRef>
+            <a:effectRef idx="0">
+              <a:schemeClr val="accent1"/>
+            </a:effectRef>
+            <a:fontRef idx="minor"/>
+          </p:style>
+        </p:sp>
+      </p:grpSp>
+      <p:cxnSp>
+        <p:nvCxnSpPr>
+          <p:cNvPr id="77" name="직선 화살표 연결선 76">
+            <a:extLst>
+              <a:ext uri="{FF2B5EF4-FFF2-40B4-BE49-F238E27FC236}">
+                <a16:creationId xmlns:a16="http://schemas.microsoft.com/office/drawing/2014/main" id="{232E29E3-2D2C-7C13-EF11-CF34E217A9B8}"/>
+              </a:ext>
+            </a:extLst>
+          </p:cNvPr>
+          <p:cNvCxnSpPr>
+            <a:cxnSpLocks/>
+          </p:cNvCxnSpPr>
+          <p:nvPr/>
+        </p:nvCxnSpPr>
+        <p:spPr>
+          <a:xfrm>
+            <a:off x="2905359" y="3365761"/>
+            <a:ext cx="2857007" cy="0"/>
+          </a:xfrm>
+          <a:prstGeom prst="straightConnector1">
+            <a:avLst/>
+          </a:prstGeom>
+          <a:ln>
+            <a:solidFill>
+              <a:schemeClr val="bg1"/>
+            </a:solidFill>
+            <a:headEnd type="arrow" w="med" len="med"/>
+            <a:tailEnd type="arrow" w="med" len="med"/>
+          </a:ln>
+          <a:effectLst>
+            <a:glow rad="101600">
+              <a:srgbClr val="9966FF">
+                <a:alpha val="40000"/>
+              </a:srgbClr>
+            </a:glow>
+          </a:effectLst>
+        </p:spPr>
+        <p:style>
+          <a:lnRef idx="1">
+            <a:schemeClr val="accent1"/>
+          </a:lnRef>
+          <a:fillRef idx="0">
+            <a:schemeClr val="accent1"/>
+          </a:fillRef>
+          <a:effectRef idx="0">
+            <a:schemeClr val="accent1"/>
+          </a:effectRef>
+          <a:fontRef idx="minor">
+            <a:schemeClr val="tx1"/>
+          </a:fontRef>
+        </p:style>
+      </p:cxnSp>
+      <p:cxnSp>
+        <p:nvCxnSpPr>
+          <p:cNvPr id="78" name="직선 화살표 연결선 77">
+            <a:extLst>
+              <a:ext uri="{FF2B5EF4-FFF2-40B4-BE49-F238E27FC236}">
+                <a16:creationId xmlns:a16="http://schemas.microsoft.com/office/drawing/2014/main" id="{8564250C-72CC-027D-3A7B-B992DD82AF7C}"/>
+              </a:ext>
+            </a:extLst>
+          </p:cNvPr>
+          <p:cNvCxnSpPr>
+            <a:cxnSpLocks/>
+          </p:cNvCxnSpPr>
+          <p:nvPr/>
+        </p:nvCxnSpPr>
+        <p:spPr>
+          <a:xfrm>
+            <a:off x="2905359" y="4146927"/>
+            <a:ext cx="2857007" cy="0"/>
+          </a:xfrm>
+          <a:prstGeom prst="straightConnector1">
+            <a:avLst/>
+          </a:prstGeom>
+          <a:ln>
+            <a:solidFill>
+              <a:schemeClr val="bg1"/>
+            </a:solidFill>
+            <a:headEnd type="arrow" w="med" len="med"/>
+            <a:tailEnd type="arrow" w="med" len="med"/>
+          </a:ln>
+          <a:effectLst>
+            <a:glow rad="101600">
+              <a:srgbClr val="9966FF">
+                <a:alpha val="40000"/>
+              </a:srgbClr>
+            </a:glow>
+          </a:effectLst>
+        </p:spPr>
+        <p:style>
+          <a:lnRef idx="1">
+            <a:schemeClr val="accent1"/>
+          </a:lnRef>
+          <a:fillRef idx="0">
+            <a:schemeClr val="accent1"/>
+          </a:fillRef>
+          <a:effectRef idx="0">
+            <a:schemeClr val="accent1"/>
+          </a:effectRef>
+          <a:fontRef idx="minor">
+            <a:schemeClr val="tx1"/>
+          </a:fontRef>
+        </p:style>
+      </p:cxnSp>
+      <p:cxnSp>
+        <p:nvCxnSpPr>
+          <p:cNvPr id="88" name="직선 연결선 87">
+            <a:extLst>
+              <a:ext uri="{FF2B5EF4-FFF2-40B4-BE49-F238E27FC236}">
+                <a16:creationId xmlns:a16="http://schemas.microsoft.com/office/drawing/2014/main" id="{B5973A71-6168-1FE6-68FD-2FEF8534E767}"/>
+              </a:ext>
+            </a:extLst>
+          </p:cNvPr>
+          <p:cNvCxnSpPr/>
+          <p:nvPr/>
+        </p:nvCxnSpPr>
+        <p:spPr>
+          <a:xfrm>
+            <a:off x="4818644" y="3262173"/>
+            <a:ext cx="473343" cy="0"/>
+          </a:xfrm>
+          <a:prstGeom prst="line">
+            <a:avLst/>
+          </a:prstGeom>
+          <a:ln w="57150">
+            <a:solidFill>
+              <a:srgbClr val="33CCCC"/>
+            </a:solidFill>
+          </a:ln>
+        </p:spPr>
+        <p:style>
+          <a:lnRef idx="1">
+            <a:schemeClr val="accent1"/>
+          </a:lnRef>
+          <a:fillRef idx="0">
+            <a:schemeClr val="accent1"/>
+          </a:fillRef>
+          <a:effectRef idx="0">
+            <a:schemeClr val="accent1"/>
+          </a:effectRef>
+          <a:fontRef idx="minor">
+            <a:schemeClr val="tx1"/>
+          </a:fontRef>
+        </p:style>
+      </p:cxnSp>
+      <p:cxnSp>
+        <p:nvCxnSpPr>
+          <p:cNvPr id="89" name="직선 연결선 88">
+            <a:extLst>
+              <a:ext uri="{FF2B5EF4-FFF2-40B4-BE49-F238E27FC236}">
+                <a16:creationId xmlns:a16="http://schemas.microsoft.com/office/drawing/2014/main" id="{5FC1CAD0-F718-2EA4-1EE9-C6C3B7567905}"/>
+              </a:ext>
+            </a:extLst>
+          </p:cNvPr>
+          <p:cNvCxnSpPr/>
+          <p:nvPr/>
+        </p:nvCxnSpPr>
+        <p:spPr>
+          <a:xfrm>
+            <a:off x="5286229" y="3244898"/>
+            <a:ext cx="0" cy="841283"/>
+          </a:xfrm>
+          <a:prstGeom prst="line">
+            <a:avLst/>
+          </a:prstGeom>
+          <a:ln w="57150">
+            <a:solidFill>
+              <a:srgbClr val="33CCCC"/>
+            </a:solidFill>
+          </a:ln>
+        </p:spPr>
+        <p:style>
+          <a:lnRef idx="1">
+            <a:schemeClr val="accent1"/>
+          </a:lnRef>
+          <a:fillRef idx="0">
+            <a:schemeClr val="accent1"/>
+          </a:fillRef>
+          <a:effectRef idx="0">
+            <a:schemeClr val="accent1"/>
+          </a:effectRef>
+          <a:fontRef idx="minor">
+            <a:schemeClr val="tx1"/>
+          </a:fontRef>
+        </p:style>
+      </p:cxnSp>
+      <p:cxnSp>
+        <p:nvCxnSpPr>
+          <p:cNvPr id="90" name="직선 연결선 89">
+            <a:extLst>
+              <a:ext uri="{FF2B5EF4-FFF2-40B4-BE49-F238E27FC236}">
+                <a16:creationId xmlns:a16="http://schemas.microsoft.com/office/drawing/2014/main" id="{BFE681F5-7F21-E3A3-35C0-45EE64E39C00}"/>
+              </a:ext>
+            </a:extLst>
+          </p:cNvPr>
+          <p:cNvCxnSpPr>
+            <a:cxnSpLocks/>
+          </p:cNvCxnSpPr>
+          <p:nvPr/>
+        </p:nvCxnSpPr>
+        <p:spPr>
+          <a:xfrm>
+            <a:off x="5280471" y="4087668"/>
+            <a:ext cx="481895" cy="0"/>
+          </a:xfrm>
+          <a:prstGeom prst="line">
+            <a:avLst/>
+          </a:prstGeom>
+          <a:ln w="57150">
+            <a:solidFill>
+              <a:srgbClr val="33CCCC"/>
+            </a:solidFill>
+          </a:ln>
+        </p:spPr>
+        <p:style>
+          <a:lnRef idx="1">
+            <a:schemeClr val="accent1"/>
+          </a:lnRef>
+          <a:fillRef idx="0">
+            <a:schemeClr val="accent1"/>
+          </a:fillRef>
+          <a:effectRef idx="0">
+            <a:schemeClr val="accent1"/>
+          </a:effectRef>
+          <a:fontRef idx="minor">
+            <a:schemeClr val="tx1"/>
+          </a:fontRef>
+        </p:style>
+      </p:cxnSp>
+      <p:sp>
+        <p:nvSpPr>
+          <p:cNvPr id="101" name="직사각형 100">
+            <a:extLst>
+              <a:ext uri="{FF2B5EF4-FFF2-40B4-BE49-F238E27FC236}">
+                <a16:creationId xmlns:a16="http://schemas.microsoft.com/office/drawing/2014/main" id="{44963F90-259D-E86D-F48C-936656091DCA}"/>
+              </a:ext>
+            </a:extLst>
+          </p:cNvPr>
+          <p:cNvSpPr/>
+          <p:nvPr/>
+        </p:nvSpPr>
+        <p:spPr>
+          <a:xfrm>
+            <a:off x="4158010" y="4640016"/>
+            <a:ext cx="80095" cy="80095"/>
+          </a:xfrm>
+          <a:prstGeom prst="rect">
+            <a:avLst/>
+          </a:prstGeom>
+          <a:solidFill>
+            <a:srgbClr val="3366FF"/>
+          </a:solidFill>
+          <a:ln w="12700">
+            <a:solidFill>
+              <a:srgbClr val="000000"/>
+            </a:solidFill>
+          </a:ln>
+        </p:spPr>
+        <p:style>
+          <a:lnRef idx="2">
+            <a:schemeClr val="accent1">
+              <a:shade val="50000"/>
+            </a:schemeClr>
+          </a:lnRef>
+          <a:fillRef idx="1">
+            <a:schemeClr val="accent1"/>
+          </a:fillRef>
+          <a:effectRef idx="0">
+            <a:schemeClr val="accent1"/>
+          </a:effectRef>
+          <a:fontRef idx="minor"/>
+        </p:style>
+        <p:txBody>
+          <a:bodyPr rtlCol="0" anchor="ctr"/>
+          <a:lstStyle/>
+          <a:p>
+            <a:pPr algn="ctr"/>
+            <a:endParaRPr lang="ko-KR" altLang="en-US" sz="1000" dirty="0"/>
+          </a:p>
+        </p:txBody>
+      </p:sp>
+      <p:sp>
+        <p:nvSpPr>
+          <p:cNvPr id="102" name="직사각형 101">
+            <a:extLst>
+              <a:ext uri="{FF2B5EF4-FFF2-40B4-BE49-F238E27FC236}">
+                <a16:creationId xmlns:a16="http://schemas.microsoft.com/office/drawing/2014/main" id="{0A353AEC-F423-D07B-0A44-EAD219354E3A}"/>
+              </a:ext>
+            </a:extLst>
+          </p:cNvPr>
+          <p:cNvSpPr/>
+          <p:nvPr/>
+        </p:nvSpPr>
+        <p:spPr>
+          <a:xfrm>
+            <a:off x="4818213" y="2817435"/>
+            <a:ext cx="29651" cy="460139"/>
+          </a:xfrm>
+          <a:prstGeom prst="rect">
+            <a:avLst/>
+          </a:prstGeom>
+          <a:solidFill>
+            <a:srgbClr val="3366FF"/>
+          </a:solidFill>
+          <a:ln w="12700">
+            <a:solidFill>
+              <a:srgbClr val="000000"/>
+            </a:solidFill>
+          </a:ln>
+        </p:spPr>
+        <p:style>
+          <a:lnRef idx="2">
+            <a:schemeClr val="accent1">
+              <a:shade val="50000"/>
+            </a:schemeClr>
+          </a:lnRef>
+          <a:fillRef idx="1">
+            <a:schemeClr val="accent1"/>
+          </a:fillRef>
+          <a:effectRef idx="0">
+            <a:schemeClr val="accent1"/>
+          </a:effectRef>
+          <a:fontRef idx="minor"/>
+        </p:style>
+        <p:txBody>
+          <a:bodyPr rtlCol="0" anchor="ctr"/>
+          <a:lstStyle/>
+          <a:p>
+            <a:pPr algn="ctr"/>
+            <a:endParaRPr lang="ko-KR" altLang="en-US" sz="1000">
+              <a:solidFill>
+                <a:schemeClr val="tx1"/>
+              </a:solidFill>
+            </a:endParaRPr>
+          </a:p>
+        </p:txBody>
+      </p:sp>
+      <p:sp>
+        <p:nvSpPr>
+          <p:cNvPr id="103" name="직사각형 102">
+            <a:extLst>
+              <a:ext uri="{FF2B5EF4-FFF2-40B4-BE49-F238E27FC236}">
+                <a16:creationId xmlns:a16="http://schemas.microsoft.com/office/drawing/2014/main" id="{8A5BA026-F8F1-B175-161F-6F2CD4FBC1A0}"/>
+              </a:ext>
+            </a:extLst>
+          </p:cNvPr>
+          <p:cNvSpPr/>
+          <p:nvPr/>
+        </p:nvSpPr>
+        <p:spPr>
+          <a:xfrm>
+            <a:off x="3725347" y="2981397"/>
+            <a:ext cx="80095" cy="80095"/>
+          </a:xfrm>
+          <a:prstGeom prst="rect">
+            <a:avLst/>
+          </a:prstGeom>
+          <a:solidFill>
+            <a:schemeClr val="bg1">
+              <a:lumMod val="85000"/>
+            </a:schemeClr>
+          </a:solidFill>
+          <a:ln w="12700">
+            <a:solidFill>
+              <a:srgbClr val="000000"/>
+            </a:solidFill>
+          </a:ln>
+        </p:spPr>
+        <p:style>
+          <a:lnRef idx="2">
+            <a:schemeClr val="accent1">
+              <a:shade val="50000"/>
+            </a:schemeClr>
+          </a:lnRef>
+          <a:fillRef idx="1">
+            <a:schemeClr val="accent1"/>
+          </a:fillRef>
+          <a:effectRef idx="0">
+            <a:schemeClr val="accent1"/>
+          </a:effectRef>
+          <a:fontRef idx="minor"/>
+        </p:style>
+        <p:txBody>
+          <a:bodyPr rtlCol="0" anchor="ctr"/>
+          <a:lstStyle/>
+          <a:p>
+            <a:pPr algn="ctr"/>
+            <a:r>
+              <a:rPr lang="en-US" altLang="ko-KR" sz="1000" dirty="0"/>
+              <a:t>A</a:t>
+            </a:r>
+            <a:endParaRPr lang="ko-KR" altLang="en-US" sz="1000" dirty="0"/>
+          </a:p>
+        </p:txBody>
+      </p:sp>
+      <p:grpSp>
+        <p:nvGrpSpPr>
+          <p:cNvPr id="2" name="그룹 1">
+            <a:extLst>
+              <a:ext uri="{FF2B5EF4-FFF2-40B4-BE49-F238E27FC236}">
+                <a16:creationId xmlns:a16="http://schemas.microsoft.com/office/drawing/2014/main" id="{69DF768A-3084-DB38-82F9-DE9C23D66E00}"/>
+              </a:ext>
+            </a:extLst>
+          </p:cNvPr>
+          <p:cNvGrpSpPr/>
+          <p:nvPr/>
+        </p:nvGrpSpPr>
+        <p:grpSpPr>
+          <a:xfrm>
+            <a:off x="1349154" y="2185982"/>
+            <a:ext cx="29629" cy="3335094"/>
+            <a:chOff x="800199" y="2705689"/>
+            <a:chExt cx="29629" cy="3335094"/>
+          </a:xfrm>
+        </p:grpSpPr>
+        <p:grpSp>
+          <p:nvGrpSpPr>
+            <p:cNvPr id="48" name="그룹 47">
+              <a:extLst>
+                <a:ext uri="{FF2B5EF4-FFF2-40B4-BE49-F238E27FC236}">
+                  <a16:creationId xmlns:a16="http://schemas.microsoft.com/office/drawing/2014/main" id="{F7ED1CB9-B4FC-43C6-9501-2D2365C172A4}"/>
+                </a:ext>
+              </a:extLst>
+            </p:cNvPr>
+            <p:cNvGrpSpPr/>
+            <p:nvPr/>
+          </p:nvGrpSpPr>
+          <p:grpSpPr>
+            <a:xfrm>
+              <a:off x="800199" y="2705689"/>
+              <a:ext cx="29629" cy="1838329"/>
+              <a:chOff x="1173094" y="3197399"/>
+              <a:chExt cx="45685" cy="2834482"/>
+            </a:xfrm>
+          </p:grpSpPr>
+          <p:sp>
+            <p:nvSpPr>
+              <p:cNvPr id="49" name="타원 48">
+                <a:extLst>
+                  <a:ext uri="{FF2B5EF4-FFF2-40B4-BE49-F238E27FC236}">
+                    <a16:creationId xmlns:a16="http://schemas.microsoft.com/office/drawing/2014/main" id="{5FEA3B16-108B-E3C7-135A-C233BF00E923}"/>
+                  </a:ext>
+                </a:extLst>
+              </p:cNvPr>
+              <p:cNvSpPr/>
+              <p:nvPr/>
+            </p:nvSpPr>
+            <p:spPr>
+              <a:xfrm>
+                <a:off x="1173094" y="4733299"/>
+                <a:ext cx="45685" cy="45685"/>
+              </a:xfrm>
+              <a:prstGeom prst="ellipse">
+                <a:avLst/>
+              </a:prstGeom>
+              <a:solidFill>
+                <a:schemeClr val="bg1"/>
+              </a:solidFill>
+              <a:ln>
+                <a:noFill/>
+                <a:headEnd type="none" w="med" len="med"/>
+                <a:tailEnd type="arrow" w="med" len="med"/>
+              </a:ln>
+              <a:effectLst>
+                <a:glow rad="101600">
+                  <a:srgbClr val="FF0066">
+                    <a:alpha val="40000"/>
+                  </a:srgbClr>
+                </a:glow>
+              </a:effectLst>
+            </p:spPr>
+            <p:style>
+              <a:lnRef idx="1">
+                <a:schemeClr val="accent1"/>
+              </a:lnRef>
+              <a:fillRef idx="0">
+                <a:schemeClr val="accent1"/>
+              </a:fillRef>
+              <a:effectRef idx="0">
+                <a:schemeClr val="accent1"/>
+              </a:effectRef>
+              <a:fontRef idx="minor">
+                <a:schemeClr val="tx1"/>
+              </a:fontRef>
+            </p:style>
+            <p:txBody>
+              <a:bodyPr rtlCol="0" anchor="ctr"/>
+              <a:lstStyle/>
+              <a:p>
+                <a:pPr algn="ctr"/>
+                <a:endParaRPr lang="ko-KR" altLang="en-US" dirty="0"/>
+              </a:p>
+            </p:txBody>
+          </p:sp>
+          <p:sp>
+            <p:nvSpPr>
+              <p:cNvPr id="50" name="타원 49">
+                <a:extLst>
+                  <a:ext uri="{FF2B5EF4-FFF2-40B4-BE49-F238E27FC236}">
+                    <a16:creationId xmlns:a16="http://schemas.microsoft.com/office/drawing/2014/main" id="{F6F471D6-051F-75AE-C28D-089AE7FF8BA7}"/>
+                  </a:ext>
+                </a:extLst>
+              </p:cNvPr>
+              <p:cNvSpPr/>
+              <p:nvPr/>
+            </p:nvSpPr>
+            <p:spPr>
+              <a:xfrm>
+                <a:off x="1173094" y="4596865"/>
+                <a:ext cx="45685" cy="45685"/>
+              </a:xfrm>
+              <a:prstGeom prst="ellipse">
+                <a:avLst/>
+              </a:prstGeom>
+              <a:solidFill>
+                <a:schemeClr val="bg1"/>
+              </a:solidFill>
+              <a:ln>
+                <a:noFill/>
+                <a:headEnd type="none" w="med" len="med"/>
+                <a:tailEnd type="arrow" w="med" len="med"/>
+              </a:ln>
+              <a:effectLst>
+                <a:glow rad="101600">
+                  <a:srgbClr val="FF0066">
+                    <a:alpha val="40000"/>
+                  </a:srgbClr>
+                </a:glow>
+              </a:effectLst>
+            </p:spPr>
+            <p:style>
+              <a:lnRef idx="1">
+                <a:schemeClr val="accent1"/>
+              </a:lnRef>
+              <a:fillRef idx="0">
+                <a:schemeClr val="accent1"/>
+              </a:fillRef>
+              <a:effectRef idx="0">
+                <a:schemeClr val="accent1"/>
+              </a:effectRef>
+              <a:fontRef idx="minor">
+                <a:schemeClr val="tx1"/>
+              </a:fontRef>
+            </p:style>
+            <p:txBody>
+              <a:bodyPr rtlCol="0" anchor="ctr"/>
+              <a:lstStyle/>
+              <a:p>
+                <a:pPr algn="ctr"/>
+                <a:endParaRPr lang="ko-KR" altLang="en-US" dirty="0"/>
+              </a:p>
+            </p:txBody>
+          </p:sp>
+          <p:sp>
+            <p:nvSpPr>
+              <p:cNvPr id="51" name="타원 50">
+                <a:extLst>
+                  <a:ext uri="{FF2B5EF4-FFF2-40B4-BE49-F238E27FC236}">
+                    <a16:creationId xmlns:a16="http://schemas.microsoft.com/office/drawing/2014/main" id="{229244A8-30C1-3BBC-7345-ACC801BB0087}"/>
+                  </a:ext>
+                </a:extLst>
+              </p:cNvPr>
+              <p:cNvSpPr/>
+              <p:nvPr/>
+            </p:nvSpPr>
+            <p:spPr>
+              <a:xfrm>
+                <a:off x="1173094" y="4471738"/>
+                <a:ext cx="45685" cy="45685"/>
+              </a:xfrm>
+              <a:prstGeom prst="ellipse">
+                <a:avLst/>
+              </a:prstGeom>
+              <a:solidFill>
+                <a:schemeClr val="bg1"/>
+              </a:solidFill>
+              <a:ln>
+                <a:noFill/>
+                <a:headEnd type="none" w="med" len="med"/>
+                <a:tailEnd type="arrow" w="med" len="med"/>
+              </a:ln>
+              <a:effectLst>
+                <a:glow rad="101600">
+                  <a:srgbClr val="FF0066">
+                    <a:alpha val="40000"/>
+                  </a:srgbClr>
+                </a:glow>
+              </a:effectLst>
+            </p:spPr>
+            <p:style>
+              <a:lnRef idx="1">
+                <a:schemeClr val="accent1"/>
+              </a:lnRef>
+              <a:fillRef idx="0">
+                <a:schemeClr val="accent1"/>
+              </a:fillRef>
+              <a:effectRef idx="0">
+                <a:schemeClr val="accent1"/>
+              </a:effectRef>
+              <a:fontRef idx="minor">
+                <a:schemeClr val="tx1"/>
+              </a:fontRef>
+            </p:style>
+            <p:txBody>
+              <a:bodyPr rtlCol="0" anchor="ctr"/>
+              <a:lstStyle/>
+              <a:p>
+                <a:pPr algn="ctr"/>
+                <a:endParaRPr lang="ko-KR" altLang="en-US" dirty="0"/>
+              </a:p>
+            </p:txBody>
+          </p:sp>
+          <p:sp>
+            <p:nvSpPr>
+              <p:cNvPr id="53" name="타원 52">
+                <a:extLst>
+                  <a:ext uri="{FF2B5EF4-FFF2-40B4-BE49-F238E27FC236}">
+                    <a16:creationId xmlns:a16="http://schemas.microsoft.com/office/drawing/2014/main" id="{886DE2BE-44B3-3084-700A-C5C564456D86}"/>
+                  </a:ext>
+                </a:extLst>
+              </p:cNvPr>
+              <p:cNvSpPr/>
+              <p:nvPr/>
+            </p:nvSpPr>
+            <p:spPr>
+              <a:xfrm>
+                <a:off x="1173094" y="4335304"/>
+                <a:ext cx="45685" cy="45685"/>
+              </a:xfrm>
+              <a:prstGeom prst="ellipse">
+                <a:avLst/>
+              </a:prstGeom>
+              <a:solidFill>
+                <a:schemeClr val="bg1"/>
+              </a:solidFill>
+              <a:ln>
+                <a:noFill/>
+                <a:headEnd type="none" w="med" len="med"/>
+                <a:tailEnd type="arrow" w="med" len="med"/>
+              </a:ln>
+              <a:effectLst>
+                <a:glow rad="101600">
+                  <a:srgbClr val="FF0066">
+                    <a:alpha val="40000"/>
+                  </a:srgbClr>
+                </a:glow>
+              </a:effectLst>
+            </p:spPr>
+            <p:style>
+              <a:lnRef idx="1">
+                <a:schemeClr val="accent1"/>
+              </a:lnRef>
+              <a:fillRef idx="0">
+                <a:schemeClr val="accent1"/>
+              </a:fillRef>
+              <a:effectRef idx="0">
+                <a:schemeClr val="accent1"/>
+              </a:effectRef>
+              <a:fontRef idx="minor">
+                <a:schemeClr val="tx1"/>
+              </a:fontRef>
+            </p:style>
+            <p:txBody>
+              <a:bodyPr rtlCol="0" anchor="ctr"/>
+              <a:lstStyle/>
+              <a:p>
+                <a:pPr algn="ctr"/>
+                <a:endParaRPr lang="ko-KR" altLang="en-US" dirty="0"/>
+              </a:p>
+            </p:txBody>
+          </p:sp>
+          <p:sp>
+            <p:nvSpPr>
+              <p:cNvPr id="54" name="타원 53">
+                <a:extLst>
+                  <a:ext uri="{FF2B5EF4-FFF2-40B4-BE49-F238E27FC236}">
+                    <a16:creationId xmlns:a16="http://schemas.microsoft.com/office/drawing/2014/main" id="{7AD2364B-507A-F421-6039-283C3D1D73B5}"/>
+                  </a:ext>
+                </a:extLst>
+              </p:cNvPr>
+              <p:cNvSpPr/>
+              <p:nvPr/>
+            </p:nvSpPr>
+            <p:spPr>
+              <a:xfrm>
+                <a:off x="1173094" y="4188534"/>
+                <a:ext cx="45685" cy="45685"/>
+              </a:xfrm>
+              <a:prstGeom prst="ellipse">
+                <a:avLst/>
+              </a:prstGeom>
+              <a:solidFill>
+                <a:schemeClr val="bg1"/>
+              </a:solidFill>
+              <a:ln>
+                <a:noFill/>
+                <a:headEnd type="none" w="med" len="med"/>
+                <a:tailEnd type="arrow" w="med" len="med"/>
+              </a:ln>
+              <a:effectLst>
+                <a:glow rad="101600">
+                  <a:srgbClr val="FF0066">
+                    <a:alpha val="40000"/>
+                  </a:srgbClr>
+                </a:glow>
+              </a:effectLst>
+            </p:spPr>
+            <p:style>
+              <a:lnRef idx="1">
+                <a:schemeClr val="accent1"/>
+              </a:lnRef>
+              <a:fillRef idx="0">
+                <a:schemeClr val="accent1"/>
+              </a:fillRef>
+              <a:effectRef idx="0">
+                <a:schemeClr val="accent1"/>
+              </a:effectRef>
+              <a:fontRef idx="minor">
+                <a:schemeClr val="tx1"/>
+              </a:fontRef>
+            </p:style>
+            <p:txBody>
+              <a:bodyPr rtlCol="0" anchor="ctr"/>
+              <a:lstStyle/>
+              <a:p>
+                <a:pPr algn="ctr"/>
+                <a:endParaRPr lang="ko-KR" altLang="en-US" dirty="0"/>
+              </a:p>
+            </p:txBody>
+          </p:sp>
+          <p:sp>
+            <p:nvSpPr>
+              <p:cNvPr id="55" name="타원 54">
+                <a:extLst>
+                  <a:ext uri="{FF2B5EF4-FFF2-40B4-BE49-F238E27FC236}">
+                    <a16:creationId xmlns:a16="http://schemas.microsoft.com/office/drawing/2014/main" id="{0CF4E7AE-BF11-E2BF-697B-147500327C8E}"/>
+                  </a:ext>
+                </a:extLst>
+              </p:cNvPr>
+              <p:cNvSpPr/>
+              <p:nvPr/>
+            </p:nvSpPr>
+            <p:spPr>
+              <a:xfrm>
+                <a:off x="1173094" y="5005328"/>
+                <a:ext cx="45685" cy="45685"/>
+              </a:xfrm>
+              <a:prstGeom prst="ellipse">
+                <a:avLst/>
+              </a:prstGeom>
+              <a:solidFill>
+                <a:schemeClr val="bg1"/>
+              </a:solidFill>
+              <a:ln>
+                <a:noFill/>
+                <a:headEnd type="none" w="med" len="med"/>
+                <a:tailEnd type="arrow" w="med" len="med"/>
+              </a:ln>
+              <a:effectLst>
+                <a:glow rad="101600">
+                  <a:srgbClr val="FF0066">
+                    <a:alpha val="40000"/>
+                  </a:srgbClr>
+                </a:glow>
+              </a:effectLst>
+            </p:spPr>
+            <p:style>
+              <a:lnRef idx="1">
+                <a:schemeClr val="accent1"/>
+              </a:lnRef>
+              <a:fillRef idx="0">
+                <a:schemeClr val="accent1"/>
+              </a:fillRef>
+              <a:effectRef idx="0">
+                <a:schemeClr val="accent1"/>
+              </a:effectRef>
+              <a:fontRef idx="minor">
+                <a:schemeClr val="tx1"/>
+              </a:fontRef>
+            </p:style>
+            <p:txBody>
+              <a:bodyPr rtlCol="0" anchor="ctr"/>
+              <a:lstStyle/>
+              <a:p>
+                <a:pPr algn="ctr"/>
+                <a:endParaRPr lang="ko-KR" altLang="en-US" dirty="0"/>
+              </a:p>
+            </p:txBody>
+          </p:sp>
+          <p:sp>
+            <p:nvSpPr>
+              <p:cNvPr id="56" name="타원 55">
+                <a:extLst>
+                  <a:ext uri="{FF2B5EF4-FFF2-40B4-BE49-F238E27FC236}">
+                    <a16:creationId xmlns:a16="http://schemas.microsoft.com/office/drawing/2014/main" id="{125F96C9-2484-68D4-3CB1-0AD226DA8E44}"/>
+                  </a:ext>
+                </a:extLst>
+              </p:cNvPr>
+              <p:cNvSpPr/>
+              <p:nvPr/>
+            </p:nvSpPr>
+            <p:spPr>
+              <a:xfrm>
+                <a:off x="1173094" y="4868894"/>
+                <a:ext cx="45685" cy="45685"/>
+              </a:xfrm>
+              <a:prstGeom prst="ellipse">
+                <a:avLst/>
+              </a:prstGeom>
+              <a:solidFill>
+                <a:schemeClr val="bg1"/>
+              </a:solidFill>
+              <a:ln>
+                <a:noFill/>
+                <a:headEnd type="none" w="med" len="med"/>
+                <a:tailEnd type="arrow" w="med" len="med"/>
+              </a:ln>
+              <a:effectLst>
+                <a:glow rad="101600">
+                  <a:srgbClr val="FF0066">
+                    <a:alpha val="40000"/>
+                  </a:srgbClr>
+                </a:glow>
+              </a:effectLst>
+            </p:spPr>
+            <p:style>
+              <a:lnRef idx="1">
+                <a:schemeClr val="accent1"/>
+              </a:lnRef>
+              <a:fillRef idx="0">
+                <a:schemeClr val="accent1"/>
+              </a:fillRef>
+              <a:effectRef idx="0">
+                <a:schemeClr val="accent1"/>
+              </a:effectRef>
+              <a:fontRef idx="minor">
+                <a:schemeClr val="tx1"/>
+              </a:fontRef>
+            </p:style>
+            <p:txBody>
+              <a:bodyPr rtlCol="0" anchor="ctr"/>
+              <a:lstStyle/>
+              <a:p>
+                <a:pPr algn="ctr"/>
+                <a:endParaRPr lang="ko-KR" altLang="en-US" dirty="0"/>
+              </a:p>
+            </p:txBody>
+          </p:sp>
+          <p:sp>
+            <p:nvSpPr>
+              <p:cNvPr id="57" name="타원 56">
+                <a:extLst>
+                  <a:ext uri="{FF2B5EF4-FFF2-40B4-BE49-F238E27FC236}">
+                    <a16:creationId xmlns:a16="http://schemas.microsoft.com/office/drawing/2014/main" id="{361B3E47-E9CD-66F1-8255-1F311CD4F7CA}"/>
+                  </a:ext>
+                </a:extLst>
+              </p:cNvPr>
+              <p:cNvSpPr/>
+              <p:nvPr/>
+            </p:nvSpPr>
+            <p:spPr>
+              <a:xfrm>
+                <a:off x="1173094" y="5714167"/>
+                <a:ext cx="45685" cy="45685"/>
+              </a:xfrm>
+              <a:prstGeom prst="ellipse">
+                <a:avLst/>
+              </a:prstGeom>
+              <a:solidFill>
+                <a:schemeClr val="bg1"/>
+              </a:solidFill>
+              <a:ln>
+                <a:noFill/>
+                <a:headEnd type="none" w="med" len="med"/>
+                <a:tailEnd type="arrow" w="med" len="med"/>
+              </a:ln>
+              <a:effectLst>
+                <a:glow rad="101600">
+                  <a:srgbClr val="FF0066">
+                    <a:alpha val="40000"/>
+                  </a:srgbClr>
+                </a:glow>
+              </a:effectLst>
+            </p:spPr>
+            <p:style>
+              <a:lnRef idx="1">
+                <a:schemeClr val="accent1"/>
+              </a:lnRef>
+              <a:fillRef idx="0">
+                <a:schemeClr val="accent1"/>
+              </a:fillRef>
+              <a:effectRef idx="0">
+                <a:schemeClr val="accent1"/>
+              </a:effectRef>
+              <a:fontRef idx="minor">
+                <a:schemeClr val="tx1"/>
+              </a:fontRef>
+            </p:style>
+            <p:txBody>
+              <a:bodyPr rtlCol="0" anchor="ctr"/>
+              <a:lstStyle/>
+              <a:p>
+                <a:pPr algn="ctr"/>
+                <a:endParaRPr lang="ko-KR" altLang="en-US" dirty="0"/>
+              </a:p>
+            </p:txBody>
+          </p:sp>
+          <p:sp>
+            <p:nvSpPr>
+              <p:cNvPr id="58" name="타원 57">
+                <a:extLst>
+                  <a:ext uri="{FF2B5EF4-FFF2-40B4-BE49-F238E27FC236}">
+                    <a16:creationId xmlns:a16="http://schemas.microsoft.com/office/drawing/2014/main" id="{316AAA2A-678D-6438-F3F2-280B630488E9}"/>
+                  </a:ext>
+                </a:extLst>
+              </p:cNvPr>
+              <p:cNvSpPr/>
+              <p:nvPr/>
+            </p:nvSpPr>
+            <p:spPr>
+              <a:xfrm>
+                <a:off x="1173094" y="5577733"/>
+                <a:ext cx="45685" cy="45685"/>
+              </a:xfrm>
+              <a:prstGeom prst="ellipse">
+                <a:avLst/>
+              </a:prstGeom>
+              <a:solidFill>
+                <a:schemeClr val="bg1"/>
+              </a:solidFill>
+              <a:ln>
+                <a:noFill/>
+                <a:headEnd type="none" w="med" len="med"/>
+                <a:tailEnd type="arrow" w="med" len="med"/>
+              </a:ln>
+              <a:effectLst>
+                <a:glow rad="101600">
+                  <a:srgbClr val="FF0066">
+                    <a:alpha val="40000"/>
+                  </a:srgbClr>
+                </a:glow>
+              </a:effectLst>
+            </p:spPr>
+            <p:style>
+              <a:lnRef idx="1">
+                <a:schemeClr val="accent1"/>
+              </a:lnRef>
+              <a:fillRef idx="0">
+                <a:schemeClr val="accent1"/>
+              </a:fillRef>
+              <a:effectRef idx="0">
+                <a:schemeClr val="accent1"/>
+              </a:effectRef>
+              <a:fontRef idx="minor">
+                <a:schemeClr val="tx1"/>
+              </a:fontRef>
+            </p:style>
+            <p:txBody>
+              <a:bodyPr rtlCol="0" anchor="ctr"/>
+              <a:lstStyle/>
+              <a:p>
+                <a:pPr algn="ctr"/>
+                <a:endParaRPr lang="ko-KR" altLang="en-US" dirty="0"/>
+              </a:p>
+            </p:txBody>
+          </p:sp>
+          <p:sp>
+            <p:nvSpPr>
+              <p:cNvPr id="59" name="타원 58">
+                <a:extLst>
+                  <a:ext uri="{FF2B5EF4-FFF2-40B4-BE49-F238E27FC236}">
+                    <a16:creationId xmlns:a16="http://schemas.microsoft.com/office/drawing/2014/main" id="{AC584AC2-808B-F595-8EC7-A7D90F8E0121}"/>
+                  </a:ext>
+                </a:extLst>
+              </p:cNvPr>
+              <p:cNvSpPr/>
+              <p:nvPr/>
+            </p:nvSpPr>
+            <p:spPr>
+              <a:xfrm>
+                <a:off x="1173094" y="5452606"/>
+                <a:ext cx="45685" cy="45685"/>
+              </a:xfrm>
+              <a:prstGeom prst="ellipse">
+                <a:avLst/>
+              </a:prstGeom>
+              <a:solidFill>
+                <a:schemeClr val="bg1"/>
+              </a:solidFill>
+              <a:ln>
+                <a:noFill/>
+                <a:headEnd type="none" w="med" len="med"/>
+                <a:tailEnd type="arrow" w="med" len="med"/>
+              </a:ln>
+              <a:effectLst>
+                <a:glow rad="101600">
+                  <a:srgbClr val="FF0066">
+                    <a:alpha val="40000"/>
+                  </a:srgbClr>
+                </a:glow>
+              </a:effectLst>
+            </p:spPr>
+            <p:style>
+              <a:lnRef idx="1">
+                <a:schemeClr val="accent1"/>
+              </a:lnRef>
+              <a:fillRef idx="0">
+                <a:schemeClr val="accent1"/>
+              </a:fillRef>
+              <a:effectRef idx="0">
+                <a:schemeClr val="accent1"/>
+              </a:effectRef>
+              <a:fontRef idx="minor">
+                <a:schemeClr val="tx1"/>
+              </a:fontRef>
+            </p:style>
+            <p:txBody>
+              <a:bodyPr rtlCol="0" anchor="ctr"/>
+              <a:lstStyle/>
+              <a:p>
+                <a:pPr algn="ctr"/>
+                <a:endParaRPr lang="ko-KR" altLang="en-US" dirty="0"/>
+              </a:p>
+            </p:txBody>
+          </p:sp>
+          <p:sp>
+            <p:nvSpPr>
+              <p:cNvPr id="60" name="타원 59">
+                <a:extLst>
+                  <a:ext uri="{FF2B5EF4-FFF2-40B4-BE49-F238E27FC236}">
+                    <a16:creationId xmlns:a16="http://schemas.microsoft.com/office/drawing/2014/main" id="{B3570820-8B3A-70E8-0AAA-6A88034F36A4}"/>
+                  </a:ext>
+                </a:extLst>
+              </p:cNvPr>
+              <p:cNvSpPr/>
+              <p:nvPr/>
+            </p:nvSpPr>
+            <p:spPr>
+              <a:xfrm>
+                <a:off x="1173094" y="5316172"/>
+                <a:ext cx="45685" cy="45685"/>
+              </a:xfrm>
+              <a:prstGeom prst="ellipse">
+                <a:avLst/>
+              </a:prstGeom>
+              <a:solidFill>
+                <a:schemeClr val="bg1"/>
+              </a:solidFill>
+              <a:ln>
+                <a:noFill/>
+                <a:headEnd type="none" w="med" len="med"/>
+                <a:tailEnd type="arrow" w="med" len="med"/>
+              </a:ln>
+              <a:effectLst>
+                <a:glow rad="101600">
+                  <a:srgbClr val="FF0066">
+                    <a:alpha val="40000"/>
+                  </a:srgbClr>
+                </a:glow>
+              </a:effectLst>
+            </p:spPr>
+            <p:style>
+              <a:lnRef idx="1">
+                <a:schemeClr val="accent1"/>
+              </a:lnRef>
+              <a:fillRef idx="0">
+                <a:schemeClr val="accent1"/>
+              </a:fillRef>
+              <a:effectRef idx="0">
+                <a:schemeClr val="accent1"/>
+              </a:effectRef>
+              <a:fontRef idx="minor">
+                <a:schemeClr val="tx1"/>
+              </a:fontRef>
+            </p:style>
+            <p:txBody>
+              <a:bodyPr rtlCol="0" anchor="ctr"/>
+              <a:lstStyle/>
+              <a:p>
+                <a:pPr algn="ctr"/>
+                <a:endParaRPr lang="ko-KR" altLang="en-US" dirty="0"/>
+              </a:p>
+            </p:txBody>
+          </p:sp>
+          <p:sp>
+            <p:nvSpPr>
+              <p:cNvPr id="63" name="타원 62">
+                <a:extLst>
+                  <a:ext uri="{FF2B5EF4-FFF2-40B4-BE49-F238E27FC236}">
+                    <a16:creationId xmlns:a16="http://schemas.microsoft.com/office/drawing/2014/main" id="{9C669C0B-329B-4494-213D-AEF3A55ACF63}"/>
+                  </a:ext>
+                </a:extLst>
+              </p:cNvPr>
+              <p:cNvSpPr/>
+              <p:nvPr/>
+            </p:nvSpPr>
+            <p:spPr>
+              <a:xfrm>
+                <a:off x="1173094" y="5169402"/>
+                <a:ext cx="45685" cy="45685"/>
+              </a:xfrm>
+              <a:prstGeom prst="ellipse">
+                <a:avLst/>
+              </a:prstGeom>
+              <a:solidFill>
+                <a:schemeClr val="bg1"/>
+              </a:solidFill>
+              <a:ln>
+                <a:noFill/>
+                <a:headEnd type="none" w="med" len="med"/>
+                <a:tailEnd type="arrow" w="med" len="med"/>
+              </a:ln>
+              <a:effectLst>
+                <a:glow rad="101600">
+                  <a:srgbClr val="FF0066">
+                    <a:alpha val="40000"/>
+                  </a:srgbClr>
+                </a:glow>
+              </a:effectLst>
+            </p:spPr>
+            <p:style>
+              <a:lnRef idx="1">
+                <a:schemeClr val="accent1"/>
+              </a:lnRef>
+              <a:fillRef idx="0">
+                <a:schemeClr val="accent1"/>
+              </a:fillRef>
+              <a:effectRef idx="0">
+                <a:schemeClr val="accent1"/>
+              </a:effectRef>
+              <a:fontRef idx="minor">
+                <a:schemeClr val="tx1"/>
+              </a:fontRef>
+            </p:style>
+            <p:txBody>
+              <a:bodyPr rtlCol="0" anchor="ctr"/>
+              <a:lstStyle/>
+              <a:p>
+                <a:pPr algn="ctr"/>
+                <a:endParaRPr lang="ko-KR" altLang="en-US" dirty="0"/>
+              </a:p>
+            </p:txBody>
+          </p:sp>
+          <p:sp>
+            <p:nvSpPr>
+              <p:cNvPr id="64" name="타원 63">
+                <a:extLst>
+                  <a:ext uri="{FF2B5EF4-FFF2-40B4-BE49-F238E27FC236}">
+                    <a16:creationId xmlns:a16="http://schemas.microsoft.com/office/drawing/2014/main" id="{1422EBE1-3519-3B8D-77DA-8D0AF14C9C10}"/>
+                  </a:ext>
+                </a:extLst>
+              </p:cNvPr>
+              <p:cNvSpPr/>
+              <p:nvPr/>
+            </p:nvSpPr>
+            <p:spPr>
+              <a:xfrm>
+                <a:off x="1173094" y="5986196"/>
+                <a:ext cx="45685" cy="45685"/>
+              </a:xfrm>
+              <a:prstGeom prst="ellipse">
+                <a:avLst/>
+              </a:prstGeom>
+              <a:solidFill>
+                <a:schemeClr val="bg1"/>
+              </a:solidFill>
+              <a:ln>
+                <a:noFill/>
+                <a:headEnd type="none" w="med" len="med"/>
+                <a:tailEnd type="arrow" w="med" len="med"/>
+              </a:ln>
+              <a:effectLst>
+                <a:glow rad="101600">
+                  <a:srgbClr val="FF0066">
+                    <a:alpha val="40000"/>
+                  </a:srgbClr>
+                </a:glow>
+              </a:effectLst>
+            </p:spPr>
+            <p:style>
+              <a:lnRef idx="1">
+                <a:schemeClr val="accent1"/>
+              </a:lnRef>
+              <a:fillRef idx="0">
+                <a:schemeClr val="accent1"/>
+              </a:fillRef>
+              <a:effectRef idx="0">
+                <a:schemeClr val="accent1"/>
+              </a:effectRef>
+              <a:fontRef idx="minor">
+                <a:schemeClr val="tx1"/>
+              </a:fontRef>
+            </p:style>
+            <p:txBody>
+              <a:bodyPr rtlCol="0" anchor="ctr"/>
+              <a:lstStyle/>
+              <a:p>
+                <a:pPr algn="ctr"/>
+                <a:endParaRPr lang="ko-KR" altLang="en-US" dirty="0"/>
+              </a:p>
+            </p:txBody>
+          </p:sp>
+          <p:sp>
+            <p:nvSpPr>
+              <p:cNvPr id="65" name="타원 64">
+                <a:extLst>
+                  <a:ext uri="{FF2B5EF4-FFF2-40B4-BE49-F238E27FC236}">
+                    <a16:creationId xmlns:a16="http://schemas.microsoft.com/office/drawing/2014/main" id="{D5BB3F0B-D452-0D0C-067E-5BE151A6943F}"/>
+                  </a:ext>
+                </a:extLst>
+              </p:cNvPr>
+              <p:cNvSpPr/>
+              <p:nvPr/>
+            </p:nvSpPr>
+            <p:spPr>
+              <a:xfrm>
+                <a:off x="1173094" y="5849762"/>
+                <a:ext cx="45685" cy="45685"/>
+              </a:xfrm>
+              <a:prstGeom prst="ellipse">
+                <a:avLst/>
+              </a:prstGeom>
+              <a:solidFill>
+                <a:schemeClr val="bg1"/>
+              </a:solidFill>
+              <a:ln>
+                <a:noFill/>
+                <a:headEnd type="none" w="med" len="med"/>
+                <a:tailEnd type="arrow" w="med" len="med"/>
+              </a:ln>
+              <a:effectLst>
+                <a:glow rad="101600">
+                  <a:srgbClr val="FF0066">
+                    <a:alpha val="40000"/>
+                  </a:srgbClr>
+                </a:glow>
+              </a:effectLst>
+            </p:spPr>
+            <p:style>
+              <a:lnRef idx="1">
+                <a:schemeClr val="accent1"/>
+              </a:lnRef>
+              <a:fillRef idx="0">
+                <a:schemeClr val="accent1"/>
+              </a:fillRef>
+              <a:effectRef idx="0">
+                <a:schemeClr val="accent1"/>
+              </a:effectRef>
+              <a:fontRef idx="minor">
+                <a:schemeClr val="tx1"/>
+              </a:fontRef>
+            </p:style>
+            <p:txBody>
+              <a:bodyPr rtlCol="0" anchor="ctr"/>
+              <a:lstStyle/>
+              <a:p>
+                <a:pPr algn="ctr"/>
+                <a:endParaRPr lang="ko-KR" altLang="en-US" dirty="0"/>
+              </a:p>
+            </p:txBody>
+          </p:sp>
+          <p:sp>
+            <p:nvSpPr>
+              <p:cNvPr id="66" name="타원 65">
+                <a:extLst>
+                  <a:ext uri="{FF2B5EF4-FFF2-40B4-BE49-F238E27FC236}">
+                    <a16:creationId xmlns:a16="http://schemas.microsoft.com/office/drawing/2014/main" id="{BF4F83A0-6457-5891-EA11-646C6456AE7D}"/>
+                  </a:ext>
+                </a:extLst>
+              </p:cNvPr>
+              <p:cNvSpPr/>
+              <p:nvPr/>
+            </p:nvSpPr>
+            <p:spPr>
+              <a:xfrm>
+                <a:off x="1173094" y="3742164"/>
+                <a:ext cx="45685" cy="45685"/>
+              </a:xfrm>
+              <a:prstGeom prst="ellipse">
+                <a:avLst/>
+              </a:prstGeom>
+              <a:solidFill>
+                <a:schemeClr val="bg1"/>
+              </a:solidFill>
+              <a:ln>
+                <a:noFill/>
+                <a:headEnd type="none" w="med" len="med"/>
+                <a:tailEnd type="arrow" w="med" len="med"/>
+              </a:ln>
+              <a:effectLst>
+                <a:glow rad="101600">
+                  <a:srgbClr val="FF0066">
+                    <a:alpha val="40000"/>
+                  </a:srgbClr>
+                </a:glow>
+              </a:effectLst>
+            </p:spPr>
+            <p:style>
+              <a:lnRef idx="1">
+                <a:schemeClr val="accent1"/>
+              </a:lnRef>
+              <a:fillRef idx="0">
+                <a:schemeClr val="accent1"/>
+              </a:fillRef>
+              <a:effectRef idx="0">
+                <a:schemeClr val="accent1"/>
+              </a:effectRef>
+              <a:fontRef idx="minor">
+                <a:schemeClr val="tx1"/>
+              </a:fontRef>
+            </p:style>
+            <p:txBody>
+              <a:bodyPr rtlCol="0" anchor="ctr"/>
+              <a:lstStyle/>
+              <a:p>
+                <a:pPr algn="ctr"/>
+                <a:endParaRPr lang="ko-KR" altLang="en-US" dirty="0"/>
+              </a:p>
+            </p:txBody>
+          </p:sp>
+          <p:sp>
+            <p:nvSpPr>
+              <p:cNvPr id="67" name="타원 66">
+                <a:extLst>
+                  <a:ext uri="{FF2B5EF4-FFF2-40B4-BE49-F238E27FC236}">
+                    <a16:creationId xmlns:a16="http://schemas.microsoft.com/office/drawing/2014/main" id="{0E53B58E-317A-134D-CB1B-261C7FEA427D}"/>
+                  </a:ext>
+                </a:extLst>
+              </p:cNvPr>
+              <p:cNvSpPr/>
+              <p:nvPr/>
+            </p:nvSpPr>
+            <p:spPr>
+              <a:xfrm>
+                <a:off x="1173094" y="3605730"/>
+                <a:ext cx="45685" cy="45685"/>
+              </a:xfrm>
+              <a:prstGeom prst="ellipse">
+                <a:avLst/>
+              </a:prstGeom>
+              <a:solidFill>
+                <a:schemeClr val="bg1"/>
+              </a:solidFill>
+              <a:ln>
+                <a:noFill/>
+                <a:headEnd type="none" w="med" len="med"/>
+                <a:tailEnd type="arrow" w="med" len="med"/>
+              </a:ln>
+              <a:effectLst>
+                <a:glow rad="101600">
+                  <a:srgbClr val="FF0066">
+                    <a:alpha val="40000"/>
+                  </a:srgbClr>
+                </a:glow>
+              </a:effectLst>
+            </p:spPr>
+            <p:style>
+              <a:lnRef idx="1">
+                <a:schemeClr val="accent1"/>
+              </a:lnRef>
+              <a:fillRef idx="0">
+                <a:schemeClr val="accent1"/>
+              </a:fillRef>
+              <a:effectRef idx="0">
+                <a:schemeClr val="accent1"/>
+              </a:effectRef>
+              <a:fontRef idx="minor">
+                <a:schemeClr val="tx1"/>
+              </a:fontRef>
+            </p:style>
+            <p:txBody>
+              <a:bodyPr rtlCol="0" anchor="ctr"/>
+              <a:lstStyle/>
+              <a:p>
+                <a:pPr algn="ctr"/>
+                <a:endParaRPr lang="ko-KR" altLang="en-US" dirty="0"/>
+              </a:p>
+            </p:txBody>
+          </p:sp>
+          <p:sp>
+            <p:nvSpPr>
+              <p:cNvPr id="68" name="타원 67">
+                <a:extLst>
+                  <a:ext uri="{FF2B5EF4-FFF2-40B4-BE49-F238E27FC236}">
+                    <a16:creationId xmlns:a16="http://schemas.microsoft.com/office/drawing/2014/main" id="{8C926A05-A319-72F4-9631-9F23610E1D9B}"/>
+                  </a:ext>
+                </a:extLst>
+              </p:cNvPr>
+              <p:cNvSpPr/>
+              <p:nvPr/>
+            </p:nvSpPr>
+            <p:spPr>
+              <a:xfrm>
+                <a:off x="1173094" y="3480603"/>
+                <a:ext cx="45685" cy="45685"/>
+              </a:xfrm>
+              <a:prstGeom prst="ellipse">
+                <a:avLst/>
+              </a:prstGeom>
+              <a:solidFill>
+                <a:schemeClr val="bg1"/>
+              </a:solidFill>
+              <a:ln>
+                <a:noFill/>
+                <a:headEnd type="none" w="med" len="med"/>
+                <a:tailEnd type="arrow" w="med" len="med"/>
+              </a:ln>
+              <a:effectLst>
+                <a:glow rad="101600">
+                  <a:srgbClr val="FF0066">
+                    <a:alpha val="40000"/>
+                  </a:srgbClr>
+                </a:glow>
+              </a:effectLst>
+            </p:spPr>
+            <p:style>
+              <a:lnRef idx="1">
+                <a:schemeClr val="accent1"/>
+              </a:lnRef>
+              <a:fillRef idx="0">
+                <a:schemeClr val="accent1"/>
+              </a:fillRef>
+              <a:effectRef idx="0">
+                <a:schemeClr val="accent1"/>
+              </a:effectRef>
+              <a:fontRef idx="minor">
+                <a:schemeClr val="tx1"/>
+              </a:fontRef>
+            </p:style>
+            <p:txBody>
+              <a:bodyPr rtlCol="0" anchor="ctr"/>
+              <a:lstStyle/>
+              <a:p>
+                <a:pPr algn="ctr"/>
+                <a:endParaRPr lang="ko-KR" altLang="en-US" dirty="0"/>
+              </a:p>
+            </p:txBody>
+          </p:sp>
+          <p:sp>
+            <p:nvSpPr>
+              <p:cNvPr id="69" name="타원 68">
+                <a:extLst>
+                  <a:ext uri="{FF2B5EF4-FFF2-40B4-BE49-F238E27FC236}">
+                    <a16:creationId xmlns:a16="http://schemas.microsoft.com/office/drawing/2014/main" id="{69AF8C53-D6CC-F2AB-9AF2-0E30EC47138D}"/>
+                  </a:ext>
+                </a:extLst>
+              </p:cNvPr>
+              <p:cNvSpPr/>
+              <p:nvPr/>
+            </p:nvSpPr>
+            <p:spPr>
+              <a:xfrm>
+                <a:off x="1173094" y="3344169"/>
+                <a:ext cx="45685" cy="45685"/>
+              </a:xfrm>
+              <a:prstGeom prst="ellipse">
+                <a:avLst/>
+              </a:prstGeom>
+              <a:solidFill>
+                <a:schemeClr val="bg1"/>
+              </a:solidFill>
+              <a:ln>
+                <a:noFill/>
+                <a:headEnd type="none" w="med" len="med"/>
+                <a:tailEnd type="arrow" w="med" len="med"/>
+              </a:ln>
+              <a:effectLst>
+                <a:glow rad="101600">
+                  <a:srgbClr val="FF0066">
+                    <a:alpha val="40000"/>
+                  </a:srgbClr>
+                </a:glow>
+              </a:effectLst>
+            </p:spPr>
+            <p:style>
+              <a:lnRef idx="1">
+                <a:schemeClr val="accent1"/>
+              </a:lnRef>
+              <a:fillRef idx="0">
+                <a:schemeClr val="accent1"/>
+              </a:fillRef>
+              <a:effectRef idx="0">
+                <a:schemeClr val="accent1"/>
+              </a:effectRef>
+              <a:fontRef idx="minor">
+                <a:schemeClr val="tx1"/>
+              </a:fontRef>
+            </p:style>
+            <p:txBody>
+              <a:bodyPr rtlCol="0" anchor="ctr"/>
+              <a:lstStyle/>
+              <a:p>
+                <a:pPr algn="ctr"/>
+                <a:endParaRPr lang="ko-KR" altLang="en-US" dirty="0"/>
+              </a:p>
+            </p:txBody>
+          </p:sp>
+          <p:sp>
+            <p:nvSpPr>
+              <p:cNvPr id="70" name="타원 69">
+                <a:extLst>
+                  <a:ext uri="{FF2B5EF4-FFF2-40B4-BE49-F238E27FC236}">
+                    <a16:creationId xmlns:a16="http://schemas.microsoft.com/office/drawing/2014/main" id="{4A23D244-6523-AAFB-E114-34479E0D542A}"/>
+                  </a:ext>
+                </a:extLst>
+              </p:cNvPr>
+              <p:cNvSpPr/>
+              <p:nvPr/>
+            </p:nvSpPr>
+            <p:spPr>
+              <a:xfrm>
+                <a:off x="1173094" y="3197399"/>
+                <a:ext cx="45685" cy="45685"/>
+              </a:xfrm>
+              <a:prstGeom prst="ellipse">
+                <a:avLst/>
+              </a:prstGeom>
+              <a:solidFill>
+                <a:schemeClr val="bg1"/>
+              </a:solidFill>
+              <a:ln>
+                <a:noFill/>
+                <a:headEnd type="none" w="med" len="med"/>
+                <a:tailEnd type="arrow" w="med" len="med"/>
+              </a:ln>
+              <a:effectLst>
+                <a:glow rad="101600">
+                  <a:srgbClr val="FF0066">
+                    <a:alpha val="40000"/>
+                  </a:srgbClr>
+                </a:glow>
+              </a:effectLst>
+            </p:spPr>
+            <p:style>
+              <a:lnRef idx="1">
+                <a:schemeClr val="accent1"/>
+              </a:lnRef>
+              <a:fillRef idx="0">
+                <a:schemeClr val="accent1"/>
+              </a:fillRef>
+              <a:effectRef idx="0">
+                <a:schemeClr val="accent1"/>
+              </a:effectRef>
+              <a:fontRef idx="minor">
+                <a:schemeClr val="tx1"/>
+              </a:fontRef>
+            </p:style>
+            <p:txBody>
+              <a:bodyPr rtlCol="0" anchor="ctr"/>
+              <a:lstStyle/>
+              <a:p>
+                <a:pPr algn="ctr"/>
+                <a:endParaRPr lang="ko-KR" altLang="en-US" dirty="0"/>
+              </a:p>
+            </p:txBody>
+          </p:sp>
+          <p:sp>
+            <p:nvSpPr>
+              <p:cNvPr id="71" name="타원 70">
+                <a:extLst>
+                  <a:ext uri="{FF2B5EF4-FFF2-40B4-BE49-F238E27FC236}">
+                    <a16:creationId xmlns:a16="http://schemas.microsoft.com/office/drawing/2014/main" id="{B76CC923-8A7E-8C2A-A267-8CDE540AE879}"/>
+                  </a:ext>
+                </a:extLst>
+              </p:cNvPr>
+              <p:cNvSpPr/>
+              <p:nvPr/>
+            </p:nvSpPr>
+            <p:spPr>
+              <a:xfrm>
+                <a:off x="1173094" y="4014193"/>
+                <a:ext cx="45685" cy="45685"/>
+              </a:xfrm>
+              <a:prstGeom prst="ellipse">
+                <a:avLst/>
+              </a:prstGeom>
+              <a:solidFill>
+                <a:schemeClr val="bg1"/>
+              </a:solidFill>
+              <a:ln>
+                <a:noFill/>
+                <a:headEnd type="none" w="med" len="med"/>
+                <a:tailEnd type="arrow" w="med" len="med"/>
+              </a:ln>
+              <a:effectLst>
+                <a:glow rad="101600">
+                  <a:srgbClr val="FF0066">
+                    <a:alpha val="40000"/>
+                  </a:srgbClr>
+                </a:glow>
+              </a:effectLst>
+            </p:spPr>
+            <p:style>
+              <a:lnRef idx="1">
+                <a:schemeClr val="accent1"/>
+              </a:lnRef>
+              <a:fillRef idx="0">
+                <a:schemeClr val="accent1"/>
+              </a:fillRef>
+              <a:effectRef idx="0">
+                <a:schemeClr val="accent1"/>
+              </a:effectRef>
+              <a:fontRef idx="minor">
+                <a:schemeClr val="tx1"/>
+              </a:fontRef>
+            </p:style>
+            <p:txBody>
+              <a:bodyPr rtlCol="0" anchor="ctr"/>
+              <a:lstStyle/>
+              <a:p>
+                <a:pPr algn="ctr"/>
+                <a:endParaRPr lang="ko-KR" altLang="en-US" dirty="0"/>
+              </a:p>
+            </p:txBody>
+          </p:sp>
+          <p:sp>
+            <p:nvSpPr>
+              <p:cNvPr id="72" name="타원 71">
+                <a:extLst>
+                  <a:ext uri="{FF2B5EF4-FFF2-40B4-BE49-F238E27FC236}">
+                    <a16:creationId xmlns:a16="http://schemas.microsoft.com/office/drawing/2014/main" id="{15B57F71-BAF4-E4FD-A443-AA1A6846B07C}"/>
+                  </a:ext>
+                </a:extLst>
+              </p:cNvPr>
+              <p:cNvSpPr/>
+              <p:nvPr/>
+            </p:nvSpPr>
+            <p:spPr>
+              <a:xfrm>
+                <a:off x="1173094" y="3877759"/>
+                <a:ext cx="45685" cy="45685"/>
+              </a:xfrm>
+              <a:prstGeom prst="ellipse">
+                <a:avLst/>
+              </a:prstGeom>
+              <a:solidFill>
+                <a:schemeClr val="bg1"/>
+              </a:solidFill>
+              <a:ln>
+                <a:noFill/>
+                <a:headEnd type="none" w="med" len="med"/>
+                <a:tailEnd type="arrow" w="med" len="med"/>
+              </a:ln>
+              <a:effectLst>
+                <a:glow rad="101600">
+                  <a:srgbClr val="FF0066">
+                    <a:alpha val="40000"/>
+                  </a:srgbClr>
+                </a:glow>
+              </a:effectLst>
+            </p:spPr>
+            <p:style>
+              <a:lnRef idx="1">
+                <a:schemeClr val="accent1"/>
+              </a:lnRef>
+              <a:fillRef idx="0">
+                <a:schemeClr val="accent1"/>
+              </a:fillRef>
+              <a:effectRef idx="0">
+                <a:schemeClr val="accent1"/>
+              </a:effectRef>
+              <a:fontRef idx="minor">
+                <a:schemeClr val="tx1"/>
+              </a:fontRef>
+            </p:style>
+            <p:txBody>
+              <a:bodyPr rtlCol="0" anchor="ctr"/>
+              <a:lstStyle/>
+              <a:p>
+                <a:pPr algn="ctr"/>
+                <a:endParaRPr lang="ko-KR" altLang="en-US" dirty="0"/>
+              </a:p>
+            </p:txBody>
+          </p:sp>
+        </p:grpSp>
+        <p:sp>
+          <p:nvSpPr>
+            <p:cNvPr id="99" name="타원 98">
+              <a:extLst>
+                <a:ext uri="{FF2B5EF4-FFF2-40B4-BE49-F238E27FC236}">
+                  <a16:creationId xmlns:a16="http://schemas.microsoft.com/office/drawing/2014/main" id="{7D9FD775-FF10-7F62-63C5-32F30DAE5048}"/>
+                </a:ext>
+              </a:extLst>
+            </p:cNvPr>
+            <p:cNvSpPr/>
+            <p:nvPr/>
+          </p:nvSpPr>
+          <p:spPr>
+            <a:xfrm>
+              <a:off x="800199" y="5633127"/>
+              <a:ext cx="29629" cy="29629"/>
+            </a:xfrm>
+            <a:prstGeom prst="ellipse">
+              <a:avLst/>
+            </a:prstGeom>
+            <a:solidFill>
+              <a:schemeClr val="bg1"/>
+            </a:solidFill>
+            <a:ln>
+              <a:noFill/>
+              <a:headEnd type="none" w="med" len="med"/>
+              <a:tailEnd type="arrow" w="med" len="med"/>
+            </a:ln>
+            <a:effectLst>
+              <a:glow rad="101600">
+                <a:srgbClr val="FF0066">
+                  <a:alpha val="40000"/>
+                </a:srgbClr>
+              </a:glow>
+            </a:effectLst>
+          </p:spPr>
+          <p:style>
+            <a:lnRef idx="1">
+              <a:schemeClr val="accent1"/>
+            </a:lnRef>
+            <a:fillRef idx="0">
+              <a:schemeClr val="accent1"/>
+            </a:fillRef>
+            <a:effectRef idx="0">
+              <a:schemeClr val="accent1"/>
+            </a:effectRef>
+            <a:fontRef idx="minor">
+              <a:schemeClr val="tx1"/>
+            </a:fontRef>
+          </p:style>
+          <p:txBody>
+            <a:bodyPr rtlCol="0" anchor="ctr"/>
+            <a:lstStyle/>
+            <a:p>
+              <a:pPr algn="ctr"/>
+              <a:endParaRPr lang="ko-KR" altLang="en-US" dirty="0"/>
+            </a:p>
+          </p:txBody>
+        </p:sp>
+        <p:sp>
+          <p:nvSpPr>
+            <p:cNvPr id="104" name="타원 103">
+              <a:extLst>
+                <a:ext uri="{FF2B5EF4-FFF2-40B4-BE49-F238E27FC236}">
+                  <a16:creationId xmlns:a16="http://schemas.microsoft.com/office/drawing/2014/main" id="{C4AF234E-8B92-B182-A054-75C7E0E2F98A}"/>
+                </a:ext>
+              </a:extLst>
+            </p:cNvPr>
+            <p:cNvSpPr/>
+            <p:nvPr/>
+          </p:nvSpPr>
+          <p:spPr>
+            <a:xfrm>
+              <a:off x="800199" y="5544641"/>
+              <a:ext cx="29629" cy="29629"/>
+            </a:xfrm>
+            <a:prstGeom prst="ellipse">
+              <a:avLst/>
+            </a:prstGeom>
+            <a:solidFill>
+              <a:schemeClr val="bg1"/>
+            </a:solidFill>
+            <a:ln>
+              <a:noFill/>
+              <a:headEnd type="none" w="med" len="med"/>
+              <a:tailEnd type="arrow" w="med" len="med"/>
+            </a:ln>
+            <a:effectLst>
+              <a:glow rad="101600">
+                <a:srgbClr val="FF0066">
+                  <a:alpha val="40000"/>
+                </a:srgbClr>
+              </a:glow>
+            </a:effectLst>
+          </p:spPr>
+          <p:style>
+            <a:lnRef idx="1">
+              <a:schemeClr val="accent1"/>
+            </a:lnRef>
+            <a:fillRef idx="0">
+              <a:schemeClr val="accent1"/>
+            </a:fillRef>
+            <a:effectRef idx="0">
+              <a:schemeClr val="accent1"/>
+            </a:effectRef>
+            <a:fontRef idx="minor">
+              <a:schemeClr val="tx1"/>
+            </a:fontRef>
+          </p:style>
+          <p:txBody>
+            <a:bodyPr rtlCol="0" anchor="ctr"/>
+            <a:lstStyle/>
+            <a:p>
+              <a:pPr algn="ctr"/>
+              <a:endParaRPr lang="ko-KR" altLang="en-US" dirty="0"/>
+            </a:p>
+          </p:txBody>
+        </p:sp>
+        <p:sp>
+          <p:nvSpPr>
+            <p:cNvPr id="109" name="타원 108">
+              <a:extLst>
+                <a:ext uri="{FF2B5EF4-FFF2-40B4-BE49-F238E27FC236}">
+                  <a16:creationId xmlns:a16="http://schemas.microsoft.com/office/drawing/2014/main" id="{F8C1E640-5D28-744D-5CC8-9C234E6520EB}"/>
+                </a:ext>
+              </a:extLst>
+            </p:cNvPr>
+            <p:cNvSpPr/>
+            <p:nvPr/>
+          </p:nvSpPr>
+          <p:spPr>
+            <a:xfrm>
+              <a:off x="800199" y="5463489"/>
+              <a:ext cx="29629" cy="29629"/>
+            </a:xfrm>
+            <a:prstGeom prst="ellipse">
+              <a:avLst/>
+            </a:prstGeom>
+            <a:solidFill>
+              <a:schemeClr val="bg1"/>
+            </a:solidFill>
+            <a:ln>
+              <a:noFill/>
+              <a:headEnd type="none" w="med" len="med"/>
+              <a:tailEnd type="arrow" w="med" len="med"/>
+            </a:ln>
+            <a:effectLst>
+              <a:glow rad="101600">
+                <a:srgbClr val="FF0066">
+                  <a:alpha val="40000"/>
+                </a:srgbClr>
+              </a:glow>
+            </a:effectLst>
+          </p:spPr>
+          <p:style>
+            <a:lnRef idx="1">
+              <a:schemeClr val="accent1"/>
+            </a:lnRef>
+            <a:fillRef idx="0">
+              <a:schemeClr val="accent1"/>
+            </a:fillRef>
+            <a:effectRef idx="0">
+              <a:schemeClr val="accent1"/>
+            </a:effectRef>
+            <a:fontRef idx="minor">
+              <a:schemeClr val="tx1"/>
+            </a:fontRef>
+          </p:style>
+          <p:txBody>
+            <a:bodyPr rtlCol="0" anchor="ctr"/>
+            <a:lstStyle/>
+            <a:p>
+              <a:pPr algn="ctr"/>
+              <a:endParaRPr lang="ko-KR" altLang="en-US" dirty="0"/>
+            </a:p>
+          </p:txBody>
+        </p:sp>
+        <p:sp>
+          <p:nvSpPr>
+            <p:cNvPr id="110" name="타원 109">
+              <a:extLst>
+                <a:ext uri="{FF2B5EF4-FFF2-40B4-BE49-F238E27FC236}">
+                  <a16:creationId xmlns:a16="http://schemas.microsoft.com/office/drawing/2014/main" id="{78F84D2D-B7C3-2F38-F579-D98953ACB3B9}"/>
+                </a:ext>
+              </a:extLst>
+            </p:cNvPr>
+            <p:cNvSpPr/>
+            <p:nvPr/>
+          </p:nvSpPr>
+          <p:spPr>
+            <a:xfrm>
+              <a:off x="800199" y="5375004"/>
+              <a:ext cx="29629" cy="29629"/>
+            </a:xfrm>
+            <a:prstGeom prst="ellipse">
+              <a:avLst/>
+            </a:prstGeom>
+            <a:solidFill>
+              <a:schemeClr val="bg1"/>
+            </a:solidFill>
+            <a:ln>
+              <a:noFill/>
+              <a:headEnd type="none" w="med" len="med"/>
+              <a:tailEnd type="arrow" w="med" len="med"/>
+            </a:ln>
+            <a:effectLst>
+              <a:glow rad="101600">
+                <a:srgbClr val="FF0066">
+                  <a:alpha val="40000"/>
+                </a:srgbClr>
+              </a:glow>
+            </a:effectLst>
+          </p:spPr>
+          <p:style>
+            <a:lnRef idx="1">
+              <a:schemeClr val="accent1"/>
+            </a:lnRef>
+            <a:fillRef idx="0">
+              <a:schemeClr val="accent1"/>
+            </a:fillRef>
+            <a:effectRef idx="0">
+              <a:schemeClr val="accent1"/>
+            </a:effectRef>
+            <a:fontRef idx="minor">
+              <a:schemeClr val="tx1"/>
+            </a:fontRef>
+          </p:style>
+          <p:txBody>
+            <a:bodyPr rtlCol="0" anchor="ctr"/>
+            <a:lstStyle/>
+            <a:p>
+              <a:pPr algn="ctr"/>
+              <a:endParaRPr lang="ko-KR" altLang="en-US" dirty="0"/>
+            </a:p>
+          </p:txBody>
+        </p:sp>
+        <p:sp>
+          <p:nvSpPr>
+            <p:cNvPr id="111" name="타원 110">
+              <a:extLst>
+                <a:ext uri="{FF2B5EF4-FFF2-40B4-BE49-F238E27FC236}">
+                  <a16:creationId xmlns:a16="http://schemas.microsoft.com/office/drawing/2014/main" id="{D4B0D87F-5FFA-2235-AA0F-0CC3E9A1C5E3}"/>
+                </a:ext>
+              </a:extLst>
+            </p:cNvPr>
+            <p:cNvSpPr/>
+            <p:nvPr/>
+          </p:nvSpPr>
+          <p:spPr>
+            <a:xfrm>
+              <a:off x="800199" y="5279815"/>
+              <a:ext cx="29629" cy="29629"/>
+            </a:xfrm>
+            <a:prstGeom prst="ellipse">
+              <a:avLst/>
+            </a:prstGeom>
+            <a:solidFill>
+              <a:schemeClr val="bg1"/>
+            </a:solidFill>
+            <a:ln>
+              <a:noFill/>
+              <a:headEnd type="none" w="med" len="med"/>
+              <a:tailEnd type="arrow" w="med" len="med"/>
+            </a:ln>
+            <a:effectLst>
+              <a:glow rad="101600">
+                <a:srgbClr val="FF0066">
+                  <a:alpha val="40000"/>
+                </a:srgbClr>
+              </a:glow>
+            </a:effectLst>
+          </p:spPr>
+          <p:style>
+            <a:lnRef idx="1">
+              <a:schemeClr val="accent1"/>
+            </a:lnRef>
+            <a:fillRef idx="0">
+              <a:schemeClr val="accent1"/>
+            </a:fillRef>
+            <a:effectRef idx="0">
+              <a:schemeClr val="accent1"/>
+            </a:effectRef>
+            <a:fontRef idx="minor">
+              <a:schemeClr val="tx1"/>
+            </a:fontRef>
+          </p:style>
+          <p:txBody>
+            <a:bodyPr rtlCol="0" anchor="ctr"/>
+            <a:lstStyle/>
+            <a:p>
+              <a:pPr algn="ctr"/>
+              <a:endParaRPr lang="ko-KR" altLang="en-US" dirty="0"/>
+            </a:p>
+          </p:txBody>
+        </p:sp>
+        <p:sp>
+          <p:nvSpPr>
+            <p:cNvPr id="112" name="타원 111">
+              <a:extLst>
+                <a:ext uri="{FF2B5EF4-FFF2-40B4-BE49-F238E27FC236}">
+                  <a16:creationId xmlns:a16="http://schemas.microsoft.com/office/drawing/2014/main" id="{52849CA3-C036-207A-324F-514E73700367}"/>
+                </a:ext>
+              </a:extLst>
+            </p:cNvPr>
+            <p:cNvSpPr/>
+            <p:nvPr/>
+          </p:nvSpPr>
+          <p:spPr>
+            <a:xfrm>
+              <a:off x="800199" y="5809554"/>
+              <a:ext cx="29629" cy="29629"/>
+            </a:xfrm>
+            <a:prstGeom prst="ellipse">
+              <a:avLst/>
+            </a:prstGeom>
+            <a:solidFill>
+              <a:schemeClr val="bg1"/>
+            </a:solidFill>
+            <a:ln>
+              <a:noFill/>
+              <a:headEnd type="none" w="med" len="med"/>
+              <a:tailEnd type="arrow" w="med" len="med"/>
+            </a:ln>
+            <a:effectLst>
+              <a:glow rad="101600">
+                <a:srgbClr val="FF0066">
+                  <a:alpha val="40000"/>
+                </a:srgbClr>
+              </a:glow>
+            </a:effectLst>
+          </p:spPr>
+          <p:style>
+            <a:lnRef idx="1">
+              <a:schemeClr val="accent1"/>
+            </a:lnRef>
+            <a:fillRef idx="0">
+              <a:schemeClr val="accent1"/>
+            </a:fillRef>
+            <a:effectRef idx="0">
+              <a:schemeClr val="accent1"/>
+            </a:effectRef>
+            <a:fontRef idx="minor">
+              <a:schemeClr val="tx1"/>
+            </a:fontRef>
+          </p:style>
+          <p:txBody>
+            <a:bodyPr rtlCol="0" anchor="ctr"/>
+            <a:lstStyle/>
+            <a:p>
+              <a:pPr algn="ctr"/>
+              <a:endParaRPr lang="ko-KR" altLang="en-US" dirty="0"/>
+            </a:p>
+          </p:txBody>
+        </p:sp>
+        <p:sp>
+          <p:nvSpPr>
+            <p:cNvPr id="113" name="타원 112">
+              <a:extLst>
+                <a:ext uri="{FF2B5EF4-FFF2-40B4-BE49-F238E27FC236}">
+                  <a16:creationId xmlns:a16="http://schemas.microsoft.com/office/drawing/2014/main" id="{A24F82BD-F707-5A42-AE35-53039D51507D}"/>
+                </a:ext>
+              </a:extLst>
+            </p:cNvPr>
+            <p:cNvSpPr/>
+            <p:nvPr/>
+          </p:nvSpPr>
+          <p:spPr>
+            <a:xfrm>
+              <a:off x="800199" y="5721068"/>
+              <a:ext cx="29629" cy="29629"/>
+            </a:xfrm>
+            <a:prstGeom prst="ellipse">
+              <a:avLst/>
+            </a:prstGeom>
+            <a:solidFill>
+              <a:schemeClr val="bg1"/>
+            </a:solidFill>
+            <a:ln>
+              <a:noFill/>
+              <a:headEnd type="none" w="med" len="med"/>
+              <a:tailEnd type="arrow" w="med" len="med"/>
+            </a:ln>
+            <a:effectLst>
+              <a:glow rad="101600">
+                <a:srgbClr val="FF0066">
+                  <a:alpha val="40000"/>
+                </a:srgbClr>
+              </a:glow>
+            </a:effectLst>
+          </p:spPr>
+          <p:style>
+            <a:lnRef idx="1">
+              <a:schemeClr val="accent1"/>
+            </a:lnRef>
+            <a:fillRef idx="0">
+              <a:schemeClr val="accent1"/>
+            </a:fillRef>
+            <a:effectRef idx="0">
+              <a:schemeClr val="accent1"/>
+            </a:effectRef>
+            <a:fontRef idx="minor">
+              <a:schemeClr val="tx1"/>
+            </a:fontRef>
+          </p:style>
+          <p:txBody>
+            <a:bodyPr rtlCol="0" anchor="ctr"/>
+            <a:lstStyle/>
+            <a:p>
+              <a:pPr algn="ctr"/>
+              <a:endParaRPr lang="ko-KR" altLang="en-US" dirty="0"/>
+            </a:p>
+          </p:txBody>
+        </p:sp>
+        <p:sp>
+          <p:nvSpPr>
+            <p:cNvPr id="121" name="타원 120">
+              <a:extLst>
+                <a:ext uri="{FF2B5EF4-FFF2-40B4-BE49-F238E27FC236}">
+                  <a16:creationId xmlns:a16="http://schemas.microsoft.com/office/drawing/2014/main" id="{CCB3DEE4-D6AC-AE48-2E13-09AE0D70D509}"/>
+                </a:ext>
+              </a:extLst>
+            </p:cNvPr>
+            <p:cNvSpPr/>
+            <p:nvPr/>
+          </p:nvSpPr>
+          <p:spPr>
+            <a:xfrm>
+              <a:off x="800199" y="6011154"/>
+              <a:ext cx="29629" cy="29629"/>
+            </a:xfrm>
+            <a:prstGeom prst="ellipse">
+              <a:avLst/>
+            </a:prstGeom>
+            <a:solidFill>
+              <a:schemeClr val="bg1"/>
+            </a:solidFill>
+            <a:ln>
+              <a:noFill/>
+              <a:headEnd type="none" w="med" len="med"/>
+              <a:tailEnd type="arrow" w="med" len="med"/>
+            </a:ln>
+            <a:effectLst>
+              <a:glow rad="101600">
+                <a:srgbClr val="FF0066">
+                  <a:alpha val="40000"/>
+                </a:srgbClr>
+              </a:glow>
+            </a:effectLst>
+          </p:spPr>
+          <p:style>
+            <a:lnRef idx="1">
+              <a:schemeClr val="accent1"/>
+            </a:lnRef>
+            <a:fillRef idx="0">
+              <a:schemeClr val="accent1"/>
+            </a:fillRef>
+            <a:effectRef idx="0">
+              <a:schemeClr val="accent1"/>
+            </a:effectRef>
+            <a:fontRef idx="minor">
+              <a:schemeClr val="tx1"/>
+            </a:fontRef>
+          </p:style>
+          <p:txBody>
+            <a:bodyPr rtlCol="0" anchor="ctr"/>
+            <a:lstStyle/>
+            <a:p>
+              <a:pPr algn="ctr"/>
+              <a:endParaRPr lang="ko-KR" altLang="en-US" dirty="0"/>
+            </a:p>
+          </p:txBody>
+        </p:sp>
+        <p:sp>
+          <p:nvSpPr>
+            <p:cNvPr id="123" name="타원 122">
+              <a:extLst>
+                <a:ext uri="{FF2B5EF4-FFF2-40B4-BE49-F238E27FC236}">
+                  <a16:creationId xmlns:a16="http://schemas.microsoft.com/office/drawing/2014/main" id="{E1A9938F-107E-C2B6-5D2E-BE12970062F5}"/>
+                </a:ext>
+              </a:extLst>
+            </p:cNvPr>
+            <p:cNvSpPr/>
+            <p:nvPr/>
+          </p:nvSpPr>
+          <p:spPr>
+            <a:xfrm>
+              <a:off x="800199" y="5915965"/>
+              <a:ext cx="29629" cy="29629"/>
+            </a:xfrm>
+            <a:prstGeom prst="ellipse">
+              <a:avLst/>
+            </a:prstGeom>
+            <a:solidFill>
+              <a:schemeClr val="bg1"/>
+            </a:solidFill>
+            <a:ln>
+              <a:noFill/>
+              <a:headEnd type="none" w="med" len="med"/>
+              <a:tailEnd type="arrow" w="med" len="med"/>
+            </a:ln>
+            <a:effectLst>
+              <a:glow rad="101600">
+                <a:srgbClr val="FF0066">
+                  <a:alpha val="40000"/>
+                </a:srgbClr>
+              </a:glow>
+            </a:effectLst>
+          </p:spPr>
+          <p:style>
+            <a:lnRef idx="1">
+              <a:schemeClr val="accent1"/>
+            </a:lnRef>
+            <a:fillRef idx="0">
+              <a:schemeClr val="accent1"/>
+            </a:fillRef>
+            <a:effectRef idx="0">
+              <a:schemeClr val="accent1"/>
+            </a:effectRef>
+            <a:fontRef idx="minor">
+              <a:schemeClr val="tx1"/>
+            </a:fontRef>
+          </p:style>
+          <p:txBody>
+            <a:bodyPr rtlCol="0" anchor="ctr"/>
+            <a:lstStyle/>
+            <a:p>
+              <a:pPr algn="ctr"/>
+              <a:endParaRPr lang="ko-KR" altLang="en-US" dirty="0"/>
+            </a:p>
+          </p:txBody>
+        </p:sp>
+        <p:sp>
+          <p:nvSpPr>
+            <p:cNvPr id="129" name="타원 128">
+              <a:extLst>
+                <a:ext uri="{FF2B5EF4-FFF2-40B4-BE49-F238E27FC236}">
+                  <a16:creationId xmlns:a16="http://schemas.microsoft.com/office/drawing/2014/main" id="{BA52F925-FFBA-BE20-047D-EAD3D9ECA1E8}"/>
+                </a:ext>
+              </a:extLst>
+            </p:cNvPr>
+            <p:cNvSpPr/>
+            <p:nvPr/>
+          </p:nvSpPr>
+          <p:spPr>
+            <a:xfrm>
+              <a:off x="800199" y="4990317"/>
+              <a:ext cx="29629" cy="29629"/>
+            </a:xfrm>
+            <a:prstGeom prst="ellipse">
+              <a:avLst/>
+            </a:prstGeom>
+            <a:solidFill>
+              <a:schemeClr val="bg1"/>
+            </a:solidFill>
+            <a:ln>
+              <a:noFill/>
+              <a:headEnd type="none" w="med" len="med"/>
+              <a:tailEnd type="arrow" w="med" len="med"/>
+            </a:ln>
+            <a:effectLst>
+              <a:glow rad="101600">
+                <a:srgbClr val="FF0066">
+                  <a:alpha val="40000"/>
+                </a:srgbClr>
+              </a:glow>
+            </a:effectLst>
+          </p:spPr>
+          <p:style>
+            <a:lnRef idx="1">
+              <a:schemeClr val="accent1"/>
+            </a:lnRef>
+            <a:fillRef idx="0">
+              <a:schemeClr val="accent1"/>
+            </a:fillRef>
+            <a:effectRef idx="0">
+              <a:schemeClr val="accent1"/>
+            </a:effectRef>
+            <a:fontRef idx="minor">
+              <a:schemeClr val="tx1"/>
+            </a:fontRef>
+          </p:style>
+          <p:txBody>
+            <a:bodyPr rtlCol="0" anchor="ctr"/>
+            <a:lstStyle/>
+            <a:p>
+              <a:pPr algn="ctr"/>
+              <a:endParaRPr lang="ko-KR" altLang="en-US" dirty="0"/>
+            </a:p>
+          </p:txBody>
+        </p:sp>
+        <p:sp>
+          <p:nvSpPr>
+            <p:cNvPr id="130" name="타원 129">
+              <a:extLst>
+                <a:ext uri="{FF2B5EF4-FFF2-40B4-BE49-F238E27FC236}">
+                  <a16:creationId xmlns:a16="http://schemas.microsoft.com/office/drawing/2014/main" id="{BAE79D22-B01A-74F4-E860-59C5863CE7ED}"/>
+                </a:ext>
+              </a:extLst>
+            </p:cNvPr>
+            <p:cNvSpPr/>
+            <p:nvPr/>
+          </p:nvSpPr>
+          <p:spPr>
+            <a:xfrm>
+              <a:off x="800199" y="4901832"/>
+              <a:ext cx="29629" cy="29629"/>
+            </a:xfrm>
+            <a:prstGeom prst="ellipse">
+              <a:avLst/>
+            </a:prstGeom>
+            <a:solidFill>
+              <a:schemeClr val="bg1"/>
+            </a:solidFill>
+            <a:ln>
+              <a:noFill/>
+              <a:headEnd type="none" w="med" len="med"/>
+              <a:tailEnd type="arrow" w="med" len="med"/>
+            </a:ln>
+            <a:effectLst>
+              <a:glow rad="101600">
+                <a:srgbClr val="FF0066">
+                  <a:alpha val="40000"/>
+                </a:srgbClr>
+              </a:glow>
+            </a:effectLst>
+          </p:spPr>
+          <p:style>
+            <a:lnRef idx="1">
+              <a:schemeClr val="accent1"/>
+            </a:lnRef>
+            <a:fillRef idx="0">
+              <a:schemeClr val="accent1"/>
+            </a:fillRef>
+            <a:effectRef idx="0">
+              <a:schemeClr val="accent1"/>
+            </a:effectRef>
+            <a:fontRef idx="minor">
+              <a:schemeClr val="tx1"/>
+            </a:fontRef>
+          </p:style>
+          <p:txBody>
+            <a:bodyPr rtlCol="0" anchor="ctr"/>
+            <a:lstStyle/>
+            <a:p>
+              <a:pPr algn="ctr"/>
+              <a:endParaRPr lang="ko-KR" altLang="en-US" dirty="0"/>
+            </a:p>
+          </p:txBody>
+        </p:sp>
+        <p:sp>
+          <p:nvSpPr>
+            <p:cNvPr id="131" name="타원 130">
+              <a:extLst>
+                <a:ext uri="{FF2B5EF4-FFF2-40B4-BE49-F238E27FC236}">
+                  <a16:creationId xmlns:a16="http://schemas.microsoft.com/office/drawing/2014/main" id="{41B80C31-9F14-022D-224F-8D3CEA7D206D}"/>
+                </a:ext>
+              </a:extLst>
+            </p:cNvPr>
+            <p:cNvSpPr/>
+            <p:nvPr/>
+          </p:nvSpPr>
+          <p:spPr>
+            <a:xfrm>
+              <a:off x="800199" y="4820680"/>
+              <a:ext cx="29629" cy="29629"/>
+            </a:xfrm>
+            <a:prstGeom prst="ellipse">
+              <a:avLst/>
+            </a:prstGeom>
+            <a:solidFill>
+              <a:schemeClr val="bg1"/>
+            </a:solidFill>
+            <a:ln>
+              <a:noFill/>
+              <a:headEnd type="none" w="med" len="med"/>
+              <a:tailEnd type="arrow" w="med" len="med"/>
+            </a:ln>
+            <a:effectLst>
+              <a:glow rad="101600">
+                <a:srgbClr val="FF0066">
+                  <a:alpha val="40000"/>
+                </a:srgbClr>
+              </a:glow>
+            </a:effectLst>
+          </p:spPr>
+          <p:style>
+            <a:lnRef idx="1">
+              <a:schemeClr val="accent1"/>
+            </a:lnRef>
+            <a:fillRef idx="0">
+              <a:schemeClr val="accent1"/>
+            </a:fillRef>
+            <a:effectRef idx="0">
+              <a:schemeClr val="accent1"/>
+            </a:effectRef>
+            <a:fontRef idx="minor">
+              <a:schemeClr val="tx1"/>
+            </a:fontRef>
+          </p:style>
+          <p:txBody>
+            <a:bodyPr rtlCol="0" anchor="ctr"/>
+            <a:lstStyle/>
+            <a:p>
+              <a:pPr algn="ctr"/>
+              <a:endParaRPr lang="ko-KR" altLang="en-US" dirty="0"/>
+            </a:p>
+          </p:txBody>
+        </p:sp>
+        <p:sp>
+          <p:nvSpPr>
+            <p:cNvPr id="132" name="타원 131">
+              <a:extLst>
+                <a:ext uri="{FF2B5EF4-FFF2-40B4-BE49-F238E27FC236}">
+                  <a16:creationId xmlns:a16="http://schemas.microsoft.com/office/drawing/2014/main" id="{268CBC6A-4968-2435-D056-715CE88BA4B4}"/>
+                </a:ext>
+              </a:extLst>
+            </p:cNvPr>
+            <p:cNvSpPr/>
+            <p:nvPr/>
+          </p:nvSpPr>
+          <p:spPr>
+            <a:xfrm>
+              <a:off x="800199" y="4732194"/>
+              <a:ext cx="29629" cy="29629"/>
+            </a:xfrm>
+            <a:prstGeom prst="ellipse">
+              <a:avLst/>
+            </a:prstGeom>
+            <a:solidFill>
+              <a:schemeClr val="bg1"/>
+            </a:solidFill>
+            <a:ln>
+              <a:noFill/>
+              <a:headEnd type="none" w="med" len="med"/>
+              <a:tailEnd type="arrow" w="med" len="med"/>
+            </a:ln>
+            <a:effectLst>
+              <a:glow rad="101600">
+                <a:srgbClr val="FF0066">
+                  <a:alpha val="40000"/>
+                </a:srgbClr>
+              </a:glow>
+            </a:effectLst>
+          </p:spPr>
+          <p:style>
+            <a:lnRef idx="1">
+              <a:schemeClr val="accent1"/>
+            </a:lnRef>
+            <a:fillRef idx="0">
+              <a:schemeClr val="accent1"/>
+            </a:fillRef>
+            <a:effectRef idx="0">
+              <a:schemeClr val="accent1"/>
+            </a:effectRef>
+            <a:fontRef idx="minor">
+              <a:schemeClr val="tx1"/>
+            </a:fontRef>
+          </p:style>
+          <p:txBody>
+            <a:bodyPr rtlCol="0" anchor="ctr"/>
+            <a:lstStyle/>
+            <a:p>
+              <a:pPr algn="ctr"/>
+              <a:endParaRPr lang="ko-KR" altLang="en-US" dirty="0"/>
+            </a:p>
+          </p:txBody>
+        </p:sp>
+        <p:sp>
+          <p:nvSpPr>
+            <p:cNvPr id="133" name="타원 132">
+              <a:extLst>
+                <a:ext uri="{FF2B5EF4-FFF2-40B4-BE49-F238E27FC236}">
+                  <a16:creationId xmlns:a16="http://schemas.microsoft.com/office/drawing/2014/main" id="{4BCF427F-B55F-04EC-6C55-6449B79CF804}"/>
+                </a:ext>
+              </a:extLst>
+            </p:cNvPr>
+            <p:cNvSpPr/>
+            <p:nvPr/>
+          </p:nvSpPr>
+          <p:spPr>
+            <a:xfrm>
+              <a:off x="800199" y="4637005"/>
+              <a:ext cx="29629" cy="29629"/>
+            </a:xfrm>
+            <a:prstGeom prst="ellipse">
+              <a:avLst/>
+            </a:prstGeom>
+            <a:solidFill>
+              <a:schemeClr val="bg1"/>
+            </a:solidFill>
+            <a:ln>
+              <a:noFill/>
+              <a:headEnd type="none" w="med" len="med"/>
+              <a:tailEnd type="arrow" w="med" len="med"/>
+            </a:ln>
+            <a:effectLst>
+              <a:glow rad="101600">
+                <a:srgbClr val="FF0066">
+                  <a:alpha val="40000"/>
+                </a:srgbClr>
+              </a:glow>
+            </a:effectLst>
+          </p:spPr>
+          <p:style>
+            <a:lnRef idx="1">
+              <a:schemeClr val="accent1"/>
+            </a:lnRef>
+            <a:fillRef idx="0">
+              <a:schemeClr val="accent1"/>
+            </a:fillRef>
+            <a:effectRef idx="0">
+              <a:schemeClr val="accent1"/>
+            </a:effectRef>
+            <a:fontRef idx="minor">
+              <a:schemeClr val="tx1"/>
+            </a:fontRef>
+          </p:style>
+          <p:txBody>
+            <a:bodyPr rtlCol="0" anchor="ctr"/>
+            <a:lstStyle/>
+            <a:p>
+              <a:pPr algn="ctr"/>
+              <a:endParaRPr lang="ko-KR" altLang="en-US" dirty="0"/>
+            </a:p>
+          </p:txBody>
+        </p:sp>
+        <p:sp>
+          <p:nvSpPr>
+            <p:cNvPr id="134" name="타원 133">
+              <a:extLst>
+                <a:ext uri="{FF2B5EF4-FFF2-40B4-BE49-F238E27FC236}">
+                  <a16:creationId xmlns:a16="http://schemas.microsoft.com/office/drawing/2014/main" id="{1F666F23-DE2E-A156-C7D8-C76B2EDF33B1}"/>
+                </a:ext>
+              </a:extLst>
+            </p:cNvPr>
+            <p:cNvSpPr/>
+            <p:nvPr/>
+          </p:nvSpPr>
+          <p:spPr>
+            <a:xfrm>
+              <a:off x="800199" y="5166744"/>
+              <a:ext cx="29629" cy="29629"/>
+            </a:xfrm>
+            <a:prstGeom prst="ellipse">
+              <a:avLst/>
+            </a:prstGeom>
+            <a:solidFill>
+              <a:schemeClr val="bg1"/>
+            </a:solidFill>
+            <a:ln>
+              <a:noFill/>
+              <a:headEnd type="none" w="med" len="med"/>
+              <a:tailEnd type="arrow" w="med" len="med"/>
+            </a:ln>
+            <a:effectLst>
+              <a:glow rad="101600">
+                <a:srgbClr val="FF0066">
+                  <a:alpha val="40000"/>
+                </a:srgbClr>
+              </a:glow>
+            </a:effectLst>
+          </p:spPr>
+          <p:style>
+            <a:lnRef idx="1">
+              <a:schemeClr val="accent1"/>
+            </a:lnRef>
+            <a:fillRef idx="0">
+              <a:schemeClr val="accent1"/>
+            </a:fillRef>
+            <a:effectRef idx="0">
+              <a:schemeClr val="accent1"/>
+            </a:effectRef>
+            <a:fontRef idx="minor">
+              <a:schemeClr val="tx1"/>
+            </a:fontRef>
+          </p:style>
+          <p:txBody>
+            <a:bodyPr rtlCol="0" anchor="ctr"/>
+            <a:lstStyle/>
+            <a:p>
+              <a:pPr algn="ctr"/>
+              <a:endParaRPr lang="ko-KR" altLang="en-US" dirty="0"/>
+            </a:p>
+          </p:txBody>
+        </p:sp>
+        <p:sp>
+          <p:nvSpPr>
+            <p:cNvPr id="135" name="타원 134">
+              <a:extLst>
+                <a:ext uri="{FF2B5EF4-FFF2-40B4-BE49-F238E27FC236}">
+                  <a16:creationId xmlns:a16="http://schemas.microsoft.com/office/drawing/2014/main" id="{632FEB88-4DC6-A841-63DB-3C7298CA50BF}"/>
+                </a:ext>
+              </a:extLst>
+            </p:cNvPr>
+            <p:cNvSpPr/>
+            <p:nvPr/>
+          </p:nvSpPr>
+          <p:spPr>
+            <a:xfrm>
+              <a:off x="800199" y="5078259"/>
+              <a:ext cx="29629" cy="29629"/>
+            </a:xfrm>
+            <a:prstGeom prst="ellipse">
+              <a:avLst/>
+            </a:prstGeom>
+            <a:solidFill>
+              <a:schemeClr val="bg1"/>
+            </a:solidFill>
+            <a:ln>
+              <a:noFill/>
+              <a:headEnd type="none" w="med" len="med"/>
+              <a:tailEnd type="arrow" w="med" len="med"/>
+            </a:ln>
+            <a:effectLst>
+              <a:glow rad="101600">
+                <a:srgbClr val="FF0066">
+                  <a:alpha val="40000"/>
+                </a:srgbClr>
+              </a:glow>
+            </a:effectLst>
+          </p:spPr>
+          <p:style>
+            <a:lnRef idx="1">
+              <a:schemeClr val="accent1"/>
+            </a:lnRef>
+            <a:fillRef idx="0">
+              <a:schemeClr val="accent1"/>
+            </a:fillRef>
+            <a:effectRef idx="0">
+              <a:schemeClr val="accent1"/>
+            </a:effectRef>
+            <a:fontRef idx="minor">
+              <a:schemeClr val="tx1"/>
+            </a:fontRef>
+          </p:style>
+          <p:txBody>
+            <a:bodyPr rtlCol="0" anchor="ctr"/>
+            <a:lstStyle/>
+            <a:p>
+              <a:pPr algn="ctr"/>
+              <a:endParaRPr lang="ko-KR" altLang="en-US" dirty="0"/>
+            </a:p>
+          </p:txBody>
+        </p:sp>
+      </p:grpSp>
       <p:sp>
         <p:nvSpPr>
           <p:cNvPr id="114" name="TextBox 113">
